--- a/SuperAutoPetsPresentation.pptx
+++ b/SuperAutoPetsPresentation.pptx
@@ -5,7 +5,7 @@
     <p:sldMasterId id="2147483648" r:id="rId1"/>
   </p:sldMasterIdLst>
   <p:notesMasterIdLst>
-    <p:notesMasterId r:id="rId17"/>
+    <p:notesMasterId r:id="rId20"/>
   </p:notesMasterIdLst>
   <p:sldIdLst>
     <p:sldId id="256" r:id="rId2"/>
@@ -21,8 +21,11 @@
     <p:sldId id="264" r:id="rId12"/>
     <p:sldId id="265" r:id="rId13"/>
     <p:sldId id="269" r:id="rId14"/>
-    <p:sldId id="270" r:id="rId15"/>
-    <p:sldId id="271" r:id="rId16"/>
+    <p:sldId id="275" r:id="rId15"/>
+    <p:sldId id="270" r:id="rId16"/>
+    <p:sldId id="271" r:id="rId17"/>
+    <p:sldId id="274" r:id="rId18"/>
+    <p:sldId id="276" r:id="rId19"/>
   </p:sldIdLst>
   <p:sldSz cx="12192000" cy="6858000"/>
   <p:notesSz cx="6858000" cy="9144000"/>
@@ -132,7 +135,7 @@
 <file path=ppt/revisionInfo.xml><?xml version="1.0" encoding="utf-8"?>
 <p1510:revInfo xmlns:a="http://schemas.openxmlformats.org/drawingml/2006/main" xmlns:r="http://schemas.openxmlformats.org/officeDocument/2006/relationships" xmlns:p1510="http://schemas.microsoft.com/office/powerpoint/2015/10/main">
   <p1510:revLst>
-    <p1510:client id="{4F72922F-8F54-40D5-BC50-3585055BAA99}" v="682" dt="2024-03-26T11:19:00.213"/>
+    <p1510:client id="{4F72922F-8F54-40D5-BC50-3585055BAA99}" v="1183" dt="2024-03-28T09:38:07.671"/>
   </p1510:revLst>
 </p1510:revInfo>
 </file>
@@ -142,7 +145,7 @@
   <pc:docChgLst>
     <pc:chgData name="Van den Branden Lukas" userId="925ceb9f-e17d-4d49-9786-c385450712ca" providerId="ADAL" clId="{4F72922F-8F54-40D5-BC50-3585055BAA99}"/>
     <pc:docChg chg="undo redo custSel addSld delSld modSld sldOrd">
-      <pc:chgData name="Van den Branden Lukas" userId="925ceb9f-e17d-4d49-9786-c385450712ca" providerId="ADAL" clId="{4F72922F-8F54-40D5-BC50-3585055BAA99}" dt="2024-03-26T11:19:00.213" v="2559" actId="20577"/>
+      <pc:chgData name="Van den Branden Lukas" userId="925ceb9f-e17d-4d49-9786-c385450712ca" providerId="ADAL" clId="{4F72922F-8F54-40D5-BC50-3585055BAA99}" dt="2024-03-28T09:38:07.658" v="3073" actId="120"/>
       <pc:docMkLst>
         <pc:docMk/>
       </pc:docMkLst>
@@ -725,7 +728,7 @@
         </pc:spChg>
       </pc:sldChg>
       <pc:sldChg chg="delSp modSp add mod ord modAnim">
-        <pc:chgData name="Van den Branden Lukas" userId="925ceb9f-e17d-4d49-9786-c385450712ca" providerId="ADAL" clId="{4F72922F-8F54-40D5-BC50-3585055BAA99}" dt="2024-03-21T11:20:50.090" v="1978"/>
+        <pc:chgData name="Van den Branden Lukas" userId="925ceb9f-e17d-4d49-9786-c385450712ca" providerId="ADAL" clId="{4F72922F-8F54-40D5-BC50-3585055BAA99}" dt="2024-03-28T09:28:47.166" v="2798"/>
         <pc:sldMkLst>
           <pc:docMk/>
           <pc:sldMk cId="1682090766" sldId="269"/>
@@ -809,13 +812,13 @@
         </pc:sldMkLst>
       </pc:sldChg>
       <pc:sldChg chg="modSp add modAnim">
-        <pc:chgData name="Van den Branden Lukas" userId="925ceb9f-e17d-4d49-9786-c385450712ca" providerId="ADAL" clId="{4F72922F-8F54-40D5-BC50-3585055BAA99}" dt="2024-03-21T11:25:23.499" v="2227"/>
+        <pc:chgData name="Van den Branden Lukas" userId="925ceb9f-e17d-4d49-9786-c385450712ca" providerId="ADAL" clId="{4F72922F-8F54-40D5-BC50-3585055BAA99}" dt="2024-03-28T09:26:08.285" v="2763" actId="20577"/>
         <pc:sldMkLst>
           <pc:docMk/>
           <pc:sldMk cId="961284394" sldId="271"/>
         </pc:sldMkLst>
         <pc:spChg chg="mod">
-          <ac:chgData name="Van den Branden Lukas" userId="925ceb9f-e17d-4d49-9786-c385450712ca" providerId="ADAL" clId="{4F72922F-8F54-40D5-BC50-3585055BAA99}" dt="2024-03-21T11:24:32.849" v="2172" actId="20577"/>
+          <ac:chgData name="Van den Branden Lukas" userId="925ceb9f-e17d-4d49-9786-c385450712ca" providerId="ADAL" clId="{4F72922F-8F54-40D5-BC50-3585055BAA99}" dt="2024-03-28T09:25:16.971" v="2711" actId="20577"/>
           <ac:spMkLst>
             <pc:docMk/>
             <pc:sldMk cId="961284394" sldId="271"/>
@@ -823,7 +826,7 @@
           </ac:spMkLst>
         </pc:spChg>
         <pc:spChg chg="mod">
-          <ac:chgData name="Van den Branden Lukas" userId="925ceb9f-e17d-4d49-9786-c385450712ca" providerId="ADAL" clId="{4F72922F-8F54-40D5-BC50-3585055BAA99}" dt="2024-03-21T11:25:11.393" v="2225" actId="20577"/>
+          <ac:chgData name="Van den Branden Lukas" userId="925ceb9f-e17d-4d49-9786-c385450712ca" providerId="ADAL" clId="{4F72922F-8F54-40D5-BC50-3585055BAA99}" dt="2024-03-28T09:26:08.285" v="2763" actId="20577"/>
           <ac:spMkLst>
             <pc:docMk/>
             <pc:sldMk cId="961284394" sldId="271"/>
@@ -940,6 +943,74 @@
           </ac:spMkLst>
         </pc:spChg>
       </pc:sldChg>
+      <pc:sldChg chg="add">
+        <pc:chgData name="Van den Branden Lukas" userId="925ceb9f-e17d-4d49-9786-c385450712ca" providerId="ADAL" clId="{4F72922F-8F54-40D5-BC50-3585055BAA99}" dt="2024-03-28T09:24:11.401" v="2560" actId="2890"/>
+        <pc:sldMkLst>
+          <pc:docMk/>
+          <pc:sldMk cId="1406439423" sldId="274"/>
+        </pc:sldMkLst>
+      </pc:sldChg>
+      <pc:sldChg chg="modSp add ord">
+        <pc:chgData name="Van den Branden Lukas" userId="925ceb9f-e17d-4d49-9786-c385450712ca" providerId="ADAL" clId="{4F72922F-8F54-40D5-BC50-3585055BAA99}" dt="2024-03-28T09:28:41.669" v="2796"/>
+        <pc:sldMkLst>
+          <pc:docMk/>
+          <pc:sldMk cId="914915168" sldId="275"/>
+        </pc:sldMkLst>
+        <pc:spChg chg="mod">
+          <ac:chgData name="Van den Branden Lukas" userId="925ceb9f-e17d-4d49-9786-c385450712ca" providerId="ADAL" clId="{4F72922F-8F54-40D5-BC50-3585055BAA99}" dt="2024-03-28T09:27:46.746" v="2794" actId="20577"/>
+          <ac:spMkLst>
+            <pc:docMk/>
+            <pc:sldMk cId="914915168" sldId="275"/>
+            <ac:spMk id="4" creationId="{233B5E83-0797-4A5A-F694-F0A9DC14A43A}"/>
+          </ac:spMkLst>
+        </pc:spChg>
+      </pc:sldChg>
+      <pc:sldChg chg="modSp add mod modAnim">
+        <pc:chgData name="Van den Branden Lukas" userId="925ceb9f-e17d-4d49-9786-c385450712ca" providerId="ADAL" clId="{4F72922F-8F54-40D5-BC50-3585055BAA99}" dt="2024-03-28T09:38:07.658" v="3073" actId="120"/>
+        <pc:sldMkLst>
+          <pc:docMk/>
+          <pc:sldMk cId="927305712" sldId="276"/>
+        </pc:sldMkLst>
+        <pc:spChg chg="mod">
+          <ac:chgData name="Van den Branden Lukas" userId="925ceb9f-e17d-4d49-9786-c385450712ca" providerId="ADAL" clId="{4F72922F-8F54-40D5-BC50-3585055BAA99}" dt="2024-03-28T09:29:50.314" v="2850" actId="14100"/>
+          <ac:spMkLst>
+            <pc:docMk/>
+            <pc:sldMk cId="927305712" sldId="276"/>
+            <ac:spMk id="3" creationId="{5FA68AA5-9E9D-6343-D56A-C6272FE5624C}"/>
+          </ac:spMkLst>
+        </pc:spChg>
+        <pc:spChg chg="mod">
+          <ac:chgData name="Van den Branden Lukas" userId="925ceb9f-e17d-4d49-9786-c385450712ca" providerId="ADAL" clId="{4F72922F-8F54-40D5-BC50-3585055BAA99}" dt="2024-03-28T09:38:07.658" v="3073" actId="120"/>
+          <ac:spMkLst>
+            <pc:docMk/>
+            <pc:sldMk cId="927305712" sldId="276"/>
+            <ac:spMk id="4" creationId="{233B5E83-0797-4A5A-F694-F0A9DC14A43A}"/>
+          </ac:spMkLst>
+        </pc:spChg>
+      </pc:sldChg>
+      <pc:sldChg chg="modSp add del">
+        <pc:chgData name="Van den Branden Lukas" userId="925ceb9f-e17d-4d49-9786-c385450712ca" providerId="ADAL" clId="{4F72922F-8F54-40D5-BC50-3585055BAA99}" dt="2024-03-28T09:32:59.178" v="3072" actId="47"/>
+        <pc:sldMkLst>
+          <pc:docMk/>
+          <pc:sldMk cId="1103333774" sldId="277"/>
+        </pc:sldMkLst>
+        <pc:spChg chg="mod">
+          <ac:chgData name="Van den Branden Lukas" userId="925ceb9f-e17d-4d49-9786-c385450712ca" providerId="ADAL" clId="{4F72922F-8F54-40D5-BC50-3585055BAA99}" dt="2024-03-28T09:32:29.040" v="3010" actId="20577"/>
+          <ac:spMkLst>
+            <pc:docMk/>
+            <pc:sldMk cId="1103333774" sldId="277"/>
+            <ac:spMk id="3" creationId="{5FA68AA5-9E9D-6343-D56A-C6272FE5624C}"/>
+          </ac:spMkLst>
+        </pc:spChg>
+        <pc:spChg chg="mod">
+          <ac:chgData name="Van den Branden Lukas" userId="925ceb9f-e17d-4d49-9786-c385450712ca" providerId="ADAL" clId="{4F72922F-8F54-40D5-BC50-3585055BAA99}" dt="2024-03-28T09:32:39.226" v="3071" actId="20577"/>
+          <ac:spMkLst>
+            <pc:docMk/>
+            <pc:sldMk cId="1103333774" sldId="277"/>
+            <ac:spMk id="4" creationId="{233B5E83-0797-4A5A-F694-F0A9DC14A43A}"/>
+          </ac:spMkLst>
+        </pc:spChg>
+      </pc:sldChg>
     </pc:docChg>
   </pc:docChgLst>
 </pc:chgInfo>
@@ -1027,7 +1098,7 @@
           <a:p>
             <a:fld id="{8DBFF258-2797-471D-A1BE-F91A9D566C73}" type="datetimeFigureOut">
               <a:rPr lang="en-GB" smtClean="0"/>
-              <a:t>26/03/2024</a:t>
+              <a:t>28/03/2024</a:t>
             </a:fld>
             <a:endParaRPr lang="en-GB"/>
           </a:p>
@@ -1528,7 +1599,7 @@
           <a:p>
             <a:fld id="{627B66AD-AD6D-47C0-B5DA-6BAF2AF1F0EE}" type="datetimeFigureOut">
               <a:rPr lang="en-GB" smtClean="0"/>
-              <a:t>26/03/2024</a:t>
+              <a:t>28/03/2024</a:t>
             </a:fld>
             <a:endParaRPr lang="en-GB"/>
           </a:p>
@@ -1728,7 +1799,7 @@
           <a:p>
             <a:fld id="{627B66AD-AD6D-47C0-B5DA-6BAF2AF1F0EE}" type="datetimeFigureOut">
               <a:rPr lang="en-GB" smtClean="0"/>
-              <a:t>26/03/2024</a:t>
+              <a:t>28/03/2024</a:t>
             </a:fld>
             <a:endParaRPr lang="en-GB"/>
           </a:p>
@@ -1938,7 +2009,7 @@
           <a:p>
             <a:fld id="{627B66AD-AD6D-47C0-B5DA-6BAF2AF1F0EE}" type="datetimeFigureOut">
               <a:rPr lang="en-GB" smtClean="0"/>
-              <a:t>26/03/2024</a:t>
+              <a:t>28/03/2024</a:t>
             </a:fld>
             <a:endParaRPr lang="en-GB"/>
           </a:p>
@@ -2138,7 +2209,7 @@
           <a:p>
             <a:fld id="{627B66AD-AD6D-47C0-B5DA-6BAF2AF1F0EE}" type="datetimeFigureOut">
               <a:rPr lang="en-GB" smtClean="0"/>
-              <a:t>26/03/2024</a:t>
+              <a:t>28/03/2024</a:t>
             </a:fld>
             <a:endParaRPr lang="en-GB"/>
           </a:p>
@@ -2414,7 +2485,7 @@
           <a:p>
             <a:fld id="{627B66AD-AD6D-47C0-B5DA-6BAF2AF1F0EE}" type="datetimeFigureOut">
               <a:rPr lang="en-GB" smtClean="0"/>
-              <a:t>26/03/2024</a:t>
+              <a:t>28/03/2024</a:t>
             </a:fld>
             <a:endParaRPr lang="en-GB"/>
           </a:p>
@@ -2682,7 +2753,7 @@
           <a:p>
             <a:fld id="{627B66AD-AD6D-47C0-B5DA-6BAF2AF1F0EE}" type="datetimeFigureOut">
               <a:rPr lang="en-GB" smtClean="0"/>
-              <a:t>26/03/2024</a:t>
+              <a:t>28/03/2024</a:t>
             </a:fld>
             <a:endParaRPr lang="en-GB"/>
           </a:p>
@@ -3097,7 +3168,7 @@
           <a:p>
             <a:fld id="{627B66AD-AD6D-47C0-B5DA-6BAF2AF1F0EE}" type="datetimeFigureOut">
               <a:rPr lang="en-GB" smtClean="0"/>
-              <a:t>26/03/2024</a:t>
+              <a:t>28/03/2024</a:t>
             </a:fld>
             <a:endParaRPr lang="en-GB"/>
           </a:p>
@@ -3239,7 +3310,7 @@
           <a:p>
             <a:fld id="{627B66AD-AD6D-47C0-B5DA-6BAF2AF1F0EE}" type="datetimeFigureOut">
               <a:rPr lang="en-GB" smtClean="0"/>
-              <a:t>26/03/2024</a:t>
+              <a:t>28/03/2024</a:t>
             </a:fld>
             <a:endParaRPr lang="en-GB"/>
           </a:p>
@@ -3352,7 +3423,7 @@
           <a:p>
             <a:fld id="{627B66AD-AD6D-47C0-B5DA-6BAF2AF1F0EE}" type="datetimeFigureOut">
               <a:rPr lang="en-GB" smtClean="0"/>
-              <a:t>26/03/2024</a:t>
+              <a:t>28/03/2024</a:t>
             </a:fld>
             <a:endParaRPr lang="en-GB"/>
           </a:p>
@@ -3665,7 +3736,7 @@
           <a:p>
             <a:fld id="{627B66AD-AD6D-47C0-B5DA-6BAF2AF1F0EE}" type="datetimeFigureOut">
               <a:rPr lang="en-GB" smtClean="0"/>
-              <a:t>26/03/2024</a:t>
+              <a:t>28/03/2024</a:t>
             </a:fld>
             <a:endParaRPr lang="en-GB"/>
           </a:p>
@@ -3954,7 +4025,7 @@
           <a:p>
             <a:fld id="{627B66AD-AD6D-47C0-B5DA-6BAF2AF1F0EE}" type="datetimeFigureOut">
               <a:rPr lang="en-GB" smtClean="0"/>
-              <a:t>26/03/2024</a:t>
+              <a:t>28/03/2024</a:t>
             </a:fld>
             <a:endParaRPr lang="en-GB"/>
           </a:p>
@@ -4197,7 +4268,7 @@
           <a:p>
             <a:fld id="{627B66AD-AD6D-47C0-B5DA-6BAF2AF1F0EE}" type="datetimeFigureOut">
               <a:rPr lang="en-GB" smtClean="0"/>
-              <a:t>26/03/2024</a:t>
+              <a:t>28/03/2024</a:t>
             </a:fld>
             <a:endParaRPr lang="en-GB"/>
           </a:p>
@@ -7633,8 +7704,17 @@
               <a:rPr lang="en-US" sz="5400" dirty="0">
                 <a:latin typeface="Lapsus Pro (theguybrush.com)" panose="02000800000000000000" pitchFamily="2" charset="0"/>
               </a:rPr>
-              <a:t>AOE attacks</a:t>
+              <a:t>Meer </a:t>
             </a:r>
+            <a:r>
+              <a:rPr lang="en-US" sz="5400" dirty="0" err="1">
+                <a:latin typeface="Lapsus Pro (theguybrush.com)" panose="02000800000000000000" pitchFamily="2" charset="0"/>
+              </a:rPr>
+              <a:t>combinaties</a:t>
+            </a:r>
+            <a:endParaRPr lang="en-US" sz="5400" dirty="0">
+              <a:latin typeface="Lapsus Pro (theguybrush.com)" panose="02000800000000000000" pitchFamily="2" charset="0"/>
+            </a:endParaRPr>
           </a:p>
           <a:p>
             <a:pPr marL="0" indent="0">
@@ -7866,7 +7946,7 @@
               <a:rPr lang="en-US" sz="5400" dirty="0">
                 <a:latin typeface="Lapsus Pro (theguybrush.com)" panose="02000800000000000000" pitchFamily="2" charset="0"/>
               </a:rPr>
-              <a:t>Adding chili</a:t>
+              <a:t>Added: Cat</a:t>
             </a:r>
           </a:p>
           <a:p>
@@ -7875,33 +7955,22 @@
               <a:buNone/>
             </a:pPr>
             <a:r>
-              <a:rPr lang="en-US" dirty="0">
+              <a:rPr lang="en-US" sz="5400" dirty="0">
                 <a:latin typeface="Lapsus Pro (theguybrush.com)" panose="02000800000000000000" pitchFamily="2" charset="0"/>
               </a:rPr>
-              <a:t>(deals 5 damage to second </a:t>
+              <a:t>		 pufferfish</a:t>
             </a:r>
+          </a:p>
+          <a:p>
+            <a:pPr marL="0" indent="0">
+              <a:buFont typeface="Arial" panose="020B0604020202020204" pitchFamily="34" charset="0"/>
+              <a:buNone/>
+            </a:pPr>
             <a:r>
-              <a:rPr lang="en-US" dirty="0" err="1">
+              <a:rPr lang="en-US" sz="5400" dirty="0">
                 <a:latin typeface="Lapsus Pro (theguybrush.com)" panose="02000800000000000000" pitchFamily="2" charset="0"/>
               </a:rPr>
-              <a:t>emeny</a:t>
-            </a:r>
-            <a:r>
-              <a:rPr lang="en-US" dirty="0">
-                <a:latin typeface="Lapsus Pro (theguybrush.com)" panose="02000800000000000000" pitchFamily="2" charset="0"/>
-              </a:rPr>
-              <a:t> </a:t>
-            </a:r>
-            <a:br>
-              <a:rPr lang="en-US" dirty="0">
-                <a:latin typeface="Lapsus Pro (theguybrush.com)" panose="02000800000000000000" pitchFamily="2" charset="0"/>
-              </a:rPr>
-            </a:br>
-            <a:r>
-              <a:rPr lang="en-US" dirty="0">
-                <a:latin typeface="Lapsus Pro (theguybrush.com)" panose="02000800000000000000" pitchFamily="2" charset="0"/>
-              </a:rPr>
-              <a:t>when attacking)</a:t>
+              <a:t>		 chili</a:t>
             </a:r>
           </a:p>
         </p:txBody>
@@ -7909,7 +7978,7 @@
     </p:spTree>
     <p:extLst>
       <p:ext uri="{BB962C8B-B14F-4D97-AF65-F5344CB8AC3E}">
-        <p14:creationId xmlns:p14="http://schemas.microsoft.com/office/powerpoint/2010/main" val="3534972199"/>
+        <p14:creationId xmlns:p14="http://schemas.microsoft.com/office/powerpoint/2010/main" val="914915168"/>
       </p:ext>
     </p:extLst>
   </p:cSld>
@@ -8033,15 +8102,33 @@
                                   </p:childTnLst>
                                 </p:cTn>
                               </p:par>
+                            </p:childTnLst>
+                          </p:cTn>
+                        </p:par>
+                      </p:childTnLst>
+                    </p:cTn>
+                  </p:par>
+                  <p:par>
+                    <p:cTn id="10" fill="hold">
+                      <p:stCondLst>
+                        <p:cond delay="indefinite"/>
+                      </p:stCondLst>
+                      <p:childTnLst>
+                        <p:par>
+                          <p:cTn id="11" fill="hold">
+                            <p:stCondLst>
+                              <p:cond delay="0"/>
+                            </p:stCondLst>
+                            <p:childTnLst>
                               <p:par>
-                                <p:cTn id="10" presetID="42" presetClass="entr" presetSubtype="0" fill="hold" grpId="0" nodeType="withEffect">
+                                <p:cTn id="12" presetID="42" presetClass="entr" presetSubtype="0" fill="hold" grpId="0" nodeType="clickEffect">
                                   <p:stCondLst>
                                     <p:cond delay="0"/>
                                   </p:stCondLst>
                                   <p:childTnLst>
                                     <p:set>
                                       <p:cBhvr>
-                                        <p:cTn id="11" dur="1" fill="hold">
+                                        <p:cTn id="13" dur="1" fill="hold">
                                           <p:stCondLst>
                                             <p:cond delay="0"/>
                                           </p:stCondLst>
@@ -8063,7 +8150,7 @@
                                     </p:set>
                                     <p:animEffect transition="in" filter="fade">
                                       <p:cBhvr>
-                                        <p:cTn id="12" dur="1000"/>
+                                        <p:cTn id="14" dur="1000"/>
                                         <p:tgtEl>
                                           <p:spTgt spid="3">
                                             <p:txEl>
@@ -8075,7 +8162,7 @@
                                     </p:animEffect>
                                     <p:anim calcmode="lin" valueType="num">
                                       <p:cBhvr>
-                                        <p:cTn id="13" dur="1000" fill="hold"/>
+                                        <p:cTn id="15" dur="1000" fill="hold"/>
                                         <p:tgtEl>
                                           <p:spTgt spid="3">
                                             <p:txEl>
@@ -8102,7 +8189,7 @@
                                     </p:anim>
                                     <p:anim calcmode="lin" valueType="num">
                                       <p:cBhvr>
-                                        <p:cTn id="14" dur="1000" fill="hold"/>
+                                        <p:cTn id="16" dur="1000" fill="hold"/>
                                         <p:tgtEl>
                                           <p:spTgt spid="3">
                                             <p:txEl>
@@ -8137,26 +8224,26 @@
                     </p:cTn>
                   </p:par>
                   <p:par>
-                    <p:cTn id="15" fill="hold">
+                    <p:cTn id="17" fill="hold">
                       <p:stCondLst>
                         <p:cond delay="indefinite"/>
                       </p:stCondLst>
                       <p:childTnLst>
                         <p:par>
-                          <p:cTn id="16" fill="hold">
+                          <p:cTn id="18" fill="hold">
                             <p:stCondLst>
                               <p:cond delay="0"/>
                             </p:stCondLst>
                             <p:childTnLst>
                               <p:par>
-                                <p:cTn id="17" presetID="42" presetClass="entr" presetSubtype="0" fill="hold" grpId="0" nodeType="clickEffect">
+                                <p:cTn id="19" presetID="42" presetClass="entr" presetSubtype="0" fill="hold" grpId="0" nodeType="clickEffect">
                                   <p:stCondLst>
                                     <p:cond delay="0"/>
                                   </p:stCondLst>
                                   <p:childTnLst>
                                     <p:set>
                                       <p:cBhvr>
-                                        <p:cTn id="18" dur="1" fill="hold">
+                                        <p:cTn id="20" dur="1" fill="hold">
                                           <p:stCondLst>
                                             <p:cond delay="0"/>
                                           </p:stCondLst>
@@ -8174,7 +8261,7 @@
                                     </p:set>
                                     <p:animEffect transition="in" filter="fade">
                                       <p:cBhvr>
-                                        <p:cTn id="19" dur="1000"/>
+                                        <p:cTn id="21" dur="1000"/>
                                         <p:tgtEl>
                                           <p:spTgt spid="4"/>
                                         </p:tgtEl>
@@ -8182,7 +8269,7 @@
                                     </p:animEffect>
                                     <p:anim calcmode="lin" valueType="num">
                                       <p:cBhvr>
-                                        <p:cTn id="20" dur="1000" fill="hold"/>
+                                        <p:cTn id="22" dur="1000" fill="hold"/>
                                         <p:tgtEl>
                                           <p:spTgt spid="4"/>
                                         </p:tgtEl>
@@ -8205,7 +8292,7 @@
                                     </p:anim>
                                     <p:anim calcmode="lin" valueType="num">
                                       <p:cBhvr>
-                                        <p:cTn id="21" dur="1000" fill="hold"/>
+                                        <p:cTn id="23" dur="1000" fill="hold"/>
                                         <p:tgtEl>
                                           <p:spTgt spid="4"/>
                                         </p:tgtEl>
@@ -8236,26 +8323,26 @@
                     </p:cTn>
                   </p:par>
                   <p:par>
-                    <p:cTn id="22" fill="hold">
+                    <p:cTn id="24" fill="hold">
                       <p:stCondLst>
                         <p:cond delay="indefinite"/>
                       </p:stCondLst>
                       <p:childTnLst>
                         <p:par>
-                          <p:cTn id="23" fill="hold">
+                          <p:cTn id="25" fill="hold">
                             <p:stCondLst>
                               <p:cond delay="0"/>
                             </p:stCondLst>
                             <p:childTnLst>
                               <p:par>
-                                <p:cTn id="24" presetID="47" presetClass="exit" presetSubtype="0" fill="hold" grpId="1" nodeType="clickEffect">
+                                <p:cTn id="26" presetID="47" presetClass="exit" presetSubtype="0" fill="hold" grpId="1" nodeType="clickEffect">
                                   <p:stCondLst>
                                     <p:cond delay="0"/>
                                   </p:stCondLst>
                                   <p:childTnLst>
                                     <p:animEffect transition="out" filter="fade">
                                       <p:cBhvr>
-                                        <p:cTn id="25" dur="1000"/>
+                                        <p:cTn id="27" dur="1000"/>
                                         <p:tgtEl>
                                           <p:spTgt spid="3">
                                             <p:txEl>
@@ -8267,7 +8354,7 @@
                                     </p:animEffect>
                                     <p:anim calcmode="lin" valueType="num">
                                       <p:cBhvr>
-                                        <p:cTn id="26" dur="1000"/>
+                                        <p:cTn id="28" dur="1000"/>
                                         <p:tgtEl>
                                           <p:spTgt spid="3">
                                             <p:txEl>
@@ -8294,7 +8381,7 @@
                                     </p:anim>
                                     <p:anim calcmode="lin" valueType="num">
                                       <p:cBhvr>
-                                        <p:cTn id="27" dur="1000"/>
+                                        <p:cTn id="29" dur="1000"/>
                                         <p:tgtEl>
                                           <p:spTgt spid="3">
                                             <p:txEl>
@@ -8321,7 +8408,7 @@
                                     </p:anim>
                                     <p:set>
                                       <p:cBhvr>
-                                        <p:cTn id="28" dur="1" fill="hold">
+                                        <p:cTn id="30" dur="1" fill="hold">
                                           <p:stCondLst>
                                             <p:cond delay="999"/>
                                           </p:stCondLst>
@@ -8330,6 +8417,121 @@
                                           <p:spTgt spid="3">
                                             <p:txEl>
                                               <p:pRg st="0" end="0"/>
+                                            </p:txEl>
+                                          </p:spTgt>
+                                        </p:tgtEl>
+                                        <p:attrNameLst>
+                                          <p:attrName>style.visibility</p:attrName>
+                                        </p:attrNameLst>
+                                      </p:cBhvr>
+                                      <p:to>
+                                        <p:strVal val="hidden"/>
+                                      </p:to>
+                                    </p:set>
+                                  </p:childTnLst>
+                                </p:cTn>
+                              </p:par>
+                            </p:childTnLst>
+                          </p:cTn>
+                        </p:par>
+                      </p:childTnLst>
+                    </p:cTn>
+                  </p:par>
+                  <p:par>
+                    <p:cTn id="31" fill="hold">
+                      <p:stCondLst>
+                        <p:cond delay="indefinite"/>
+                      </p:stCondLst>
+                      <p:childTnLst>
+                        <p:par>
+                          <p:cTn id="32" fill="hold">
+                            <p:stCondLst>
+                              <p:cond delay="0"/>
+                            </p:stCondLst>
+                            <p:childTnLst>
+                              <p:par>
+                                <p:cTn id="33" presetID="47" presetClass="exit" presetSubtype="0" fill="hold" grpId="1" nodeType="clickEffect">
+                                  <p:stCondLst>
+                                    <p:cond delay="0"/>
+                                  </p:stCondLst>
+                                  <p:childTnLst>
+                                    <p:animEffect transition="out" filter="fade">
+                                      <p:cBhvr>
+                                        <p:cTn id="34" dur="1000"/>
+                                        <p:tgtEl>
+                                          <p:spTgt spid="3">
+                                            <p:txEl>
+                                              <p:pRg st="1" end="1"/>
+                                            </p:txEl>
+                                          </p:spTgt>
+                                        </p:tgtEl>
+                                      </p:cBhvr>
+                                    </p:animEffect>
+                                    <p:anim calcmode="lin" valueType="num">
+                                      <p:cBhvr>
+                                        <p:cTn id="35" dur="1000"/>
+                                        <p:tgtEl>
+                                          <p:spTgt spid="3">
+                                            <p:txEl>
+                                              <p:pRg st="1" end="1"/>
+                                            </p:txEl>
+                                          </p:spTgt>
+                                        </p:tgtEl>
+                                        <p:attrNameLst>
+                                          <p:attrName>ppt_x</p:attrName>
+                                        </p:attrNameLst>
+                                      </p:cBhvr>
+                                      <p:tavLst>
+                                        <p:tav tm="0">
+                                          <p:val>
+                                            <p:strVal val="ppt_x"/>
+                                          </p:val>
+                                        </p:tav>
+                                        <p:tav tm="100000">
+                                          <p:val>
+                                            <p:strVal val="ppt_x"/>
+                                          </p:val>
+                                        </p:tav>
+                                      </p:tavLst>
+                                    </p:anim>
+                                    <p:anim calcmode="lin" valueType="num">
+                                      <p:cBhvr>
+                                        <p:cTn id="36" dur="1000"/>
+                                        <p:tgtEl>
+                                          <p:spTgt spid="3">
+                                            <p:txEl>
+                                              <p:pRg st="1" end="1"/>
+                                            </p:txEl>
+                                          </p:spTgt>
+                                        </p:tgtEl>
+                                        <p:attrNameLst>
+                                          <p:attrName>ppt_y</p:attrName>
+                                        </p:attrNameLst>
+                                      </p:cBhvr>
+                                      <p:tavLst>
+                                        <p:tav tm="0">
+                                          <p:val>
+                                            <p:strVal val="ppt_y"/>
+                                          </p:val>
+                                        </p:tav>
+                                        <p:tav tm="100000">
+                                          <p:val>
+                                            <p:strVal val="ppt_y-.1"/>
+                                          </p:val>
+                                        </p:tav>
+                                      </p:tavLst>
+                                    </p:anim>
+                                    <p:set>
+                                      <p:cBhvr>
+                                        <p:cTn id="37" dur="1" fill="hold">
+                                          <p:stCondLst>
+                                            <p:cond delay="999"/>
+                                          </p:stCondLst>
+                                        </p:cTn>
+                                        <p:tgtEl>
+                                          <p:spTgt spid="3">
+                                            <p:txEl>
+                                              <p:pRg st="1" end="1"/>
                                             </p:txEl>
                                           </p:spTgt>
                                         </p:tgtEl>
@@ -8345,32 +8547,24 @@
                                 </p:cTn>
                               </p:par>
                               <p:par>
-                                <p:cTn id="29" presetID="47" presetClass="exit" presetSubtype="0" fill="hold" grpId="1" nodeType="withEffect">
+                                <p:cTn id="38" presetID="47" presetClass="exit" presetSubtype="0" fill="hold" grpId="1" nodeType="withEffect">
                                   <p:stCondLst>
                                     <p:cond delay="0"/>
                                   </p:stCondLst>
                                   <p:childTnLst>
                                     <p:animEffect transition="out" filter="fade">
                                       <p:cBhvr>
-                                        <p:cTn id="30" dur="1000"/>
-                                        <p:tgtEl>
-                                          <p:spTgt spid="3">
-                                            <p:txEl>
-                                              <p:pRg st="1" end="1"/>
-                                            </p:txEl>
-                                          </p:spTgt>
+                                        <p:cTn id="39" dur="1000"/>
+                                        <p:tgtEl>
+                                          <p:spTgt spid="4"/>
                                         </p:tgtEl>
                                       </p:cBhvr>
                                     </p:animEffect>
                                     <p:anim calcmode="lin" valueType="num">
                                       <p:cBhvr>
-                                        <p:cTn id="31" dur="1000"/>
-                                        <p:tgtEl>
-                                          <p:spTgt spid="3">
-                                            <p:txEl>
-                                              <p:pRg st="1" end="1"/>
-                                            </p:txEl>
-                                          </p:spTgt>
+                                        <p:cTn id="40" dur="1000"/>
+                                        <p:tgtEl>
+                                          <p:spTgt spid="4"/>
                                         </p:tgtEl>
                                         <p:attrNameLst>
                                           <p:attrName>ppt_x</p:attrName>
@@ -8391,13 +8585,9 @@
                                     </p:anim>
                                     <p:anim calcmode="lin" valueType="num">
                                       <p:cBhvr>
-                                        <p:cTn id="32" dur="1000"/>
-                                        <p:tgtEl>
-                                          <p:spTgt spid="3">
-                                            <p:txEl>
-                                              <p:pRg st="1" end="1"/>
-                                            </p:txEl>
-                                          </p:spTgt>
+                                        <p:cTn id="41" dur="1000"/>
+                                        <p:tgtEl>
+                                          <p:spTgt spid="4"/>
                                         </p:tgtEl>
                                         <p:attrNameLst>
                                           <p:attrName>ppt_y</p:attrName>
@@ -8418,92 +8608,7 @@
                                     </p:anim>
                                     <p:set>
                                       <p:cBhvr>
-                                        <p:cTn id="33" dur="1" fill="hold">
-                                          <p:stCondLst>
-                                            <p:cond delay="999"/>
-                                          </p:stCondLst>
-                                        </p:cTn>
-                                        <p:tgtEl>
-                                          <p:spTgt spid="3">
-                                            <p:txEl>
-                                              <p:pRg st="1" end="1"/>
-                                            </p:txEl>
-                                          </p:spTgt>
-                                        </p:tgtEl>
-                                        <p:attrNameLst>
-                                          <p:attrName>style.visibility</p:attrName>
-                                        </p:attrNameLst>
-                                      </p:cBhvr>
-                                      <p:to>
-                                        <p:strVal val="hidden"/>
-                                      </p:to>
-                                    </p:set>
-                                  </p:childTnLst>
-                                </p:cTn>
-                              </p:par>
-                              <p:par>
-                                <p:cTn id="34" presetID="47" presetClass="exit" presetSubtype="0" fill="hold" grpId="1" nodeType="withEffect">
-                                  <p:stCondLst>
-                                    <p:cond delay="0"/>
-                                  </p:stCondLst>
-                                  <p:childTnLst>
-                                    <p:animEffect transition="out" filter="fade">
-                                      <p:cBhvr>
-                                        <p:cTn id="35" dur="1000"/>
-                                        <p:tgtEl>
-                                          <p:spTgt spid="4"/>
-                                        </p:tgtEl>
-                                      </p:cBhvr>
-                                    </p:animEffect>
-                                    <p:anim calcmode="lin" valueType="num">
-                                      <p:cBhvr>
-                                        <p:cTn id="36" dur="1000"/>
-                                        <p:tgtEl>
-                                          <p:spTgt spid="4"/>
-                                        </p:tgtEl>
-                                        <p:attrNameLst>
-                                          <p:attrName>ppt_x</p:attrName>
-                                        </p:attrNameLst>
-                                      </p:cBhvr>
-                                      <p:tavLst>
-                                        <p:tav tm="0">
-                                          <p:val>
-                                            <p:strVal val="ppt_x"/>
-                                          </p:val>
-                                        </p:tav>
-                                        <p:tav tm="100000">
-                                          <p:val>
-                                            <p:strVal val="ppt_x"/>
-                                          </p:val>
-                                        </p:tav>
-                                      </p:tavLst>
-                                    </p:anim>
-                                    <p:anim calcmode="lin" valueType="num">
-                                      <p:cBhvr>
-                                        <p:cTn id="37" dur="1000"/>
-                                        <p:tgtEl>
-                                          <p:spTgt spid="4"/>
-                                        </p:tgtEl>
-                                        <p:attrNameLst>
-                                          <p:attrName>ppt_y</p:attrName>
-                                        </p:attrNameLst>
-                                      </p:cBhvr>
-                                      <p:tavLst>
-                                        <p:tav tm="0">
-                                          <p:val>
-                                            <p:strVal val="ppt_y"/>
-                                          </p:val>
-                                        </p:tav>
-                                        <p:tav tm="100000">
-                                          <p:val>
-                                            <p:strVal val="ppt_y-.1"/>
-                                          </p:val>
-                                        </p:tav>
-                                      </p:tavLst>
-                                    </p:anim>
-                                    <p:set>
-                                      <p:cBhvr>
-                                        <p:cTn id="38" dur="1" fill="hold">
+                                        <p:cTn id="42" dur="1" fill="hold">
                                           <p:stCondLst>
                                             <p:cond delay="999"/>
                                           </p:stCondLst>
@@ -8676,28 +8781,10 @@
               <a:buNone/>
             </a:pPr>
             <a:r>
-              <a:rPr lang="en-US" sz="5400" dirty="0" err="1">
-                <a:latin typeface="Lapsus Pro (theguybrush.com)" panose="02000800000000000000" pitchFamily="2" charset="0"/>
-              </a:rPr>
-              <a:t>Duidelijkheid</a:t>
-            </a:r>
-            <a:r>
               <a:rPr lang="en-US" sz="5400" dirty="0">
                 <a:latin typeface="Lapsus Pro (theguybrush.com)" panose="02000800000000000000" pitchFamily="2" charset="0"/>
               </a:rPr>
-              <a:t> </a:t>
-            </a:r>
-            <a:r>
-              <a:rPr lang="en-US" sz="5400" dirty="0" err="1">
-                <a:latin typeface="Lapsus Pro (theguybrush.com)" panose="02000800000000000000" pitchFamily="2" charset="0"/>
-              </a:rPr>
-              <a:t>voor</a:t>
-            </a:r>
-            <a:r>
-              <a:rPr lang="en-US" sz="5400" dirty="0">
-                <a:latin typeface="Lapsus Pro (theguybrush.com)" panose="02000800000000000000" pitchFamily="2" charset="0"/>
-              </a:rPr>
-              <a:t> levels</a:t>
+              <a:t>AOE attacks</a:t>
             </a:r>
           </a:p>
           <a:p>
@@ -8930,20 +9017,1075 @@
               <a:rPr lang="en-US" sz="5400" dirty="0">
                 <a:latin typeface="Lapsus Pro (theguybrush.com)" panose="02000800000000000000" pitchFamily="2" charset="0"/>
               </a:rPr>
-              <a:t>Extra card </a:t>
+              <a:t>Adding chili</a:t>
+            </a:r>
+          </a:p>
+          <a:p>
+            <a:pPr marL="0" indent="0">
+              <a:buFont typeface="Arial" panose="020B0604020202020204" pitchFamily="34" charset="0"/>
+              <a:buNone/>
+            </a:pPr>
+            <a:r>
+              <a:rPr lang="en-US" dirty="0">
+                <a:latin typeface="Lapsus Pro (theguybrush.com)" panose="02000800000000000000" pitchFamily="2" charset="0"/>
+              </a:rPr>
+              <a:t>(deals 5 damage to second </a:t>
             </a:r>
             <a:r>
-              <a:rPr lang="en-US" sz="5400" dirty="0" err="1">
+              <a:rPr lang="en-US" dirty="0" err="1">
                 <a:latin typeface="Lapsus Pro (theguybrush.com)" panose="02000800000000000000" pitchFamily="2" charset="0"/>
               </a:rPr>
-              <a:t>onder</a:t>
+              <a:t>emeny</a:t>
             </a:r>
+            <a:r>
+              <a:rPr lang="en-US" dirty="0">
+                <a:latin typeface="Lapsus Pro (theguybrush.com)" panose="02000800000000000000" pitchFamily="2" charset="0"/>
+              </a:rPr>
+              <a:t> </a:t>
+            </a:r>
+            <a:br>
+              <a:rPr lang="en-US" dirty="0">
+                <a:latin typeface="Lapsus Pro (theguybrush.com)" panose="02000800000000000000" pitchFamily="2" charset="0"/>
+              </a:rPr>
+            </a:br>
+            <a:r>
+              <a:rPr lang="en-US" dirty="0">
+                <a:latin typeface="Lapsus Pro (theguybrush.com)" panose="02000800000000000000" pitchFamily="2" charset="0"/>
+              </a:rPr>
+              <a:t>when attacking)</a:t>
+            </a:r>
+          </a:p>
+        </p:txBody>
+      </p:sp>
+    </p:spTree>
+    <p:extLst>
+      <p:ext uri="{BB962C8B-B14F-4D97-AF65-F5344CB8AC3E}">
+        <p14:creationId xmlns:p14="http://schemas.microsoft.com/office/powerpoint/2010/main" val="3534972199"/>
+      </p:ext>
+    </p:extLst>
+  </p:cSld>
+  <p:clrMapOvr>
+    <a:masterClrMapping/>
+  </p:clrMapOvr>
+  <p:timing>
+    <p:tnLst>
+      <p:par>
+        <p:cTn id="1" dur="indefinite" restart="never" nodeType="tmRoot">
+          <p:childTnLst>
+            <p:seq concurrent="1" nextAc="seek">
+              <p:cTn id="2" dur="indefinite" nodeType="mainSeq">
+                <p:childTnLst>
+                  <p:par>
+                    <p:cTn id="3" fill="hold">
+                      <p:stCondLst>
+                        <p:cond delay="indefinite"/>
+                      </p:stCondLst>
+                      <p:childTnLst>
+                        <p:par>
+                          <p:cTn id="4" fill="hold">
+                            <p:stCondLst>
+                              <p:cond delay="0"/>
+                            </p:stCondLst>
+                            <p:childTnLst>
+                              <p:par>
+                                <p:cTn id="5" presetID="42" presetClass="entr" presetSubtype="0" fill="hold" grpId="0" nodeType="clickEffect">
+                                  <p:stCondLst>
+                                    <p:cond delay="0"/>
+                                  </p:stCondLst>
+                                  <p:childTnLst>
+                                    <p:set>
+                                      <p:cBhvr>
+                                        <p:cTn id="6" dur="1" fill="hold">
+                                          <p:stCondLst>
+                                            <p:cond delay="0"/>
+                                          </p:stCondLst>
+                                        </p:cTn>
+                                        <p:tgtEl>
+                                          <p:spTgt spid="3">
+                                            <p:txEl>
+                                              <p:pRg st="0" end="0"/>
+                                            </p:txEl>
+                                          </p:spTgt>
+                                        </p:tgtEl>
+                                        <p:attrNameLst>
+                                          <p:attrName>style.visibility</p:attrName>
+                                        </p:attrNameLst>
+                                      </p:cBhvr>
+                                      <p:to>
+                                        <p:strVal val="visible"/>
+                                      </p:to>
+                                    </p:set>
+                                    <p:animEffect transition="in" filter="fade">
+                                      <p:cBhvr>
+                                        <p:cTn id="7" dur="1000"/>
+                                        <p:tgtEl>
+                                          <p:spTgt spid="3">
+                                            <p:txEl>
+                                              <p:pRg st="0" end="0"/>
+                                            </p:txEl>
+                                          </p:spTgt>
+                                        </p:tgtEl>
+                                      </p:cBhvr>
+                                    </p:animEffect>
+                                    <p:anim calcmode="lin" valueType="num">
+                                      <p:cBhvr>
+                                        <p:cTn id="8" dur="1000" fill="hold"/>
+                                        <p:tgtEl>
+                                          <p:spTgt spid="3">
+                                            <p:txEl>
+                                              <p:pRg st="0" end="0"/>
+                                            </p:txEl>
+                                          </p:spTgt>
+                                        </p:tgtEl>
+                                        <p:attrNameLst>
+                                          <p:attrName>ppt_x</p:attrName>
+                                        </p:attrNameLst>
+                                      </p:cBhvr>
+                                      <p:tavLst>
+                                        <p:tav tm="0">
+                                          <p:val>
+                                            <p:strVal val="#ppt_x"/>
+                                          </p:val>
+                                        </p:tav>
+                                        <p:tav tm="100000">
+                                          <p:val>
+                                            <p:strVal val="#ppt_x"/>
+                                          </p:val>
+                                        </p:tav>
+                                      </p:tavLst>
+                                    </p:anim>
+                                    <p:anim calcmode="lin" valueType="num">
+                                      <p:cBhvr>
+                                        <p:cTn id="9" dur="1000" fill="hold"/>
+                                        <p:tgtEl>
+                                          <p:spTgt spid="3">
+                                            <p:txEl>
+                                              <p:pRg st="0" end="0"/>
+                                            </p:txEl>
+                                          </p:spTgt>
+                                        </p:tgtEl>
+                                        <p:attrNameLst>
+                                          <p:attrName>ppt_y</p:attrName>
+                                        </p:attrNameLst>
+                                      </p:cBhvr>
+                                      <p:tavLst>
+                                        <p:tav tm="0">
+                                          <p:val>
+                                            <p:strVal val="#ppt_y+.1"/>
+                                          </p:val>
+                                        </p:tav>
+                                        <p:tav tm="100000">
+                                          <p:val>
+                                            <p:strVal val="#ppt_y"/>
+                                          </p:val>
+                                        </p:tav>
+                                      </p:tavLst>
+                                    </p:anim>
+                                  </p:childTnLst>
+                                </p:cTn>
+                              </p:par>
+                              <p:par>
+                                <p:cTn id="10" presetID="42" presetClass="entr" presetSubtype="0" fill="hold" grpId="0" nodeType="withEffect">
+                                  <p:stCondLst>
+                                    <p:cond delay="0"/>
+                                  </p:stCondLst>
+                                  <p:childTnLst>
+                                    <p:set>
+                                      <p:cBhvr>
+                                        <p:cTn id="11" dur="1" fill="hold">
+                                          <p:stCondLst>
+                                            <p:cond delay="0"/>
+                                          </p:stCondLst>
+                                        </p:cTn>
+                                        <p:tgtEl>
+                                          <p:spTgt spid="3">
+                                            <p:txEl>
+                                              <p:pRg st="1" end="1"/>
+                                            </p:txEl>
+                                          </p:spTgt>
+                                        </p:tgtEl>
+                                        <p:attrNameLst>
+                                          <p:attrName>style.visibility</p:attrName>
+                                        </p:attrNameLst>
+                                      </p:cBhvr>
+                                      <p:to>
+                                        <p:strVal val="visible"/>
+                                      </p:to>
+                                    </p:set>
+                                    <p:animEffect transition="in" filter="fade">
+                                      <p:cBhvr>
+                                        <p:cTn id="12" dur="1000"/>
+                                        <p:tgtEl>
+                                          <p:spTgt spid="3">
+                                            <p:txEl>
+                                              <p:pRg st="1" end="1"/>
+                                            </p:txEl>
+                                          </p:spTgt>
+                                        </p:tgtEl>
+                                      </p:cBhvr>
+                                    </p:animEffect>
+                                    <p:anim calcmode="lin" valueType="num">
+                                      <p:cBhvr>
+                                        <p:cTn id="13" dur="1000" fill="hold"/>
+                                        <p:tgtEl>
+                                          <p:spTgt spid="3">
+                                            <p:txEl>
+                                              <p:pRg st="1" end="1"/>
+                                            </p:txEl>
+                                          </p:spTgt>
+                                        </p:tgtEl>
+                                        <p:attrNameLst>
+                                          <p:attrName>ppt_x</p:attrName>
+                                        </p:attrNameLst>
+                                      </p:cBhvr>
+                                      <p:tavLst>
+                                        <p:tav tm="0">
+                                          <p:val>
+                                            <p:strVal val="#ppt_x"/>
+                                          </p:val>
+                                        </p:tav>
+                                        <p:tav tm="100000">
+                                          <p:val>
+                                            <p:strVal val="#ppt_x"/>
+                                          </p:val>
+                                        </p:tav>
+                                      </p:tavLst>
+                                    </p:anim>
+                                    <p:anim calcmode="lin" valueType="num">
+                                      <p:cBhvr>
+                                        <p:cTn id="14" dur="1000" fill="hold"/>
+                                        <p:tgtEl>
+                                          <p:spTgt spid="3">
+                                            <p:txEl>
+                                              <p:pRg st="1" end="1"/>
+                                            </p:txEl>
+                                          </p:spTgt>
+                                        </p:tgtEl>
+                                        <p:attrNameLst>
+                                          <p:attrName>ppt_y</p:attrName>
+                                        </p:attrNameLst>
+                                      </p:cBhvr>
+                                      <p:tavLst>
+                                        <p:tav tm="0">
+                                          <p:val>
+                                            <p:strVal val="#ppt_y+.1"/>
+                                          </p:val>
+                                        </p:tav>
+                                        <p:tav tm="100000">
+                                          <p:val>
+                                            <p:strVal val="#ppt_y"/>
+                                          </p:val>
+                                        </p:tav>
+                                      </p:tavLst>
+                                    </p:anim>
+                                  </p:childTnLst>
+                                </p:cTn>
+                              </p:par>
+                            </p:childTnLst>
+                          </p:cTn>
+                        </p:par>
+                      </p:childTnLst>
+                    </p:cTn>
+                  </p:par>
+                  <p:par>
+                    <p:cTn id="15" fill="hold">
+                      <p:stCondLst>
+                        <p:cond delay="indefinite"/>
+                      </p:stCondLst>
+                      <p:childTnLst>
+                        <p:par>
+                          <p:cTn id="16" fill="hold">
+                            <p:stCondLst>
+                              <p:cond delay="0"/>
+                            </p:stCondLst>
+                            <p:childTnLst>
+                              <p:par>
+                                <p:cTn id="17" presetID="42" presetClass="entr" presetSubtype="0" fill="hold" grpId="0" nodeType="clickEffect">
+                                  <p:stCondLst>
+                                    <p:cond delay="0"/>
+                                  </p:stCondLst>
+                                  <p:childTnLst>
+                                    <p:set>
+                                      <p:cBhvr>
+                                        <p:cTn id="18" dur="1" fill="hold">
+                                          <p:stCondLst>
+                                            <p:cond delay="0"/>
+                                          </p:stCondLst>
+                                        </p:cTn>
+                                        <p:tgtEl>
+                                          <p:spTgt spid="4"/>
+                                        </p:tgtEl>
+                                        <p:attrNameLst>
+                                          <p:attrName>style.visibility</p:attrName>
+                                        </p:attrNameLst>
+                                      </p:cBhvr>
+                                      <p:to>
+                                        <p:strVal val="visible"/>
+                                      </p:to>
+                                    </p:set>
+                                    <p:animEffect transition="in" filter="fade">
+                                      <p:cBhvr>
+                                        <p:cTn id="19" dur="1000"/>
+                                        <p:tgtEl>
+                                          <p:spTgt spid="4"/>
+                                        </p:tgtEl>
+                                      </p:cBhvr>
+                                    </p:animEffect>
+                                    <p:anim calcmode="lin" valueType="num">
+                                      <p:cBhvr>
+                                        <p:cTn id="20" dur="1000" fill="hold"/>
+                                        <p:tgtEl>
+                                          <p:spTgt spid="4"/>
+                                        </p:tgtEl>
+                                        <p:attrNameLst>
+                                          <p:attrName>ppt_x</p:attrName>
+                                        </p:attrNameLst>
+                                      </p:cBhvr>
+                                      <p:tavLst>
+                                        <p:tav tm="0">
+                                          <p:val>
+                                            <p:strVal val="#ppt_x"/>
+                                          </p:val>
+                                        </p:tav>
+                                        <p:tav tm="100000">
+                                          <p:val>
+                                            <p:strVal val="#ppt_x"/>
+                                          </p:val>
+                                        </p:tav>
+                                      </p:tavLst>
+                                    </p:anim>
+                                    <p:anim calcmode="lin" valueType="num">
+                                      <p:cBhvr>
+                                        <p:cTn id="21" dur="1000" fill="hold"/>
+                                        <p:tgtEl>
+                                          <p:spTgt spid="4"/>
+                                        </p:tgtEl>
+                                        <p:attrNameLst>
+                                          <p:attrName>ppt_y</p:attrName>
+                                        </p:attrNameLst>
+                                      </p:cBhvr>
+                                      <p:tavLst>
+                                        <p:tav tm="0">
+                                          <p:val>
+                                            <p:strVal val="#ppt_y+.1"/>
+                                          </p:val>
+                                        </p:tav>
+                                        <p:tav tm="100000">
+                                          <p:val>
+                                            <p:strVal val="#ppt_y"/>
+                                          </p:val>
+                                        </p:tav>
+                                      </p:tavLst>
+                                    </p:anim>
+                                  </p:childTnLst>
+                                </p:cTn>
+                              </p:par>
+                            </p:childTnLst>
+                          </p:cTn>
+                        </p:par>
+                      </p:childTnLst>
+                    </p:cTn>
+                  </p:par>
+                  <p:par>
+                    <p:cTn id="22" fill="hold">
+                      <p:stCondLst>
+                        <p:cond delay="indefinite"/>
+                      </p:stCondLst>
+                      <p:childTnLst>
+                        <p:par>
+                          <p:cTn id="23" fill="hold">
+                            <p:stCondLst>
+                              <p:cond delay="0"/>
+                            </p:stCondLst>
+                            <p:childTnLst>
+                              <p:par>
+                                <p:cTn id="24" presetID="47" presetClass="exit" presetSubtype="0" fill="hold" grpId="1" nodeType="clickEffect">
+                                  <p:stCondLst>
+                                    <p:cond delay="0"/>
+                                  </p:stCondLst>
+                                  <p:childTnLst>
+                                    <p:animEffect transition="out" filter="fade">
+                                      <p:cBhvr>
+                                        <p:cTn id="25" dur="1000"/>
+                                        <p:tgtEl>
+                                          <p:spTgt spid="3">
+                                            <p:txEl>
+                                              <p:pRg st="0" end="0"/>
+                                            </p:txEl>
+                                          </p:spTgt>
+                                        </p:tgtEl>
+                                      </p:cBhvr>
+                                    </p:animEffect>
+                                    <p:anim calcmode="lin" valueType="num">
+                                      <p:cBhvr>
+                                        <p:cTn id="26" dur="1000"/>
+                                        <p:tgtEl>
+                                          <p:spTgt spid="3">
+                                            <p:txEl>
+                                              <p:pRg st="0" end="0"/>
+                                            </p:txEl>
+                                          </p:spTgt>
+                                        </p:tgtEl>
+                                        <p:attrNameLst>
+                                          <p:attrName>ppt_x</p:attrName>
+                                        </p:attrNameLst>
+                                      </p:cBhvr>
+                                      <p:tavLst>
+                                        <p:tav tm="0">
+                                          <p:val>
+                                            <p:strVal val="ppt_x"/>
+                                          </p:val>
+                                        </p:tav>
+                                        <p:tav tm="100000">
+                                          <p:val>
+                                            <p:strVal val="ppt_x"/>
+                                          </p:val>
+                                        </p:tav>
+                                      </p:tavLst>
+                                    </p:anim>
+                                    <p:anim calcmode="lin" valueType="num">
+                                      <p:cBhvr>
+                                        <p:cTn id="27" dur="1000"/>
+                                        <p:tgtEl>
+                                          <p:spTgt spid="3">
+                                            <p:txEl>
+                                              <p:pRg st="0" end="0"/>
+                                            </p:txEl>
+                                          </p:spTgt>
+                                        </p:tgtEl>
+                                        <p:attrNameLst>
+                                          <p:attrName>ppt_y</p:attrName>
+                                        </p:attrNameLst>
+                                      </p:cBhvr>
+                                      <p:tavLst>
+                                        <p:tav tm="0">
+                                          <p:val>
+                                            <p:strVal val="ppt_y"/>
+                                          </p:val>
+                                        </p:tav>
+                                        <p:tav tm="100000">
+                                          <p:val>
+                                            <p:strVal val="ppt_y-.1"/>
+                                          </p:val>
+                                        </p:tav>
+                                      </p:tavLst>
+                                    </p:anim>
+                                    <p:set>
+                                      <p:cBhvr>
+                                        <p:cTn id="28" dur="1" fill="hold">
+                                          <p:stCondLst>
+                                            <p:cond delay="999"/>
+                                          </p:stCondLst>
+                                        </p:cTn>
+                                        <p:tgtEl>
+                                          <p:spTgt spid="3">
+                                            <p:txEl>
+                                              <p:pRg st="0" end="0"/>
+                                            </p:txEl>
+                                          </p:spTgt>
+                                        </p:tgtEl>
+                                        <p:attrNameLst>
+                                          <p:attrName>style.visibility</p:attrName>
+                                        </p:attrNameLst>
+                                      </p:cBhvr>
+                                      <p:to>
+                                        <p:strVal val="hidden"/>
+                                      </p:to>
+                                    </p:set>
+                                  </p:childTnLst>
+                                </p:cTn>
+                              </p:par>
+                              <p:par>
+                                <p:cTn id="29" presetID="47" presetClass="exit" presetSubtype="0" fill="hold" grpId="1" nodeType="withEffect">
+                                  <p:stCondLst>
+                                    <p:cond delay="0"/>
+                                  </p:stCondLst>
+                                  <p:childTnLst>
+                                    <p:animEffect transition="out" filter="fade">
+                                      <p:cBhvr>
+                                        <p:cTn id="30" dur="1000"/>
+                                        <p:tgtEl>
+                                          <p:spTgt spid="3">
+                                            <p:txEl>
+                                              <p:pRg st="1" end="1"/>
+                                            </p:txEl>
+                                          </p:spTgt>
+                                        </p:tgtEl>
+                                      </p:cBhvr>
+                                    </p:animEffect>
+                                    <p:anim calcmode="lin" valueType="num">
+                                      <p:cBhvr>
+                                        <p:cTn id="31" dur="1000"/>
+                                        <p:tgtEl>
+                                          <p:spTgt spid="3">
+                                            <p:txEl>
+                                              <p:pRg st="1" end="1"/>
+                                            </p:txEl>
+                                          </p:spTgt>
+                                        </p:tgtEl>
+                                        <p:attrNameLst>
+                                          <p:attrName>ppt_x</p:attrName>
+                                        </p:attrNameLst>
+                                      </p:cBhvr>
+                                      <p:tavLst>
+                                        <p:tav tm="0">
+                                          <p:val>
+                                            <p:strVal val="ppt_x"/>
+                                          </p:val>
+                                        </p:tav>
+                                        <p:tav tm="100000">
+                                          <p:val>
+                                            <p:strVal val="ppt_x"/>
+                                          </p:val>
+                                        </p:tav>
+                                      </p:tavLst>
+                                    </p:anim>
+                                    <p:anim calcmode="lin" valueType="num">
+                                      <p:cBhvr>
+                                        <p:cTn id="32" dur="1000"/>
+                                        <p:tgtEl>
+                                          <p:spTgt spid="3">
+                                            <p:txEl>
+                                              <p:pRg st="1" end="1"/>
+                                            </p:txEl>
+                                          </p:spTgt>
+                                        </p:tgtEl>
+                                        <p:attrNameLst>
+                                          <p:attrName>ppt_y</p:attrName>
+                                        </p:attrNameLst>
+                                      </p:cBhvr>
+                                      <p:tavLst>
+                                        <p:tav tm="0">
+                                          <p:val>
+                                            <p:strVal val="ppt_y"/>
+                                          </p:val>
+                                        </p:tav>
+                                        <p:tav tm="100000">
+                                          <p:val>
+                                            <p:strVal val="ppt_y-.1"/>
+                                          </p:val>
+                                        </p:tav>
+                                      </p:tavLst>
+                                    </p:anim>
+                                    <p:set>
+                                      <p:cBhvr>
+                                        <p:cTn id="33" dur="1" fill="hold">
+                                          <p:stCondLst>
+                                            <p:cond delay="999"/>
+                                          </p:stCondLst>
+                                        </p:cTn>
+                                        <p:tgtEl>
+                                          <p:spTgt spid="3">
+                                            <p:txEl>
+                                              <p:pRg st="1" end="1"/>
+                                            </p:txEl>
+                                          </p:spTgt>
+                                        </p:tgtEl>
+                                        <p:attrNameLst>
+                                          <p:attrName>style.visibility</p:attrName>
+                                        </p:attrNameLst>
+                                      </p:cBhvr>
+                                      <p:to>
+                                        <p:strVal val="hidden"/>
+                                      </p:to>
+                                    </p:set>
+                                  </p:childTnLst>
+                                </p:cTn>
+                              </p:par>
+                              <p:par>
+                                <p:cTn id="34" presetID="47" presetClass="exit" presetSubtype="0" fill="hold" grpId="1" nodeType="withEffect">
+                                  <p:stCondLst>
+                                    <p:cond delay="0"/>
+                                  </p:stCondLst>
+                                  <p:childTnLst>
+                                    <p:animEffect transition="out" filter="fade">
+                                      <p:cBhvr>
+                                        <p:cTn id="35" dur="1000"/>
+                                        <p:tgtEl>
+                                          <p:spTgt spid="4"/>
+                                        </p:tgtEl>
+                                      </p:cBhvr>
+                                    </p:animEffect>
+                                    <p:anim calcmode="lin" valueType="num">
+                                      <p:cBhvr>
+                                        <p:cTn id="36" dur="1000"/>
+                                        <p:tgtEl>
+                                          <p:spTgt spid="4"/>
+                                        </p:tgtEl>
+                                        <p:attrNameLst>
+                                          <p:attrName>ppt_x</p:attrName>
+                                        </p:attrNameLst>
+                                      </p:cBhvr>
+                                      <p:tavLst>
+                                        <p:tav tm="0">
+                                          <p:val>
+                                            <p:strVal val="ppt_x"/>
+                                          </p:val>
+                                        </p:tav>
+                                        <p:tav tm="100000">
+                                          <p:val>
+                                            <p:strVal val="ppt_x"/>
+                                          </p:val>
+                                        </p:tav>
+                                      </p:tavLst>
+                                    </p:anim>
+                                    <p:anim calcmode="lin" valueType="num">
+                                      <p:cBhvr>
+                                        <p:cTn id="37" dur="1000"/>
+                                        <p:tgtEl>
+                                          <p:spTgt spid="4"/>
+                                        </p:tgtEl>
+                                        <p:attrNameLst>
+                                          <p:attrName>ppt_y</p:attrName>
+                                        </p:attrNameLst>
+                                      </p:cBhvr>
+                                      <p:tavLst>
+                                        <p:tav tm="0">
+                                          <p:val>
+                                            <p:strVal val="ppt_y"/>
+                                          </p:val>
+                                        </p:tav>
+                                        <p:tav tm="100000">
+                                          <p:val>
+                                            <p:strVal val="ppt_y-.1"/>
+                                          </p:val>
+                                        </p:tav>
+                                      </p:tavLst>
+                                    </p:anim>
+                                    <p:set>
+                                      <p:cBhvr>
+                                        <p:cTn id="38" dur="1" fill="hold">
+                                          <p:stCondLst>
+                                            <p:cond delay="999"/>
+                                          </p:stCondLst>
+                                        </p:cTn>
+                                        <p:tgtEl>
+                                          <p:spTgt spid="4"/>
+                                        </p:tgtEl>
+                                        <p:attrNameLst>
+                                          <p:attrName>style.visibility</p:attrName>
+                                        </p:attrNameLst>
+                                      </p:cBhvr>
+                                      <p:to>
+                                        <p:strVal val="hidden"/>
+                                      </p:to>
+                                    </p:set>
+                                  </p:childTnLst>
+                                </p:cTn>
+                              </p:par>
+                            </p:childTnLst>
+                          </p:cTn>
+                        </p:par>
+                      </p:childTnLst>
+                    </p:cTn>
+                  </p:par>
+                </p:childTnLst>
+              </p:cTn>
+              <p:prevCondLst>
+                <p:cond evt="onPrev" delay="0">
+                  <p:tgtEl>
+                    <p:sldTgt/>
+                  </p:tgtEl>
+                </p:cond>
+              </p:prevCondLst>
+              <p:nextCondLst>
+                <p:cond evt="onNext" delay="0">
+                  <p:tgtEl>
+                    <p:sldTgt/>
+                  </p:tgtEl>
+                </p:cond>
+              </p:nextCondLst>
+            </p:seq>
+          </p:childTnLst>
+        </p:cTn>
+      </p:par>
+    </p:tnLst>
+    <p:bldLst>
+      <p:bldP spid="3" grpId="0" uiExpand="1" build="p"/>
+      <p:bldP spid="3" grpId="1" uiExpand="1" build="p"/>
+      <p:bldP spid="4" grpId="0"/>
+      <p:bldP spid="4" grpId="1"/>
+    </p:bldLst>
+  </p:timing>
+</p:sld>
+</file>
+
+<file path=ppt/slides/slide16.xml><?xml version="1.0" encoding="utf-8"?>
+<p:sld xmlns:a="http://schemas.openxmlformats.org/drawingml/2006/main" xmlns:r="http://schemas.openxmlformats.org/officeDocument/2006/relationships" xmlns:p="http://schemas.openxmlformats.org/presentationml/2006/main">
+  <p:cSld>
+    <p:spTree>
+      <p:nvGrpSpPr>
+        <p:cNvPr id="1" name=""/>
+        <p:cNvGrpSpPr/>
+        <p:nvPr/>
+      </p:nvGrpSpPr>
+      <p:grpSpPr>
+        <a:xfrm>
+          <a:off x="0" y="0"/>
+          <a:ext cx="0" cy="0"/>
+          <a:chOff x="0" y="0"/>
+          <a:chExt cx="0" cy="0"/>
+        </a:xfrm>
+      </p:grpSpPr>
+      <p:sp>
+        <p:nvSpPr>
+          <p:cNvPr id="2" name="Title 1">
+            <a:extLst>
+              <a:ext uri="{FF2B5EF4-FFF2-40B4-BE49-F238E27FC236}">
+                <a16:creationId xmlns:a16="http://schemas.microsoft.com/office/drawing/2014/main" id="{CFD9E520-9B54-ED60-2A07-174B139AF8CF}"/>
+              </a:ext>
+            </a:extLst>
+          </p:cNvPr>
+          <p:cNvSpPr>
+            <a:spLocks noGrp="1"/>
+          </p:cNvSpPr>
+          <p:nvPr>
+            <p:ph type="title"/>
+          </p:nvPr>
+        </p:nvSpPr>
+        <p:spPr>
+          <a:xfrm>
+            <a:off x="838200" y="1087020"/>
+            <a:ext cx="10515600" cy="1325563"/>
+          </a:xfrm>
+        </p:spPr>
+        <p:txBody>
+          <a:bodyPr>
+            <a:noAutofit/>
+          </a:bodyPr>
+          <a:lstStyle/>
+          <a:p>
+            <a:pPr algn="ctr"/>
+            <a:r>
+              <a:rPr lang="en-US" sz="7200" dirty="0">
+                <a:ln w="38100">
+                  <a:solidFill>
+                    <a:schemeClr val="tx1"/>
+                  </a:solidFill>
+                </a:ln>
+                <a:solidFill>
+                  <a:srgbClr val="FEBD00"/>
+                </a:solidFill>
+                <a:latin typeface="Lapsus Pro (theguybrush.com)" panose="02000800000000000000" pitchFamily="2" charset="0"/>
+              </a:rPr>
+              <a:t>How did we get here?</a:t>
+            </a:r>
+            <a:endParaRPr lang="en-GB" sz="7200" dirty="0">
+              <a:ln w="38100">
+                <a:solidFill>
+                  <a:schemeClr val="tx1"/>
+                </a:solidFill>
+              </a:ln>
+              <a:solidFill>
+                <a:srgbClr val="FEBD00"/>
+              </a:solidFill>
+              <a:latin typeface="Lapsus Pro (theguybrush.com)" panose="02000800000000000000" pitchFamily="2" charset="0"/>
+            </a:endParaRPr>
+          </a:p>
+        </p:txBody>
+      </p:sp>
+      <p:sp>
+        <p:nvSpPr>
+          <p:cNvPr id="3" name="Content Placeholder 2">
+            <a:extLst>
+              <a:ext uri="{FF2B5EF4-FFF2-40B4-BE49-F238E27FC236}">
+                <a16:creationId xmlns:a16="http://schemas.microsoft.com/office/drawing/2014/main" id="{5FA68AA5-9E9D-6343-D56A-C6272FE5624C}"/>
+              </a:ext>
+            </a:extLst>
+          </p:cNvPr>
+          <p:cNvSpPr>
+            <a:spLocks noGrp="1"/>
+          </p:cNvSpPr>
+          <p:nvPr>
+            <p:ph idx="1"/>
+          </p:nvPr>
+        </p:nvSpPr>
+        <p:spPr>
+          <a:xfrm>
+            <a:off x="608142" y="2660722"/>
+            <a:ext cx="5158265" cy="3569392"/>
+          </a:xfrm>
+        </p:spPr>
+        <p:txBody>
+          <a:bodyPr>
+            <a:normAutofit/>
+          </a:bodyPr>
+          <a:lstStyle/>
+          <a:p>
+            <a:pPr marL="0" indent="0">
+              <a:buNone/>
+            </a:pPr>
             <a:r>
               <a:rPr lang="en-US" sz="5400" dirty="0">
                 <a:latin typeface="Lapsus Pro (theguybrush.com)" panose="02000800000000000000" pitchFamily="2" charset="0"/>
               </a:rPr>
-              <a:t> pet card</a:t>
+              <a:t>Feedback:</a:t>
             </a:r>
+          </a:p>
+          <a:p>
+            <a:pPr marL="0" indent="0">
+              <a:buNone/>
+            </a:pPr>
+            <a:r>
+              <a:rPr lang="en-US" sz="5400" dirty="0">
+                <a:latin typeface="Lapsus Pro (theguybrush.com)" panose="02000800000000000000" pitchFamily="2" charset="0"/>
+              </a:rPr>
+              <a:t>Tie turner card</a:t>
+            </a:r>
+          </a:p>
+          <a:p>
+            <a:pPr marL="0" indent="0">
+              <a:buNone/>
+            </a:pPr>
+            <a:endParaRPr lang="en-US" sz="6000" dirty="0">
+              <a:latin typeface="Lapsus Pro (theguybrush.com)" panose="02000800000000000000" pitchFamily="2" charset="0"/>
+            </a:endParaRPr>
+          </a:p>
+          <a:p>
+            <a:pPr marL="0" indent="0">
+              <a:buNone/>
+            </a:pPr>
+            <a:endParaRPr lang="en-US" sz="6000" dirty="0">
+              <a:latin typeface="Lapsus Pro (theguybrush.com)" panose="02000800000000000000" pitchFamily="2" charset="0"/>
+            </a:endParaRPr>
+          </a:p>
+        </p:txBody>
+      </p:sp>
+      <p:sp>
+        <p:nvSpPr>
+          <p:cNvPr id="4" name="Content Placeholder 2">
+            <a:extLst>
+              <a:ext uri="{FF2B5EF4-FFF2-40B4-BE49-F238E27FC236}">
+                <a16:creationId xmlns:a16="http://schemas.microsoft.com/office/drawing/2014/main" id="{233B5E83-0797-4A5A-F694-F0A9DC14A43A}"/>
+              </a:ext>
+            </a:extLst>
+          </p:cNvPr>
+          <p:cNvSpPr txBox="1">
+            <a:spLocks/>
+          </p:cNvSpPr>
+          <p:nvPr/>
+        </p:nvSpPr>
+        <p:spPr>
+          <a:xfrm>
+            <a:off x="5853910" y="2660722"/>
+            <a:ext cx="6028915" cy="3569392"/>
+          </a:xfrm>
+          <a:prstGeom prst="rect">
+            <a:avLst/>
+          </a:prstGeom>
+        </p:spPr>
+        <p:txBody>
+          <a:bodyPr vert="horz" lIns="91440" tIns="45720" rIns="91440" bIns="45720" rtlCol="0">
+            <a:normAutofit/>
+          </a:bodyPr>
+          <a:lstStyle>
+            <a:lvl1pPr marL="228600" indent="-228600" algn="l" defTabSz="914400" rtl="0" eaLnBrk="1" latinLnBrk="0" hangingPunct="1">
+              <a:lnSpc>
+                <a:spcPct val="90000"/>
+              </a:lnSpc>
+              <a:spcBef>
+                <a:spcPts val="1000"/>
+              </a:spcBef>
+              <a:buFont typeface="Arial" panose="020B0604020202020204" pitchFamily="34" charset="0"/>
+              <a:buChar char="•"/>
+              <a:defRPr sz="2800" kern="1200">
+                <a:solidFill>
+                  <a:schemeClr val="tx1"/>
+                </a:solidFill>
+                <a:latin typeface="+mn-lt"/>
+                <a:ea typeface="+mn-ea"/>
+                <a:cs typeface="+mn-cs"/>
+              </a:defRPr>
+            </a:lvl1pPr>
+            <a:lvl2pPr marL="685800" indent="-228600" algn="l" defTabSz="914400" rtl="0" eaLnBrk="1" latinLnBrk="0" hangingPunct="1">
+              <a:lnSpc>
+                <a:spcPct val="90000"/>
+              </a:lnSpc>
+              <a:spcBef>
+                <a:spcPts val="500"/>
+              </a:spcBef>
+              <a:buFont typeface="Arial" panose="020B0604020202020204" pitchFamily="34" charset="0"/>
+              <a:buChar char="•"/>
+              <a:defRPr sz="2400" kern="1200">
+                <a:solidFill>
+                  <a:schemeClr val="tx1"/>
+                </a:solidFill>
+                <a:latin typeface="+mn-lt"/>
+                <a:ea typeface="+mn-ea"/>
+                <a:cs typeface="+mn-cs"/>
+              </a:defRPr>
+            </a:lvl2pPr>
+            <a:lvl3pPr marL="1143000" indent="-228600" algn="l" defTabSz="914400" rtl="0" eaLnBrk="1" latinLnBrk="0" hangingPunct="1">
+              <a:lnSpc>
+                <a:spcPct val="90000"/>
+              </a:lnSpc>
+              <a:spcBef>
+                <a:spcPts val="500"/>
+              </a:spcBef>
+              <a:buFont typeface="Arial" panose="020B0604020202020204" pitchFamily="34" charset="0"/>
+              <a:buChar char="•"/>
+              <a:defRPr sz="2000" kern="1200">
+                <a:solidFill>
+                  <a:schemeClr val="tx1"/>
+                </a:solidFill>
+                <a:latin typeface="+mn-lt"/>
+                <a:ea typeface="+mn-ea"/>
+                <a:cs typeface="+mn-cs"/>
+              </a:defRPr>
+            </a:lvl3pPr>
+            <a:lvl4pPr marL="1600200" indent="-228600" algn="l" defTabSz="914400" rtl="0" eaLnBrk="1" latinLnBrk="0" hangingPunct="1">
+              <a:lnSpc>
+                <a:spcPct val="90000"/>
+              </a:lnSpc>
+              <a:spcBef>
+                <a:spcPts val="500"/>
+              </a:spcBef>
+              <a:buFont typeface="Arial" panose="020B0604020202020204" pitchFamily="34" charset="0"/>
+              <a:buChar char="•"/>
+              <a:defRPr sz="1800" kern="1200">
+                <a:solidFill>
+                  <a:schemeClr val="tx1"/>
+                </a:solidFill>
+                <a:latin typeface="+mn-lt"/>
+                <a:ea typeface="+mn-ea"/>
+                <a:cs typeface="+mn-cs"/>
+              </a:defRPr>
+            </a:lvl4pPr>
+            <a:lvl5pPr marL="2057400" indent="-228600" algn="l" defTabSz="914400" rtl="0" eaLnBrk="1" latinLnBrk="0" hangingPunct="1">
+              <a:lnSpc>
+                <a:spcPct val="90000"/>
+              </a:lnSpc>
+              <a:spcBef>
+                <a:spcPts val="500"/>
+              </a:spcBef>
+              <a:buFont typeface="Arial" panose="020B0604020202020204" pitchFamily="34" charset="0"/>
+              <a:buChar char="•"/>
+              <a:defRPr sz="1800" kern="1200">
+                <a:solidFill>
+                  <a:schemeClr val="tx1"/>
+                </a:solidFill>
+                <a:latin typeface="+mn-lt"/>
+                <a:ea typeface="+mn-ea"/>
+                <a:cs typeface="+mn-cs"/>
+              </a:defRPr>
+            </a:lvl5pPr>
+            <a:lvl6pPr marL="2514600" indent="-228600" algn="l" defTabSz="914400" rtl="0" eaLnBrk="1" latinLnBrk="0" hangingPunct="1">
+              <a:lnSpc>
+                <a:spcPct val="90000"/>
+              </a:lnSpc>
+              <a:spcBef>
+                <a:spcPts val="500"/>
+              </a:spcBef>
+              <a:buFont typeface="Arial" panose="020B0604020202020204" pitchFamily="34" charset="0"/>
+              <a:buChar char="•"/>
+              <a:defRPr sz="1800" kern="1200">
+                <a:solidFill>
+                  <a:schemeClr val="tx1"/>
+                </a:solidFill>
+                <a:latin typeface="+mn-lt"/>
+                <a:ea typeface="+mn-ea"/>
+                <a:cs typeface="+mn-cs"/>
+              </a:defRPr>
+            </a:lvl6pPr>
+            <a:lvl7pPr marL="2971800" indent="-228600" algn="l" defTabSz="914400" rtl="0" eaLnBrk="1" latinLnBrk="0" hangingPunct="1">
+              <a:lnSpc>
+                <a:spcPct val="90000"/>
+              </a:lnSpc>
+              <a:spcBef>
+                <a:spcPts val="500"/>
+              </a:spcBef>
+              <a:buFont typeface="Arial" panose="020B0604020202020204" pitchFamily="34" charset="0"/>
+              <a:buChar char="•"/>
+              <a:defRPr sz="1800" kern="1200">
+                <a:solidFill>
+                  <a:schemeClr val="tx1"/>
+                </a:solidFill>
+                <a:latin typeface="+mn-lt"/>
+                <a:ea typeface="+mn-ea"/>
+                <a:cs typeface="+mn-cs"/>
+              </a:defRPr>
+            </a:lvl7pPr>
+            <a:lvl8pPr marL="3429000" indent="-228600" algn="l" defTabSz="914400" rtl="0" eaLnBrk="1" latinLnBrk="0" hangingPunct="1">
+              <a:lnSpc>
+                <a:spcPct val="90000"/>
+              </a:lnSpc>
+              <a:spcBef>
+                <a:spcPts val="500"/>
+              </a:spcBef>
+              <a:buFont typeface="Arial" panose="020B0604020202020204" pitchFamily="34" charset="0"/>
+              <a:buChar char="•"/>
+              <a:defRPr sz="1800" kern="1200">
+                <a:solidFill>
+                  <a:schemeClr val="tx1"/>
+                </a:solidFill>
+                <a:latin typeface="+mn-lt"/>
+                <a:ea typeface="+mn-ea"/>
+                <a:cs typeface="+mn-cs"/>
+              </a:defRPr>
+            </a:lvl8pPr>
+            <a:lvl9pPr marL="3886200" indent="-228600" algn="l" defTabSz="914400" rtl="0" eaLnBrk="1" latinLnBrk="0" hangingPunct="1">
+              <a:lnSpc>
+                <a:spcPct val="90000"/>
+              </a:lnSpc>
+              <a:spcBef>
+                <a:spcPts val="500"/>
+              </a:spcBef>
+              <a:buFont typeface="Arial" panose="020B0604020202020204" pitchFamily="34" charset="0"/>
+              <a:buChar char="•"/>
+              <a:defRPr sz="1800" kern="1200">
+                <a:solidFill>
+                  <a:schemeClr val="tx1"/>
+                </a:solidFill>
+                <a:latin typeface="+mn-lt"/>
+                <a:ea typeface="+mn-ea"/>
+                <a:cs typeface="+mn-cs"/>
+              </a:defRPr>
+            </a:lvl9pPr>
+          </a:lstStyle>
+          <a:p>
+            <a:pPr marL="0" indent="0">
+              <a:buFont typeface="Arial" panose="020B0604020202020204" pitchFamily="34" charset="0"/>
+              <a:buNone/>
+            </a:pPr>
+            <a:r>
+              <a:rPr lang="en-US" sz="5400" dirty="0">
+                <a:latin typeface="Lapsus Pro (theguybrush.com)" panose="02000800000000000000" pitchFamily="2" charset="0"/>
+              </a:rPr>
+              <a:t>Solution:</a:t>
+            </a:r>
+          </a:p>
+          <a:p>
+            <a:pPr marL="0" indent="0">
+              <a:buFont typeface="Arial" panose="020B0604020202020204" pitchFamily="34" charset="0"/>
+              <a:buNone/>
+            </a:pPr>
+            <a:r>
+              <a:rPr lang="en-US" sz="5400" dirty="0">
+                <a:latin typeface="Lapsus Pro (theguybrush.com)" panose="02000800000000000000" pitchFamily="2" charset="0"/>
+              </a:rPr>
+              <a:t>Added: Cat</a:t>
+            </a:r>
+          </a:p>
+          <a:p>
+            <a:pPr marL="0" indent="0">
+              <a:buFont typeface="Arial" panose="020B0604020202020204" pitchFamily="34" charset="0"/>
+              <a:buNone/>
+            </a:pPr>
+            <a:r>
+              <a:rPr lang="en-US" dirty="0">
+                <a:latin typeface="Lapsus Pro (theguybrush.com)" panose="02000800000000000000" pitchFamily="2" charset="0"/>
+              </a:rPr>
+              <a:t>(health and attack healing doubles)</a:t>
+            </a:r>
+          </a:p>
+          <a:p>
+            <a:pPr marL="0" indent="0">
+              <a:buFont typeface="Arial" panose="020B0604020202020204" pitchFamily="34" charset="0"/>
+              <a:buNone/>
+            </a:pPr>
+            <a:endParaRPr lang="en-US" sz="5400" dirty="0">
+              <a:latin typeface="Lapsus Pro (theguybrush.com)" panose="02000800000000000000" pitchFamily="2" charset="0"/>
+            </a:endParaRPr>
           </a:p>
         </p:txBody>
       </p:sp>
@@ -9074,6 +10216,1083 @@
                                   </p:childTnLst>
                                 </p:cTn>
                               </p:par>
+                            </p:childTnLst>
+                          </p:cTn>
+                        </p:par>
+                      </p:childTnLst>
+                    </p:cTn>
+                  </p:par>
+                  <p:par>
+                    <p:cTn id="10" fill="hold">
+                      <p:stCondLst>
+                        <p:cond delay="indefinite"/>
+                      </p:stCondLst>
+                      <p:childTnLst>
+                        <p:par>
+                          <p:cTn id="11" fill="hold">
+                            <p:stCondLst>
+                              <p:cond delay="0"/>
+                            </p:stCondLst>
+                            <p:childTnLst>
+                              <p:par>
+                                <p:cTn id="12" presetID="42" presetClass="entr" presetSubtype="0" fill="hold" grpId="0" nodeType="clickEffect">
+                                  <p:stCondLst>
+                                    <p:cond delay="0"/>
+                                  </p:stCondLst>
+                                  <p:childTnLst>
+                                    <p:set>
+                                      <p:cBhvr>
+                                        <p:cTn id="13" dur="1" fill="hold">
+                                          <p:stCondLst>
+                                            <p:cond delay="0"/>
+                                          </p:stCondLst>
+                                        </p:cTn>
+                                        <p:tgtEl>
+                                          <p:spTgt spid="3">
+                                            <p:txEl>
+                                              <p:pRg st="1" end="1"/>
+                                            </p:txEl>
+                                          </p:spTgt>
+                                        </p:tgtEl>
+                                        <p:attrNameLst>
+                                          <p:attrName>style.visibility</p:attrName>
+                                        </p:attrNameLst>
+                                      </p:cBhvr>
+                                      <p:to>
+                                        <p:strVal val="visible"/>
+                                      </p:to>
+                                    </p:set>
+                                    <p:animEffect transition="in" filter="fade">
+                                      <p:cBhvr>
+                                        <p:cTn id="14" dur="1000"/>
+                                        <p:tgtEl>
+                                          <p:spTgt spid="3">
+                                            <p:txEl>
+                                              <p:pRg st="1" end="1"/>
+                                            </p:txEl>
+                                          </p:spTgt>
+                                        </p:tgtEl>
+                                      </p:cBhvr>
+                                    </p:animEffect>
+                                    <p:anim calcmode="lin" valueType="num">
+                                      <p:cBhvr>
+                                        <p:cTn id="15" dur="1000" fill="hold"/>
+                                        <p:tgtEl>
+                                          <p:spTgt spid="3">
+                                            <p:txEl>
+                                              <p:pRg st="1" end="1"/>
+                                            </p:txEl>
+                                          </p:spTgt>
+                                        </p:tgtEl>
+                                        <p:attrNameLst>
+                                          <p:attrName>ppt_x</p:attrName>
+                                        </p:attrNameLst>
+                                      </p:cBhvr>
+                                      <p:tavLst>
+                                        <p:tav tm="0">
+                                          <p:val>
+                                            <p:strVal val="#ppt_x"/>
+                                          </p:val>
+                                        </p:tav>
+                                        <p:tav tm="100000">
+                                          <p:val>
+                                            <p:strVal val="#ppt_x"/>
+                                          </p:val>
+                                        </p:tav>
+                                      </p:tavLst>
+                                    </p:anim>
+                                    <p:anim calcmode="lin" valueType="num">
+                                      <p:cBhvr>
+                                        <p:cTn id="16" dur="1000" fill="hold"/>
+                                        <p:tgtEl>
+                                          <p:spTgt spid="3">
+                                            <p:txEl>
+                                              <p:pRg st="1" end="1"/>
+                                            </p:txEl>
+                                          </p:spTgt>
+                                        </p:tgtEl>
+                                        <p:attrNameLst>
+                                          <p:attrName>ppt_y</p:attrName>
+                                        </p:attrNameLst>
+                                      </p:cBhvr>
+                                      <p:tavLst>
+                                        <p:tav tm="0">
+                                          <p:val>
+                                            <p:strVal val="#ppt_y+.1"/>
+                                          </p:val>
+                                        </p:tav>
+                                        <p:tav tm="100000">
+                                          <p:val>
+                                            <p:strVal val="#ppt_y"/>
+                                          </p:val>
+                                        </p:tav>
+                                      </p:tavLst>
+                                    </p:anim>
+                                  </p:childTnLst>
+                                </p:cTn>
+                              </p:par>
+                            </p:childTnLst>
+                          </p:cTn>
+                        </p:par>
+                      </p:childTnLst>
+                    </p:cTn>
+                  </p:par>
+                  <p:par>
+                    <p:cTn id="17" fill="hold">
+                      <p:stCondLst>
+                        <p:cond delay="indefinite"/>
+                      </p:stCondLst>
+                      <p:childTnLst>
+                        <p:par>
+                          <p:cTn id="18" fill="hold">
+                            <p:stCondLst>
+                              <p:cond delay="0"/>
+                            </p:stCondLst>
+                            <p:childTnLst>
+                              <p:par>
+                                <p:cTn id="19" presetID="42" presetClass="entr" presetSubtype="0" fill="hold" grpId="0" nodeType="clickEffect">
+                                  <p:stCondLst>
+                                    <p:cond delay="0"/>
+                                  </p:stCondLst>
+                                  <p:childTnLst>
+                                    <p:set>
+                                      <p:cBhvr>
+                                        <p:cTn id="20" dur="1" fill="hold">
+                                          <p:stCondLst>
+                                            <p:cond delay="0"/>
+                                          </p:stCondLst>
+                                        </p:cTn>
+                                        <p:tgtEl>
+                                          <p:spTgt spid="4"/>
+                                        </p:tgtEl>
+                                        <p:attrNameLst>
+                                          <p:attrName>style.visibility</p:attrName>
+                                        </p:attrNameLst>
+                                      </p:cBhvr>
+                                      <p:to>
+                                        <p:strVal val="visible"/>
+                                      </p:to>
+                                    </p:set>
+                                    <p:animEffect transition="in" filter="fade">
+                                      <p:cBhvr>
+                                        <p:cTn id="21" dur="1000"/>
+                                        <p:tgtEl>
+                                          <p:spTgt spid="4"/>
+                                        </p:tgtEl>
+                                      </p:cBhvr>
+                                    </p:animEffect>
+                                    <p:anim calcmode="lin" valueType="num">
+                                      <p:cBhvr>
+                                        <p:cTn id="22" dur="1000" fill="hold"/>
+                                        <p:tgtEl>
+                                          <p:spTgt spid="4"/>
+                                        </p:tgtEl>
+                                        <p:attrNameLst>
+                                          <p:attrName>ppt_x</p:attrName>
+                                        </p:attrNameLst>
+                                      </p:cBhvr>
+                                      <p:tavLst>
+                                        <p:tav tm="0">
+                                          <p:val>
+                                            <p:strVal val="#ppt_x"/>
+                                          </p:val>
+                                        </p:tav>
+                                        <p:tav tm="100000">
+                                          <p:val>
+                                            <p:strVal val="#ppt_x"/>
+                                          </p:val>
+                                        </p:tav>
+                                      </p:tavLst>
+                                    </p:anim>
+                                    <p:anim calcmode="lin" valueType="num">
+                                      <p:cBhvr>
+                                        <p:cTn id="23" dur="1000" fill="hold"/>
+                                        <p:tgtEl>
+                                          <p:spTgt spid="4"/>
+                                        </p:tgtEl>
+                                        <p:attrNameLst>
+                                          <p:attrName>ppt_y</p:attrName>
+                                        </p:attrNameLst>
+                                      </p:cBhvr>
+                                      <p:tavLst>
+                                        <p:tav tm="0">
+                                          <p:val>
+                                            <p:strVal val="#ppt_y+.1"/>
+                                          </p:val>
+                                        </p:tav>
+                                        <p:tav tm="100000">
+                                          <p:val>
+                                            <p:strVal val="#ppt_y"/>
+                                          </p:val>
+                                        </p:tav>
+                                      </p:tavLst>
+                                    </p:anim>
+                                  </p:childTnLst>
+                                </p:cTn>
+                              </p:par>
+                            </p:childTnLst>
+                          </p:cTn>
+                        </p:par>
+                      </p:childTnLst>
+                    </p:cTn>
+                  </p:par>
+                  <p:par>
+                    <p:cTn id="24" fill="hold">
+                      <p:stCondLst>
+                        <p:cond delay="indefinite"/>
+                      </p:stCondLst>
+                      <p:childTnLst>
+                        <p:par>
+                          <p:cTn id="25" fill="hold">
+                            <p:stCondLst>
+                              <p:cond delay="0"/>
+                            </p:stCondLst>
+                            <p:childTnLst>
+                              <p:par>
+                                <p:cTn id="26" presetID="47" presetClass="exit" presetSubtype="0" fill="hold" grpId="1" nodeType="clickEffect">
+                                  <p:stCondLst>
+                                    <p:cond delay="0"/>
+                                  </p:stCondLst>
+                                  <p:childTnLst>
+                                    <p:animEffect transition="out" filter="fade">
+                                      <p:cBhvr>
+                                        <p:cTn id="27" dur="1000"/>
+                                        <p:tgtEl>
+                                          <p:spTgt spid="3">
+                                            <p:txEl>
+                                              <p:pRg st="0" end="0"/>
+                                            </p:txEl>
+                                          </p:spTgt>
+                                        </p:tgtEl>
+                                      </p:cBhvr>
+                                    </p:animEffect>
+                                    <p:anim calcmode="lin" valueType="num">
+                                      <p:cBhvr>
+                                        <p:cTn id="28" dur="1000"/>
+                                        <p:tgtEl>
+                                          <p:spTgt spid="3">
+                                            <p:txEl>
+                                              <p:pRg st="0" end="0"/>
+                                            </p:txEl>
+                                          </p:spTgt>
+                                        </p:tgtEl>
+                                        <p:attrNameLst>
+                                          <p:attrName>ppt_x</p:attrName>
+                                        </p:attrNameLst>
+                                      </p:cBhvr>
+                                      <p:tavLst>
+                                        <p:tav tm="0">
+                                          <p:val>
+                                            <p:strVal val="ppt_x"/>
+                                          </p:val>
+                                        </p:tav>
+                                        <p:tav tm="100000">
+                                          <p:val>
+                                            <p:strVal val="ppt_x"/>
+                                          </p:val>
+                                        </p:tav>
+                                      </p:tavLst>
+                                    </p:anim>
+                                    <p:anim calcmode="lin" valueType="num">
+                                      <p:cBhvr>
+                                        <p:cTn id="29" dur="1000"/>
+                                        <p:tgtEl>
+                                          <p:spTgt spid="3">
+                                            <p:txEl>
+                                              <p:pRg st="0" end="0"/>
+                                            </p:txEl>
+                                          </p:spTgt>
+                                        </p:tgtEl>
+                                        <p:attrNameLst>
+                                          <p:attrName>ppt_y</p:attrName>
+                                        </p:attrNameLst>
+                                      </p:cBhvr>
+                                      <p:tavLst>
+                                        <p:tav tm="0">
+                                          <p:val>
+                                            <p:strVal val="ppt_y"/>
+                                          </p:val>
+                                        </p:tav>
+                                        <p:tav tm="100000">
+                                          <p:val>
+                                            <p:strVal val="ppt_y-.1"/>
+                                          </p:val>
+                                        </p:tav>
+                                      </p:tavLst>
+                                    </p:anim>
+                                    <p:set>
+                                      <p:cBhvr>
+                                        <p:cTn id="30" dur="1" fill="hold">
+                                          <p:stCondLst>
+                                            <p:cond delay="999"/>
+                                          </p:stCondLst>
+                                        </p:cTn>
+                                        <p:tgtEl>
+                                          <p:spTgt spid="3">
+                                            <p:txEl>
+                                              <p:pRg st="0" end="0"/>
+                                            </p:txEl>
+                                          </p:spTgt>
+                                        </p:tgtEl>
+                                        <p:attrNameLst>
+                                          <p:attrName>style.visibility</p:attrName>
+                                        </p:attrNameLst>
+                                      </p:cBhvr>
+                                      <p:to>
+                                        <p:strVal val="hidden"/>
+                                      </p:to>
+                                    </p:set>
+                                  </p:childTnLst>
+                                </p:cTn>
+                              </p:par>
+                            </p:childTnLst>
+                          </p:cTn>
+                        </p:par>
+                      </p:childTnLst>
+                    </p:cTn>
+                  </p:par>
+                  <p:par>
+                    <p:cTn id="31" fill="hold">
+                      <p:stCondLst>
+                        <p:cond delay="indefinite"/>
+                      </p:stCondLst>
+                      <p:childTnLst>
+                        <p:par>
+                          <p:cTn id="32" fill="hold">
+                            <p:stCondLst>
+                              <p:cond delay="0"/>
+                            </p:stCondLst>
+                            <p:childTnLst>
+                              <p:par>
+                                <p:cTn id="33" presetID="47" presetClass="exit" presetSubtype="0" fill="hold" grpId="1" nodeType="clickEffect">
+                                  <p:stCondLst>
+                                    <p:cond delay="0"/>
+                                  </p:stCondLst>
+                                  <p:childTnLst>
+                                    <p:animEffect transition="out" filter="fade">
+                                      <p:cBhvr>
+                                        <p:cTn id="34" dur="1000"/>
+                                        <p:tgtEl>
+                                          <p:spTgt spid="3">
+                                            <p:txEl>
+                                              <p:pRg st="1" end="1"/>
+                                            </p:txEl>
+                                          </p:spTgt>
+                                        </p:tgtEl>
+                                      </p:cBhvr>
+                                    </p:animEffect>
+                                    <p:anim calcmode="lin" valueType="num">
+                                      <p:cBhvr>
+                                        <p:cTn id="35" dur="1000"/>
+                                        <p:tgtEl>
+                                          <p:spTgt spid="3">
+                                            <p:txEl>
+                                              <p:pRg st="1" end="1"/>
+                                            </p:txEl>
+                                          </p:spTgt>
+                                        </p:tgtEl>
+                                        <p:attrNameLst>
+                                          <p:attrName>ppt_x</p:attrName>
+                                        </p:attrNameLst>
+                                      </p:cBhvr>
+                                      <p:tavLst>
+                                        <p:tav tm="0">
+                                          <p:val>
+                                            <p:strVal val="ppt_x"/>
+                                          </p:val>
+                                        </p:tav>
+                                        <p:tav tm="100000">
+                                          <p:val>
+                                            <p:strVal val="ppt_x"/>
+                                          </p:val>
+                                        </p:tav>
+                                      </p:tavLst>
+                                    </p:anim>
+                                    <p:anim calcmode="lin" valueType="num">
+                                      <p:cBhvr>
+                                        <p:cTn id="36" dur="1000"/>
+                                        <p:tgtEl>
+                                          <p:spTgt spid="3">
+                                            <p:txEl>
+                                              <p:pRg st="1" end="1"/>
+                                            </p:txEl>
+                                          </p:spTgt>
+                                        </p:tgtEl>
+                                        <p:attrNameLst>
+                                          <p:attrName>ppt_y</p:attrName>
+                                        </p:attrNameLst>
+                                      </p:cBhvr>
+                                      <p:tavLst>
+                                        <p:tav tm="0">
+                                          <p:val>
+                                            <p:strVal val="ppt_y"/>
+                                          </p:val>
+                                        </p:tav>
+                                        <p:tav tm="100000">
+                                          <p:val>
+                                            <p:strVal val="ppt_y-.1"/>
+                                          </p:val>
+                                        </p:tav>
+                                      </p:tavLst>
+                                    </p:anim>
+                                    <p:set>
+                                      <p:cBhvr>
+                                        <p:cTn id="37" dur="1" fill="hold">
+                                          <p:stCondLst>
+                                            <p:cond delay="999"/>
+                                          </p:stCondLst>
+                                        </p:cTn>
+                                        <p:tgtEl>
+                                          <p:spTgt spid="3">
+                                            <p:txEl>
+                                              <p:pRg st="1" end="1"/>
+                                            </p:txEl>
+                                          </p:spTgt>
+                                        </p:tgtEl>
+                                        <p:attrNameLst>
+                                          <p:attrName>style.visibility</p:attrName>
+                                        </p:attrNameLst>
+                                      </p:cBhvr>
+                                      <p:to>
+                                        <p:strVal val="hidden"/>
+                                      </p:to>
+                                    </p:set>
+                                  </p:childTnLst>
+                                </p:cTn>
+                              </p:par>
+                              <p:par>
+                                <p:cTn id="38" presetID="47" presetClass="exit" presetSubtype="0" fill="hold" grpId="1" nodeType="withEffect">
+                                  <p:stCondLst>
+                                    <p:cond delay="0"/>
+                                  </p:stCondLst>
+                                  <p:childTnLst>
+                                    <p:animEffect transition="out" filter="fade">
+                                      <p:cBhvr>
+                                        <p:cTn id="39" dur="1000"/>
+                                        <p:tgtEl>
+                                          <p:spTgt spid="4"/>
+                                        </p:tgtEl>
+                                      </p:cBhvr>
+                                    </p:animEffect>
+                                    <p:anim calcmode="lin" valueType="num">
+                                      <p:cBhvr>
+                                        <p:cTn id="40" dur="1000"/>
+                                        <p:tgtEl>
+                                          <p:spTgt spid="4"/>
+                                        </p:tgtEl>
+                                        <p:attrNameLst>
+                                          <p:attrName>ppt_x</p:attrName>
+                                        </p:attrNameLst>
+                                      </p:cBhvr>
+                                      <p:tavLst>
+                                        <p:tav tm="0">
+                                          <p:val>
+                                            <p:strVal val="ppt_x"/>
+                                          </p:val>
+                                        </p:tav>
+                                        <p:tav tm="100000">
+                                          <p:val>
+                                            <p:strVal val="ppt_x"/>
+                                          </p:val>
+                                        </p:tav>
+                                      </p:tavLst>
+                                    </p:anim>
+                                    <p:anim calcmode="lin" valueType="num">
+                                      <p:cBhvr>
+                                        <p:cTn id="41" dur="1000"/>
+                                        <p:tgtEl>
+                                          <p:spTgt spid="4"/>
+                                        </p:tgtEl>
+                                        <p:attrNameLst>
+                                          <p:attrName>ppt_y</p:attrName>
+                                        </p:attrNameLst>
+                                      </p:cBhvr>
+                                      <p:tavLst>
+                                        <p:tav tm="0">
+                                          <p:val>
+                                            <p:strVal val="ppt_y"/>
+                                          </p:val>
+                                        </p:tav>
+                                        <p:tav tm="100000">
+                                          <p:val>
+                                            <p:strVal val="ppt_y-.1"/>
+                                          </p:val>
+                                        </p:tav>
+                                      </p:tavLst>
+                                    </p:anim>
+                                    <p:set>
+                                      <p:cBhvr>
+                                        <p:cTn id="42" dur="1" fill="hold">
+                                          <p:stCondLst>
+                                            <p:cond delay="999"/>
+                                          </p:stCondLst>
+                                        </p:cTn>
+                                        <p:tgtEl>
+                                          <p:spTgt spid="4"/>
+                                        </p:tgtEl>
+                                        <p:attrNameLst>
+                                          <p:attrName>style.visibility</p:attrName>
+                                        </p:attrNameLst>
+                                      </p:cBhvr>
+                                      <p:to>
+                                        <p:strVal val="hidden"/>
+                                      </p:to>
+                                    </p:set>
+                                  </p:childTnLst>
+                                </p:cTn>
+                              </p:par>
+                            </p:childTnLst>
+                          </p:cTn>
+                        </p:par>
+                      </p:childTnLst>
+                    </p:cTn>
+                  </p:par>
+                </p:childTnLst>
+              </p:cTn>
+              <p:prevCondLst>
+                <p:cond evt="onPrev" delay="0">
+                  <p:tgtEl>
+                    <p:sldTgt/>
+                  </p:tgtEl>
+                </p:cond>
+              </p:prevCondLst>
+              <p:nextCondLst>
+                <p:cond evt="onNext" delay="0">
+                  <p:tgtEl>
+                    <p:sldTgt/>
+                  </p:tgtEl>
+                </p:cond>
+              </p:nextCondLst>
+            </p:seq>
+          </p:childTnLst>
+        </p:cTn>
+      </p:par>
+    </p:tnLst>
+    <p:bldLst>
+      <p:bldP spid="3" grpId="0" uiExpand="1" build="p"/>
+      <p:bldP spid="3" grpId="1" uiExpand="1" build="p"/>
+      <p:bldP spid="4" grpId="0"/>
+      <p:bldP spid="4" grpId="1"/>
+    </p:bldLst>
+  </p:timing>
+</p:sld>
+</file>
+
+<file path=ppt/slides/slide17.xml><?xml version="1.0" encoding="utf-8"?>
+<p:sld xmlns:a="http://schemas.openxmlformats.org/drawingml/2006/main" xmlns:r="http://schemas.openxmlformats.org/officeDocument/2006/relationships" xmlns:p="http://schemas.openxmlformats.org/presentationml/2006/main">
+  <p:cSld>
+    <p:spTree>
+      <p:nvGrpSpPr>
+        <p:cNvPr id="1" name=""/>
+        <p:cNvGrpSpPr/>
+        <p:nvPr/>
+      </p:nvGrpSpPr>
+      <p:grpSpPr>
+        <a:xfrm>
+          <a:off x="0" y="0"/>
+          <a:ext cx="0" cy="0"/>
+          <a:chOff x="0" y="0"/>
+          <a:chExt cx="0" cy="0"/>
+        </a:xfrm>
+      </p:grpSpPr>
+      <p:sp>
+        <p:nvSpPr>
+          <p:cNvPr id="2" name="Title 1">
+            <a:extLst>
+              <a:ext uri="{FF2B5EF4-FFF2-40B4-BE49-F238E27FC236}">
+                <a16:creationId xmlns:a16="http://schemas.microsoft.com/office/drawing/2014/main" id="{CFD9E520-9B54-ED60-2A07-174B139AF8CF}"/>
+              </a:ext>
+            </a:extLst>
+          </p:cNvPr>
+          <p:cNvSpPr>
+            <a:spLocks noGrp="1"/>
+          </p:cNvSpPr>
+          <p:nvPr>
+            <p:ph type="title"/>
+          </p:nvPr>
+        </p:nvSpPr>
+        <p:spPr>
+          <a:xfrm>
+            <a:off x="838200" y="1087020"/>
+            <a:ext cx="10515600" cy="1325563"/>
+          </a:xfrm>
+        </p:spPr>
+        <p:txBody>
+          <a:bodyPr>
+            <a:noAutofit/>
+          </a:bodyPr>
+          <a:lstStyle/>
+          <a:p>
+            <a:pPr algn="ctr"/>
+            <a:r>
+              <a:rPr lang="en-US" sz="7200" dirty="0">
+                <a:ln w="38100">
+                  <a:solidFill>
+                    <a:schemeClr val="tx1"/>
+                  </a:solidFill>
+                </a:ln>
+                <a:solidFill>
+                  <a:srgbClr val="FEBD00"/>
+                </a:solidFill>
+                <a:latin typeface="Lapsus Pro (theguybrush.com)" panose="02000800000000000000" pitchFamily="2" charset="0"/>
+              </a:rPr>
+              <a:t>How did we get here?</a:t>
+            </a:r>
+            <a:endParaRPr lang="en-GB" sz="7200" dirty="0">
+              <a:ln w="38100">
+                <a:solidFill>
+                  <a:schemeClr val="tx1"/>
+                </a:solidFill>
+              </a:ln>
+              <a:solidFill>
+                <a:srgbClr val="FEBD00"/>
+              </a:solidFill>
+              <a:latin typeface="Lapsus Pro (theguybrush.com)" panose="02000800000000000000" pitchFamily="2" charset="0"/>
+            </a:endParaRPr>
+          </a:p>
+        </p:txBody>
+      </p:sp>
+      <p:sp>
+        <p:nvSpPr>
+          <p:cNvPr id="3" name="Content Placeholder 2">
+            <a:extLst>
+              <a:ext uri="{FF2B5EF4-FFF2-40B4-BE49-F238E27FC236}">
+                <a16:creationId xmlns:a16="http://schemas.microsoft.com/office/drawing/2014/main" id="{5FA68AA5-9E9D-6343-D56A-C6272FE5624C}"/>
+              </a:ext>
+            </a:extLst>
+          </p:cNvPr>
+          <p:cNvSpPr>
+            <a:spLocks noGrp="1"/>
+          </p:cNvSpPr>
+          <p:nvPr>
+            <p:ph idx="1"/>
+          </p:nvPr>
+        </p:nvSpPr>
+        <p:spPr>
+          <a:xfrm>
+            <a:off x="608142" y="2660722"/>
+            <a:ext cx="5158265" cy="3569392"/>
+          </a:xfrm>
+        </p:spPr>
+        <p:txBody>
+          <a:bodyPr>
+            <a:normAutofit/>
+          </a:bodyPr>
+          <a:lstStyle/>
+          <a:p>
+            <a:pPr marL="0" indent="0">
+              <a:buNone/>
+            </a:pPr>
+            <a:r>
+              <a:rPr lang="en-US" sz="5400" dirty="0">
+                <a:latin typeface="Lapsus Pro (theguybrush.com)" panose="02000800000000000000" pitchFamily="2" charset="0"/>
+              </a:rPr>
+              <a:t>Feedback:</a:t>
+            </a:r>
+          </a:p>
+          <a:p>
+            <a:pPr marL="0" indent="0">
+              <a:buNone/>
+            </a:pPr>
+            <a:r>
+              <a:rPr lang="en-US" sz="5400" dirty="0" err="1">
+                <a:latin typeface="Lapsus Pro (theguybrush.com)" panose="02000800000000000000" pitchFamily="2" charset="0"/>
+              </a:rPr>
+              <a:t>Duidelijkheid</a:t>
+            </a:r>
+            <a:r>
+              <a:rPr lang="en-US" sz="5400" dirty="0">
+                <a:latin typeface="Lapsus Pro (theguybrush.com)" panose="02000800000000000000" pitchFamily="2" charset="0"/>
+              </a:rPr>
+              <a:t> </a:t>
+            </a:r>
+            <a:r>
+              <a:rPr lang="en-US" sz="5400" dirty="0" err="1">
+                <a:latin typeface="Lapsus Pro (theguybrush.com)" panose="02000800000000000000" pitchFamily="2" charset="0"/>
+              </a:rPr>
+              <a:t>voor</a:t>
+            </a:r>
+            <a:r>
+              <a:rPr lang="en-US" sz="5400" dirty="0">
+                <a:latin typeface="Lapsus Pro (theguybrush.com)" panose="02000800000000000000" pitchFamily="2" charset="0"/>
+              </a:rPr>
+              <a:t> levels</a:t>
+            </a:r>
+          </a:p>
+          <a:p>
+            <a:pPr marL="0" indent="0">
+              <a:buNone/>
+            </a:pPr>
+            <a:endParaRPr lang="en-US" sz="6000" dirty="0">
+              <a:latin typeface="Lapsus Pro (theguybrush.com)" panose="02000800000000000000" pitchFamily="2" charset="0"/>
+            </a:endParaRPr>
+          </a:p>
+          <a:p>
+            <a:pPr marL="0" indent="0">
+              <a:buNone/>
+            </a:pPr>
+            <a:endParaRPr lang="en-US" sz="6000" dirty="0">
+              <a:latin typeface="Lapsus Pro (theguybrush.com)" panose="02000800000000000000" pitchFamily="2" charset="0"/>
+            </a:endParaRPr>
+          </a:p>
+        </p:txBody>
+      </p:sp>
+      <p:sp>
+        <p:nvSpPr>
+          <p:cNvPr id="4" name="Content Placeholder 2">
+            <a:extLst>
+              <a:ext uri="{FF2B5EF4-FFF2-40B4-BE49-F238E27FC236}">
+                <a16:creationId xmlns:a16="http://schemas.microsoft.com/office/drawing/2014/main" id="{233B5E83-0797-4A5A-F694-F0A9DC14A43A}"/>
+              </a:ext>
+            </a:extLst>
+          </p:cNvPr>
+          <p:cNvSpPr txBox="1">
+            <a:spLocks/>
+          </p:cNvSpPr>
+          <p:nvPr/>
+        </p:nvSpPr>
+        <p:spPr>
+          <a:xfrm>
+            <a:off x="5853910" y="2660722"/>
+            <a:ext cx="6028915" cy="3569392"/>
+          </a:xfrm>
+          <a:prstGeom prst="rect">
+            <a:avLst/>
+          </a:prstGeom>
+        </p:spPr>
+        <p:txBody>
+          <a:bodyPr vert="horz" lIns="91440" tIns="45720" rIns="91440" bIns="45720" rtlCol="0">
+            <a:normAutofit/>
+          </a:bodyPr>
+          <a:lstStyle>
+            <a:lvl1pPr marL="228600" indent="-228600" algn="l" defTabSz="914400" rtl="0" eaLnBrk="1" latinLnBrk="0" hangingPunct="1">
+              <a:lnSpc>
+                <a:spcPct val="90000"/>
+              </a:lnSpc>
+              <a:spcBef>
+                <a:spcPts val="1000"/>
+              </a:spcBef>
+              <a:buFont typeface="Arial" panose="020B0604020202020204" pitchFamily="34" charset="0"/>
+              <a:buChar char="•"/>
+              <a:defRPr sz="2800" kern="1200">
+                <a:solidFill>
+                  <a:schemeClr val="tx1"/>
+                </a:solidFill>
+                <a:latin typeface="+mn-lt"/>
+                <a:ea typeface="+mn-ea"/>
+                <a:cs typeface="+mn-cs"/>
+              </a:defRPr>
+            </a:lvl1pPr>
+            <a:lvl2pPr marL="685800" indent="-228600" algn="l" defTabSz="914400" rtl="0" eaLnBrk="1" latinLnBrk="0" hangingPunct="1">
+              <a:lnSpc>
+                <a:spcPct val="90000"/>
+              </a:lnSpc>
+              <a:spcBef>
+                <a:spcPts val="500"/>
+              </a:spcBef>
+              <a:buFont typeface="Arial" panose="020B0604020202020204" pitchFamily="34" charset="0"/>
+              <a:buChar char="•"/>
+              <a:defRPr sz="2400" kern="1200">
+                <a:solidFill>
+                  <a:schemeClr val="tx1"/>
+                </a:solidFill>
+                <a:latin typeface="+mn-lt"/>
+                <a:ea typeface="+mn-ea"/>
+                <a:cs typeface="+mn-cs"/>
+              </a:defRPr>
+            </a:lvl2pPr>
+            <a:lvl3pPr marL="1143000" indent="-228600" algn="l" defTabSz="914400" rtl="0" eaLnBrk="1" latinLnBrk="0" hangingPunct="1">
+              <a:lnSpc>
+                <a:spcPct val="90000"/>
+              </a:lnSpc>
+              <a:spcBef>
+                <a:spcPts val="500"/>
+              </a:spcBef>
+              <a:buFont typeface="Arial" panose="020B0604020202020204" pitchFamily="34" charset="0"/>
+              <a:buChar char="•"/>
+              <a:defRPr sz="2000" kern="1200">
+                <a:solidFill>
+                  <a:schemeClr val="tx1"/>
+                </a:solidFill>
+                <a:latin typeface="+mn-lt"/>
+                <a:ea typeface="+mn-ea"/>
+                <a:cs typeface="+mn-cs"/>
+              </a:defRPr>
+            </a:lvl3pPr>
+            <a:lvl4pPr marL="1600200" indent="-228600" algn="l" defTabSz="914400" rtl="0" eaLnBrk="1" latinLnBrk="0" hangingPunct="1">
+              <a:lnSpc>
+                <a:spcPct val="90000"/>
+              </a:lnSpc>
+              <a:spcBef>
+                <a:spcPts val="500"/>
+              </a:spcBef>
+              <a:buFont typeface="Arial" panose="020B0604020202020204" pitchFamily="34" charset="0"/>
+              <a:buChar char="•"/>
+              <a:defRPr sz="1800" kern="1200">
+                <a:solidFill>
+                  <a:schemeClr val="tx1"/>
+                </a:solidFill>
+                <a:latin typeface="+mn-lt"/>
+                <a:ea typeface="+mn-ea"/>
+                <a:cs typeface="+mn-cs"/>
+              </a:defRPr>
+            </a:lvl4pPr>
+            <a:lvl5pPr marL="2057400" indent="-228600" algn="l" defTabSz="914400" rtl="0" eaLnBrk="1" latinLnBrk="0" hangingPunct="1">
+              <a:lnSpc>
+                <a:spcPct val="90000"/>
+              </a:lnSpc>
+              <a:spcBef>
+                <a:spcPts val="500"/>
+              </a:spcBef>
+              <a:buFont typeface="Arial" panose="020B0604020202020204" pitchFamily="34" charset="0"/>
+              <a:buChar char="•"/>
+              <a:defRPr sz="1800" kern="1200">
+                <a:solidFill>
+                  <a:schemeClr val="tx1"/>
+                </a:solidFill>
+                <a:latin typeface="+mn-lt"/>
+                <a:ea typeface="+mn-ea"/>
+                <a:cs typeface="+mn-cs"/>
+              </a:defRPr>
+            </a:lvl5pPr>
+            <a:lvl6pPr marL="2514600" indent="-228600" algn="l" defTabSz="914400" rtl="0" eaLnBrk="1" latinLnBrk="0" hangingPunct="1">
+              <a:lnSpc>
+                <a:spcPct val="90000"/>
+              </a:lnSpc>
+              <a:spcBef>
+                <a:spcPts val="500"/>
+              </a:spcBef>
+              <a:buFont typeface="Arial" panose="020B0604020202020204" pitchFamily="34" charset="0"/>
+              <a:buChar char="•"/>
+              <a:defRPr sz="1800" kern="1200">
+                <a:solidFill>
+                  <a:schemeClr val="tx1"/>
+                </a:solidFill>
+                <a:latin typeface="+mn-lt"/>
+                <a:ea typeface="+mn-ea"/>
+                <a:cs typeface="+mn-cs"/>
+              </a:defRPr>
+            </a:lvl6pPr>
+            <a:lvl7pPr marL="2971800" indent="-228600" algn="l" defTabSz="914400" rtl="0" eaLnBrk="1" latinLnBrk="0" hangingPunct="1">
+              <a:lnSpc>
+                <a:spcPct val="90000"/>
+              </a:lnSpc>
+              <a:spcBef>
+                <a:spcPts val="500"/>
+              </a:spcBef>
+              <a:buFont typeface="Arial" panose="020B0604020202020204" pitchFamily="34" charset="0"/>
+              <a:buChar char="•"/>
+              <a:defRPr sz="1800" kern="1200">
+                <a:solidFill>
+                  <a:schemeClr val="tx1"/>
+                </a:solidFill>
+                <a:latin typeface="+mn-lt"/>
+                <a:ea typeface="+mn-ea"/>
+                <a:cs typeface="+mn-cs"/>
+              </a:defRPr>
+            </a:lvl7pPr>
+            <a:lvl8pPr marL="3429000" indent="-228600" algn="l" defTabSz="914400" rtl="0" eaLnBrk="1" latinLnBrk="0" hangingPunct="1">
+              <a:lnSpc>
+                <a:spcPct val="90000"/>
+              </a:lnSpc>
+              <a:spcBef>
+                <a:spcPts val="500"/>
+              </a:spcBef>
+              <a:buFont typeface="Arial" panose="020B0604020202020204" pitchFamily="34" charset="0"/>
+              <a:buChar char="•"/>
+              <a:defRPr sz="1800" kern="1200">
+                <a:solidFill>
+                  <a:schemeClr val="tx1"/>
+                </a:solidFill>
+                <a:latin typeface="+mn-lt"/>
+                <a:ea typeface="+mn-ea"/>
+                <a:cs typeface="+mn-cs"/>
+              </a:defRPr>
+            </a:lvl8pPr>
+            <a:lvl9pPr marL="3886200" indent="-228600" algn="l" defTabSz="914400" rtl="0" eaLnBrk="1" latinLnBrk="0" hangingPunct="1">
+              <a:lnSpc>
+                <a:spcPct val="90000"/>
+              </a:lnSpc>
+              <a:spcBef>
+                <a:spcPts val="500"/>
+              </a:spcBef>
+              <a:buFont typeface="Arial" panose="020B0604020202020204" pitchFamily="34" charset="0"/>
+              <a:buChar char="•"/>
+              <a:defRPr sz="1800" kern="1200">
+                <a:solidFill>
+                  <a:schemeClr val="tx1"/>
+                </a:solidFill>
+                <a:latin typeface="+mn-lt"/>
+                <a:ea typeface="+mn-ea"/>
+                <a:cs typeface="+mn-cs"/>
+              </a:defRPr>
+            </a:lvl9pPr>
+          </a:lstStyle>
+          <a:p>
+            <a:pPr marL="0" indent="0">
+              <a:buFont typeface="Arial" panose="020B0604020202020204" pitchFamily="34" charset="0"/>
+              <a:buNone/>
+            </a:pPr>
+            <a:r>
+              <a:rPr lang="en-US" sz="5400" dirty="0">
+                <a:latin typeface="Lapsus Pro (theguybrush.com)" panose="02000800000000000000" pitchFamily="2" charset="0"/>
+              </a:rPr>
+              <a:t>Solution:</a:t>
+            </a:r>
+          </a:p>
+          <a:p>
+            <a:pPr marL="0" indent="0">
+              <a:buFont typeface="Arial" panose="020B0604020202020204" pitchFamily="34" charset="0"/>
+              <a:buNone/>
+            </a:pPr>
+            <a:r>
+              <a:rPr lang="en-US" sz="5400" dirty="0">
+                <a:latin typeface="Lapsus Pro (theguybrush.com)" panose="02000800000000000000" pitchFamily="2" charset="0"/>
+              </a:rPr>
+              <a:t>Extra card </a:t>
+            </a:r>
+            <a:r>
+              <a:rPr lang="en-US" sz="5400" dirty="0" err="1">
+                <a:latin typeface="Lapsus Pro (theguybrush.com)" panose="02000800000000000000" pitchFamily="2" charset="0"/>
+              </a:rPr>
+              <a:t>onder</a:t>
+            </a:r>
+            <a:r>
+              <a:rPr lang="en-US" sz="5400" dirty="0">
+                <a:latin typeface="Lapsus Pro (theguybrush.com)" panose="02000800000000000000" pitchFamily="2" charset="0"/>
+              </a:rPr>
+              <a:t> pet card</a:t>
+            </a:r>
+          </a:p>
+        </p:txBody>
+      </p:sp>
+    </p:spTree>
+    <p:extLst>
+      <p:ext uri="{BB962C8B-B14F-4D97-AF65-F5344CB8AC3E}">
+        <p14:creationId xmlns:p14="http://schemas.microsoft.com/office/powerpoint/2010/main" val="1406439423"/>
+      </p:ext>
+    </p:extLst>
+  </p:cSld>
+  <p:clrMapOvr>
+    <a:masterClrMapping/>
+  </p:clrMapOvr>
+  <p:timing>
+    <p:tnLst>
+      <p:par>
+        <p:cTn id="1" dur="indefinite" restart="never" nodeType="tmRoot">
+          <p:childTnLst>
+            <p:seq concurrent="1" nextAc="seek">
+              <p:cTn id="2" dur="indefinite" nodeType="mainSeq">
+                <p:childTnLst>
+                  <p:par>
+                    <p:cTn id="3" fill="hold">
+                      <p:stCondLst>
+                        <p:cond delay="indefinite"/>
+                      </p:stCondLst>
+                      <p:childTnLst>
+                        <p:par>
+                          <p:cTn id="4" fill="hold">
+                            <p:stCondLst>
+                              <p:cond delay="0"/>
+                            </p:stCondLst>
+                            <p:childTnLst>
+                              <p:par>
+                                <p:cTn id="5" presetID="42" presetClass="entr" presetSubtype="0" fill="hold" grpId="0" nodeType="clickEffect">
+                                  <p:stCondLst>
+                                    <p:cond delay="0"/>
+                                  </p:stCondLst>
+                                  <p:childTnLst>
+                                    <p:set>
+                                      <p:cBhvr>
+                                        <p:cTn id="6" dur="1" fill="hold">
+                                          <p:stCondLst>
+                                            <p:cond delay="0"/>
+                                          </p:stCondLst>
+                                        </p:cTn>
+                                        <p:tgtEl>
+                                          <p:spTgt spid="3">
+                                            <p:txEl>
+                                              <p:pRg st="0" end="0"/>
+                                            </p:txEl>
+                                          </p:spTgt>
+                                        </p:tgtEl>
+                                        <p:attrNameLst>
+                                          <p:attrName>style.visibility</p:attrName>
+                                        </p:attrNameLst>
+                                      </p:cBhvr>
+                                      <p:to>
+                                        <p:strVal val="visible"/>
+                                      </p:to>
+                                    </p:set>
+                                    <p:animEffect transition="in" filter="fade">
+                                      <p:cBhvr>
+                                        <p:cTn id="7" dur="1000"/>
+                                        <p:tgtEl>
+                                          <p:spTgt spid="3">
+                                            <p:txEl>
+                                              <p:pRg st="0" end="0"/>
+                                            </p:txEl>
+                                          </p:spTgt>
+                                        </p:tgtEl>
+                                      </p:cBhvr>
+                                    </p:animEffect>
+                                    <p:anim calcmode="lin" valueType="num">
+                                      <p:cBhvr>
+                                        <p:cTn id="8" dur="1000" fill="hold"/>
+                                        <p:tgtEl>
+                                          <p:spTgt spid="3">
+                                            <p:txEl>
+                                              <p:pRg st="0" end="0"/>
+                                            </p:txEl>
+                                          </p:spTgt>
+                                        </p:tgtEl>
+                                        <p:attrNameLst>
+                                          <p:attrName>ppt_x</p:attrName>
+                                        </p:attrNameLst>
+                                      </p:cBhvr>
+                                      <p:tavLst>
+                                        <p:tav tm="0">
+                                          <p:val>
+                                            <p:strVal val="#ppt_x"/>
+                                          </p:val>
+                                        </p:tav>
+                                        <p:tav tm="100000">
+                                          <p:val>
+                                            <p:strVal val="#ppt_x"/>
+                                          </p:val>
+                                        </p:tav>
+                                      </p:tavLst>
+                                    </p:anim>
+                                    <p:anim calcmode="lin" valueType="num">
+                                      <p:cBhvr>
+                                        <p:cTn id="9" dur="1000" fill="hold"/>
+                                        <p:tgtEl>
+                                          <p:spTgt spid="3">
+                                            <p:txEl>
+                                              <p:pRg st="0" end="0"/>
+                                            </p:txEl>
+                                          </p:spTgt>
+                                        </p:tgtEl>
+                                        <p:attrNameLst>
+                                          <p:attrName>ppt_y</p:attrName>
+                                        </p:attrNameLst>
+                                      </p:cBhvr>
+                                      <p:tavLst>
+                                        <p:tav tm="0">
+                                          <p:val>
+                                            <p:strVal val="#ppt_y+.1"/>
+                                          </p:val>
+                                        </p:tav>
+                                        <p:tav tm="100000">
+                                          <p:val>
+                                            <p:strVal val="#ppt_y"/>
+                                          </p:val>
+                                        </p:tav>
+                                      </p:tavLst>
+                                    </p:anim>
+                                  </p:childTnLst>
+                                </p:cTn>
+                              </p:par>
                               <p:par>
                                 <p:cTn id="10" presetID="42" presetClass="entr" presetSubtype="0" fill="hold" grpId="0" nodeType="withEffect">
                                   <p:stCondLst>
@@ -9545,6 +11764,1119 @@
                                     <p:set>
                                       <p:cBhvr>
                                         <p:cTn id="38" dur="1" fill="hold">
+                                          <p:stCondLst>
+                                            <p:cond delay="999"/>
+                                          </p:stCondLst>
+                                        </p:cTn>
+                                        <p:tgtEl>
+                                          <p:spTgt spid="4"/>
+                                        </p:tgtEl>
+                                        <p:attrNameLst>
+                                          <p:attrName>style.visibility</p:attrName>
+                                        </p:attrNameLst>
+                                      </p:cBhvr>
+                                      <p:to>
+                                        <p:strVal val="hidden"/>
+                                      </p:to>
+                                    </p:set>
+                                  </p:childTnLst>
+                                </p:cTn>
+                              </p:par>
+                            </p:childTnLst>
+                          </p:cTn>
+                        </p:par>
+                      </p:childTnLst>
+                    </p:cTn>
+                  </p:par>
+                </p:childTnLst>
+              </p:cTn>
+              <p:prevCondLst>
+                <p:cond evt="onPrev" delay="0">
+                  <p:tgtEl>
+                    <p:sldTgt/>
+                  </p:tgtEl>
+                </p:cond>
+              </p:prevCondLst>
+              <p:nextCondLst>
+                <p:cond evt="onNext" delay="0">
+                  <p:tgtEl>
+                    <p:sldTgt/>
+                  </p:tgtEl>
+                </p:cond>
+              </p:nextCondLst>
+            </p:seq>
+          </p:childTnLst>
+        </p:cTn>
+      </p:par>
+    </p:tnLst>
+    <p:bldLst>
+      <p:bldP spid="3" grpId="0" uiExpand="1" build="p"/>
+      <p:bldP spid="3" grpId="1" uiExpand="1" build="p"/>
+      <p:bldP spid="4" grpId="0"/>
+      <p:bldP spid="4" grpId="1"/>
+    </p:bldLst>
+  </p:timing>
+</p:sld>
+</file>
+
+<file path=ppt/slides/slide18.xml><?xml version="1.0" encoding="utf-8"?>
+<p:sld xmlns:a="http://schemas.openxmlformats.org/drawingml/2006/main" xmlns:r="http://schemas.openxmlformats.org/officeDocument/2006/relationships" xmlns:p="http://schemas.openxmlformats.org/presentationml/2006/main">
+  <p:cSld>
+    <p:spTree>
+      <p:nvGrpSpPr>
+        <p:cNvPr id="1" name=""/>
+        <p:cNvGrpSpPr/>
+        <p:nvPr/>
+      </p:nvGrpSpPr>
+      <p:grpSpPr>
+        <a:xfrm>
+          <a:off x="0" y="0"/>
+          <a:ext cx="0" cy="0"/>
+          <a:chOff x="0" y="0"/>
+          <a:chExt cx="0" cy="0"/>
+        </a:xfrm>
+      </p:grpSpPr>
+      <p:sp>
+        <p:nvSpPr>
+          <p:cNvPr id="2" name="Title 1">
+            <a:extLst>
+              <a:ext uri="{FF2B5EF4-FFF2-40B4-BE49-F238E27FC236}">
+                <a16:creationId xmlns:a16="http://schemas.microsoft.com/office/drawing/2014/main" id="{CFD9E520-9B54-ED60-2A07-174B139AF8CF}"/>
+              </a:ext>
+            </a:extLst>
+          </p:cNvPr>
+          <p:cNvSpPr>
+            <a:spLocks noGrp="1"/>
+          </p:cNvSpPr>
+          <p:nvPr>
+            <p:ph type="title"/>
+          </p:nvPr>
+        </p:nvSpPr>
+        <p:spPr>
+          <a:xfrm>
+            <a:off x="838200" y="1087020"/>
+            <a:ext cx="10515600" cy="1325563"/>
+          </a:xfrm>
+        </p:spPr>
+        <p:txBody>
+          <a:bodyPr>
+            <a:noAutofit/>
+          </a:bodyPr>
+          <a:lstStyle/>
+          <a:p>
+            <a:pPr algn="ctr"/>
+            <a:r>
+              <a:rPr lang="en-US" sz="7200" dirty="0">
+                <a:ln w="38100">
+                  <a:solidFill>
+                    <a:schemeClr val="tx1"/>
+                  </a:solidFill>
+                </a:ln>
+                <a:solidFill>
+                  <a:srgbClr val="FEBD00"/>
+                </a:solidFill>
+                <a:latin typeface="Lapsus Pro (theguybrush.com)" panose="02000800000000000000" pitchFamily="2" charset="0"/>
+              </a:rPr>
+              <a:t>How did we get here?</a:t>
+            </a:r>
+            <a:endParaRPr lang="en-GB" sz="7200" dirty="0">
+              <a:ln w="38100">
+                <a:solidFill>
+                  <a:schemeClr val="tx1"/>
+                </a:solidFill>
+              </a:ln>
+              <a:solidFill>
+                <a:srgbClr val="FEBD00"/>
+              </a:solidFill>
+              <a:latin typeface="Lapsus Pro (theguybrush.com)" panose="02000800000000000000" pitchFamily="2" charset="0"/>
+            </a:endParaRPr>
+          </a:p>
+        </p:txBody>
+      </p:sp>
+      <p:sp>
+        <p:nvSpPr>
+          <p:cNvPr id="3" name="Content Placeholder 2">
+            <a:extLst>
+              <a:ext uri="{FF2B5EF4-FFF2-40B4-BE49-F238E27FC236}">
+                <a16:creationId xmlns:a16="http://schemas.microsoft.com/office/drawing/2014/main" id="{5FA68AA5-9E9D-6343-D56A-C6272FE5624C}"/>
+              </a:ext>
+            </a:extLst>
+          </p:cNvPr>
+          <p:cNvSpPr>
+            <a:spLocks noGrp="1"/>
+          </p:cNvSpPr>
+          <p:nvPr>
+            <p:ph idx="1"/>
+          </p:nvPr>
+        </p:nvSpPr>
+        <p:spPr>
+          <a:xfrm>
+            <a:off x="544945" y="2660722"/>
+            <a:ext cx="5266186" cy="3569392"/>
+          </a:xfrm>
+        </p:spPr>
+        <p:txBody>
+          <a:bodyPr>
+            <a:normAutofit/>
+          </a:bodyPr>
+          <a:lstStyle/>
+          <a:p>
+            <a:pPr marL="0" indent="0">
+              <a:buNone/>
+            </a:pPr>
+            <a:r>
+              <a:rPr lang="en-US" sz="5400" dirty="0">
+                <a:latin typeface="Lapsus Pro (theguybrush.com)" panose="02000800000000000000" pitchFamily="2" charset="0"/>
+              </a:rPr>
+              <a:t>Feedback:</a:t>
+            </a:r>
+          </a:p>
+          <a:p>
+            <a:pPr marL="0" indent="0">
+              <a:buNone/>
+            </a:pPr>
+            <a:r>
+              <a:rPr lang="en-US" sz="5400" dirty="0" err="1">
+                <a:latin typeface="Lapsus Pro (theguybrush.com)" panose="02000800000000000000" pitchFamily="2" charset="0"/>
+              </a:rPr>
+              <a:t>Welke</a:t>
+            </a:r>
+            <a:r>
+              <a:rPr lang="en-US" sz="5400" dirty="0">
+                <a:latin typeface="Lapsus Pro (theguybrush.com)" panose="02000800000000000000" pitchFamily="2" charset="0"/>
+              </a:rPr>
+              <a:t> </a:t>
+            </a:r>
+            <a:r>
+              <a:rPr lang="en-US" sz="5400" dirty="0" err="1">
+                <a:latin typeface="Lapsus Pro (theguybrush.com)" panose="02000800000000000000" pitchFamily="2" charset="0"/>
+              </a:rPr>
+              <a:t>combinaties</a:t>
+            </a:r>
+            <a:r>
+              <a:rPr lang="en-US" sz="5400" dirty="0">
+                <a:latin typeface="Lapsus Pro (theguybrush.com)" panose="02000800000000000000" pitchFamily="2" charset="0"/>
+              </a:rPr>
+              <a:t> </a:t>
+            </a:r>
+            <a:r>
+              <a:rPr lang="en-US" sz="5400" dirty="0" err="1">
+                <a:latin typeface="Lapsus Pro (theguybrush.com)" panose="02000800000000000000" pitchFamily="2" charset="0"/>
+              </a:rPr>
+              <a:t>kunnen</a:t>
+            </a:r>
+            <a:r>
+              <a:rPr lang="en-US" sz="5400" dirty="0">
+                <a:latin typeface="Lapsus Pro (theguybrush.com)" panose="02000800000000000000" pitchFamily="2" charset="0"/>
+              </a:rPr>
+              <a:t> er </a:t>
+            </a:r>
+            <a:r>
+              <a:rPr lang="en-US" sz="5400" dirty="0" err="1">
+                <a:latin typeface="Lapsus Pro (theguybrush.com)" panose="02000800000000000000" pitchFamily="2" charset="0"/>
+              </a:rPr>
+              <a:t>gemaakt</a:t>
+            </a:r>
+            <a:r>
+              <a:rPr lang="en-US" sz="5400" dirty="0">
+                <a:latin typeface="Lapsus Pro (theguybrush.com)" panose="02000800000000000000" pitchFamily="2" charset="0"/>
+              </a:rPr>
+              <a:t> </a:t>
+            </a:r>
+            <a:r>
+              <a:rPr lang="en-US" sz="5400" dirty="0" err="1">
+                <a:latin typeface="Lapsus Pro (theguybrush.com)" panose="02000800000000000000" pitchFamily="2" charset="0"/>
+              </a:rPr>
+              <a:t>worden</a:t>
+            </a:r>
+            <a:r>
+              <a:rPr lang="en-US" sz="5400" dirty="0">
+                <a:latin typeface="Lapsus Pro (theguybrush.com)" panose="02000800000000000000" pitchFamily="2" charset="0"/>
+              </a:rPr>
+              <a:t>?</a:t>
+            </a:r>
+          </a:p>
+          <a:p>
+            <a:pPr marL="0" indent="0">
+              <a:buNone/>
+            </a:pPr>
+            <a:endParaRPr lang="en-US" sz="6000" dirty="0">
+              <a:latin typeface="Lapsus Pro (theguybrush.com)" panose="02000800000000000000" pitchFamily="2" charset="0"/>
+            </a:endParaRPr>
+          </a:p>
+          <a:p>
+            <a:pPr marL="0" indent="0">
+              <a:buNone/>
+            </a:pPr>
+            <a:endParaRPr lang="en-US" sz="6000" dirty="0">
+              <a:latin typeface="Lapsus Pro (theguybrush.com)" panose="02000800000000000000" pitchFamily="2" charset="0"/>
+            </a:endParaRPr>
+          </a:p>
+        </p:txBody>
+      </p:sp>
+      <p:sp>
+        <p:nvSpPr>
+          <p:cNvPr id="4" name="Content Placeholder 2">
+            <a:extLst>
+              <a:ext uri="{FF2B5EF4-FFF2-40B4-BE49-F238E27FC236}">
+                <a16:creationId xmlns:a16="http://schemas.microsoft.com/office/drawing/2014/main" id="{233B5E83-0797-4A5A-F694-F0A9DC14A43A}"/>
+              </a:ext>
+            </a:extLst>
+          </p:cNvPr>
+          <p:cNvSpPr txBox="1">
+            <a:spLocks/>
+          </p:cNvSpPr>
+          <p:nvPr/>
+        </p:nvSpPr>
+        <p:spPr>
+          <a:xfrm>
+            <a:off x="5853910" y="2660722"/>
+            <a:ext cx="6028915" cy="3569392"/>
+          </a:xfrm>
+          <a:prstGeom prst="rect">
+            <a:avLst/>
+          </a:prstGeom>
+        </p:spPr>
+        <p:txBody>
+          <a:bodyPr vert="horz" lIns="91440" tIns="45720" rIns="91440" bIns="45720" rtlCol="0">
+            <a:normAutofit/>
+          </a:bodyPr>
+          <a:lstStyle>
+            <a:lvl1pPr marL="228600" indent="-228600" algn="l" defTabSz="914400" rtl="0" eaLnBrk="1" latinLnBrk="0" hangingPunct="1">
+              <a:lnSpc>
+                <a:spcPct val="90000"/>
+              </a:lnSpc>
+              <a:spcBef>
+                <a:spcPts val="1000"/>
+              </a:spcBef>
+              <a:buFont typeface="Arial" panose="020B0604020202020204" pitchFamily="34" charset="0"/>
+              <a:buChar char="•"/>
+              <a:defRPr sz="2800" kern="1200">
+                <a:solidFill>
+                  <a:schemeClr val="tx1"/>
+                </a:solidFill>
+                <a:latin typeface="+mn-lt"/>
+                <a:ea typeface="+mn-ea"/>
+                <a:cs typeface="+mn-cs"/>
+              </a:defRPr>
+            </a:lvl1pPr>
+            <a:lvl2pPr marL="685800" indent="-228600" algn="l" defTabSz="914400" rtl="0" eaLnBrk="1" latinLnBrk="0" hangingPunct="1">
+              <a:lnSpc>
+                <a:spcPct val="90000"/>
+              </a:lnSpc>
+              <a:spcBef>
+                <a:spcPts val="500"/>
+              </a:spcBef>
+              <a:buFont typeface="Arial" panose="020B0604020202020204" pitchFamily="34" charset="0"/>
+              <a:buChar char="•"/>
+              <a:defRPr sz="2400" kern="1200">
+                <a:solidFill>
+                  <a:schemeClr val="tx1"/>
+                </a:solidFill>
+                <a:latin typeface="+mn-lt"/>
+                <a:ea typeface="+mn-ea"/>
+                <a:cs typeface="+mn-cs"/>
+              </a:defRPr>
+            </a:lvl2pPr>
+            <a:lvl3pPr marL="1143000" indent="-228600" algn="l" defTabSz="914400" rtl="0" eaLnBrk="1" latinLnBrk="0" hangingPunct="1">
+              <a:lnSpc>
+                <a:spcPct val="90000"/>
+              </a:lnSpc>
+              <a:spcBef>
+                <a:spcPts val="500"/>
+              </a:spcBef>
+              <a:buFont typeface="Arial" panose="020B0604020202020204" pitchFamily="34" charset="0"/>
+              <a:buChar char="•"/>
+              <a:defRPr sz="2000" kern="1200">
+                <a:solidFill>
+                  <a:schemeClr val="tx1"/>
+                </a:solidFill>
+                <a:latin typeface="+mn-lt"/>
+                <a:ea typeface="+mn-ea"/>
+                <a:cs typeface="+mn-cs"/>
+              </a:defRPr>
+            </a:lvl3pPr>
+            <a:lvl4pPr marL="1600200" indent="-228600" algn="l" defTabSz="914400" rtl="0" eaLnBrk="1" latinLnBrk="0" hangingPunct="1">
+              <a:lnSpc>
+                <a:spcPct val="90000"/>
+              </a:lnSpc>
+              <a:spcBef>
+                <a:spcPts val="500"/>
+              </a:spcBef>
+              <a:buFont typeface="Arial" panose="020B0604020202020204" pitchFamily="34" charset="0"/>
+              <a:buChar char="•"/>
+              <a:defRPr sz="1800" kern="1200">
+                <a:solidFill>
+                  <a:schemeClr val="tx1"/>
+                </a:solidFill>
+                <a:latin typeface="+mn-lt"/>
+                <a:ea typeface="+mn-ea"/>
+                <a:cs typeface="+mn-cs"/>
+              </a:defRPr>
+            </a:lvl4pPr>
+            <a:lvl5pPr marL="2057400" indent="-228600" algn="l" defTabSz="914400" rtl="0" eaLnBrk="1" latinLnBrk="0" hangingPunct="1">
+              <a:lnSpc>
+                <a:spcPct val="90000"/>
+              </a:lnSpc>
+              <a:spcBef>
+                <a:spcPts val="500"/>
+              </a:spcBef>
+              <a:buFont typeface="Arial" panose="020B0604020202020204" pitchFamily="34" charset="0"/>
+              <a:buChar char="•"/>
+              <a:defRPr sz="1800" kern="1200">
+                <a:solidFill>
+                  <a:schemeClr val="tx1"/>
+                </a:solidFill>
+                <a:latin typeface="+mn-lt"/>
+                <a:ea typeface="+mn-ea"/>
+                <a:cs typeface="+mn-cs"/>
+              </a:defRPr>
+            </a:lvl5pPr>
+            <a:lvl6pPr marL="2514600" indent="-228600" algn="l" defTabSz="914400" rtl="0" eaLnBrk="1" latinLnBrk="0" hangingPunct="1">
+              <a:lnSpc>
+                <a:spcPct val="90000"/>
+              </a:lnSpc>
+              <a:spcBef>
+                <a:spcPts val="500"/>
+              </a:spcBef>
+              <a:buFont typeface="Arial" panose="020B0604020202020204" pitchFamily="34" charset="0"/>
+              <a:buChar char="•"/>
+              <a:defRPr sz="1800" kern="1200">
+                <a:solidFill>
+                  <a:schemeClr val="tx1"/>
+                </a:solidFill>
+                <a:latin typeface="+mn-lt"/>
+                <a:ea typeface="+mn-ea"/>
+                <a:cs typeface="+mn-cs"/>
+              </a:defRPr>
+            </a:lvl6pPr>
+            <a:lvl7pPr marL="2971800" indent="-228600" algn="l" defTabSz="914400" rtl="0" eaLnBrk="1" latinLnBrk="0" hangingPunct="1">
+              <a:lnSpc>
+                <a:spcPct val="90000"/>
+              </a:lnSpc>
+              <a:spcBef>
+                <a:spcPts val="500"/>
+              </a:spcBef>
+              <a:buFont typeface="Arial" panose="020B0604020202020204" pitchFamily="34" charset="0"/>
+              <a:buChar char="•"/>
+              <a:defRPr sz="1800" kern="1200">
+                <a:solidFill>
+                  <a:schemeClr val="tx1"/>
+                </a:solidFill>
+                <a:latin typeface="+mn-lt"/>
+                <a:ea typeface="+mn-ea"/>
+                <a:cs typeface="+mn-cs"/>
+              </a:defRPr>
+            </a:lvl7pPr>
+            <a:lvl8pPr marL="3429000" indent="-228600" algn="l" defTabSz="914400" rtl="0" eaLnBrk="1" latinLnBrk="0" hangingPunct="1">
+              <a:lnSpc>
+                <a:spcPct val="90000"/>
+              </a:lnSpc>
+              <a:spcBef>
+                <a:spcPts val="500"/>
+              </a:spcBef>
+              <a:buFont typeface="Arial" panose="020B0604020202020204" pitchFamily="34" charset="0"/>
+              <a:buChar char="•"/>
+              <a:defRPr sz="1800" kern="1200">
+                <a:solidFill>
+                  <a:schemeClr val="tx1"/>
+                </a:solidFill>
+                <a:latin typeface="+mn-lt"/>
+                <a:ea typeface="+mn-ea"/>
+                <a:cs typeface="+mn-cs"/>
+              </a:defRPr>
+            </a:lvl8pPr>
+            <a:lvl9pPr marL="3886200" indent="-228600" algn="l" defTabSz="914400" rtl="0" eaLnBrk="1" latinLnBrk="0" hangingPunct="1">
+              <a:lnSpc>
+                <a:spcPct val="90000"/>
+              </a:lnSpc>
+              <a:spcBef>
+                <a:spcPts val="500"/>
+              </a:spcBef>
+              <a:buFont typeface="Arial" panose="020B0604020202020204" pitchFamily="34" charset="0"/>
+              <a:buChar char="•"/>
+              <a:defRPr sz="1800" kern="1200">
+                <a:solidFill>
+                  <a:schemeClr val="tx1"/>
+                </a:solidFill>
+                <a:latin typeface="+mn-lt"/>
+                <a:ea typeface="+mn-ea"/>
+                <a:cs typeface="+mn-cs"/>
+              </a:defRPr>
+            </a:lvl9pPr>
+          </a:lstStyle>
+          <a:p>
+            <a:pPr marL="0" indent="0">
+              <a:buFont typeface="Arial" panose="020B0604020202020204" pitchFamily="34" charset="0"/>
+              <a:buNone/>
+            </a:pPr>
+            <a:r>
+              <a:rPr lang="en-US" sz="5400" dirty="0">
+                <a:latin typeface="Lapsus Pro (theguybrush.com)" panose="02000800000000000000" pitchFamily="2" charset="0"/>
+              </a:rPr>
+              <a:t>Solution:</a:t>
+            </a:r>
+          </a:p>
+          <a:p>
+            <a:pPr marL="0" indent="0">
+              <a:buFont typeface="Arial" panose="020B0604020202020204" pitchFamily="34" charset="0"/>
+              <a:buNone/>
+            </a:pPr>
+            <a:r>
+              <a:rPr lang="en-US" sz="5400" dirty="0">
+                <a:latin typeface="Lapsus Pro (theguybrush.com)" panose="02000800000000000000" pitchFamily="2" charset="0"/>
+              </a:rPr>
+              <a:t>No solution,</a:t>
+            </a:r>
+          </a:p>
+          <a:p>
+            <a:pPr marL="0" indent="0">
+              <a:buFont typeface="Arial" panose="020B0604020202020204" pitchFamily="34" charset="0"/>
+              <a:buNone/>
+            </a:pPr>
+            <a:r>
+              <a:rPr lang="en-US" dirty="0">
+                <a:latin typeface="Lapsus Pro (theguybrush.com)" panose="02000800000000000000" pitchFamily="2" charset="0"/>
+              </a:rPr>
+              <a:t>(learning curve, overwhelming)</a:t>
+            </a:r>
+          </a:p>
+        </p:txBody>
+      </p:sp>
+    </p:spTree>
+    <p:extLst>
+      <p:ext uri="{BB962C8B-B14F-4D97-AF65-F5344CB8AC3E}">
+        <p14:creationId xmlns:p14="http://schemas.microsoft.com/office/powerpoint/2010/main" val="927305712"/>
+      </p:ext>
+    </p:extLst>
+  </p:cSld>
+  <p:clrMapOvr>
+    <a:masterClrMapping/>
+  </p:clrMapOvr>
+  <p:timing>
+    <p:tnLst>
+      <p:par>
+        <p:cTn id="1" dur="indefinite" restart="never" nodeType="tmRoot">
+          <p:childTnLst>
+            <p:seq concurrent="1" nextAc="seek">
+              <p:cTn id="2" dur="indefinite" nodeType="mainSeq">
+                <p:childTnLst>
+                  <p:par>
+                    <p:cTn id="3" fill="hold">
+                      <p:stCondLst>
+                        <p:cond delay="indefinite"/>
+                      </p:stCondLst>
+                      <p:childTnLst>
+                        <p:par>
+                          <p:cTn id="4" fill="hold">
+                            <p:stCondLst>
+                              <p:cond delay="0"/>
+                            </p:stCondLst>
+                            <p:childTnLst>
+                              <p:par>
+                                <p:cTn id="5" presetID="42" presetClass="entr" presetSubtype="0" fill="hold" grpId="0" nodeType="clickEffect">
+                                  <p:stCondLst>
+                                    <p:cond delay="0"/>
+                                  </p:stCondLst>
+                                  <p:childTnLst>
+                                    <p:set>
+                                      <p:cBhvr>
+                                        <p:cTn id="6" dur="1" fill="hold">
+                                          <p:stCondLst>
+                                            <p:cond delay="0"/>
+                                          </p:stCondLst>
+                                        </p:cTn>
+                                        <p:tgtEl>
+                                          <p:spTgt spid="3">
+                                            <p:txEl>
+                                              <p:pRg st="0" end="0"/>
+                                            </p:txEl>
+                                          </p:spTgt>
+                                        </p:tgtEl>
+                                        <p:attrNameLst>
+                                          <p:attrName>style.visibility</p:attrName>
+                                        </p:attrNameLst>
+                                      </p:cBhvr>
+                                      <p:to>
+                                        <p:strVal val="visible"/>
+                                      </p:to>
+                                    </p:set>
+                                    <p:animEffect transition="in" filter="fade">
+                                      <p:cBhvr>
+                                        <p:cTn id="7" dur="1000"/>
+                                        <p:tgtEl>
+                                          <p:spTgt spid="3">
+                                            <p:txEl>
+                                              <p:pRg st="0" end="0"/>
+                                            </p:txEl>
+                                          </p:spTgt>
+                                        </p:tgtEl>
+                                      </p:cBhvr>
+                                    </p:animEffect>
+                                    <p:anim calcmode="lin" valueType="num">
+                                      <p:cBhvr>
+                                        <p:cTn id="8" dur="1000" fill="hold"/>
+                                        <p:tgtEl>
+                                          <p:spTgt spid="3">
+                                            <p:txEl>
+                                              <p:pRg st="0" end="0"/>
+                                            </p:txEl>
+                                          </p:spTgt>
+                                        </p:tgtEl>
+                                        <p:attrNameLst>
+                                          <p:attrName>ppt_x</p:attrName>
+                                        </p:attrNameLst>
+                                      </p:cBhvr>
+                                      <p:tavLst>
+                                        <p:tav tm="0">
+                                          <p:val>
+                                            <p:strVal val="#ppt_x"/>
+                                          </p:val>
+                                        </p:tav>
+                                        <p:tav tm="100000">
+                                          <p:val>
+                                            <p:strVal val="#ppt_x"/>
+                                          </p:val>
+                                        </p:tav>
+                                      </p:tavLst>
+                                    </p:anim>
+                                    <p:anim calcmode="lin" valueType="num">
+                                      <p:cBhvr>
+                                        <p:cTn id="9" dur="1000" fill="hold"/>
+                                        <p:tgtEl>
+                                          <p:spTgt spid="3">
+                                            <p:txEl>
+                                              <p:pRg st="0" end="0"/>
+                                            </p:txEl>
+                                          </p:spTgt>
+                                        </p:tgtEl>
+                                        <p:attrNameLst>
+                                          <p:attrName>ppt_y</p:attrName>
+                                        </p:attrNameLst>
+                                      </p:cBhvr>
+                                      <p:tavLst>
+                                        <p:tav tm="0">
+                                          <p:val>
+                                            <p:strVal val="#ppt_y+.1"/>
+                                          </p:val>
+                                        </p:tav>
+                                        <p:tav tm="100000">
+                                          <p:val>
+                                            <p:strVal val="#ppt_y"/>
+                                          </p:val>
+                                        </p:tav>
+                                      </p:tavLst>
+                                    </p:anim>
+                                  </p:childTnLst>
+                                </p:cTn>
+                              </p:par>
+                            </p:childTnLst>
+                          </p:cTn>
+                        </p:par>
+                      </p:childTnLst>
+                    </p:cTn>
+                  </p:par>
+                  <p:par>
+                    <p:cTn id="10" fill="hold">
+                      <p:stCondLst>
+                        <p:cond delay="indefinite"/>
+                      </p:stCondLst>
+                      <p:childTnLst>
+                        <p:par>
+                          <p:cTn id="11" fill="hold">
+                            <p:stCondLst>
+                              <p:cond delay="0"/>
+                            </p:stCondLst>
+                            <p:childTnLst>
+                              <p:par>
+                                <p:cTn id="12" presetID="42" presetClass="entr" presetSubtype="0" fill="hold" grpId="0" nodeType="clickEffect">
+                                  <p:stCondLst>
+                                    <p:cond delay="0"/>
+                                  </p:stCondLst>
+                                  <p:childTnLst>
+                                    <p:set>
+                                      <p:cBhvr>
+                                        <p:cTn id="13" dur="1" fill="hold">
+                                          <p:stCondLst>
+                                            <p:cond delay="0"/>
+                                          </p:stCondLst>
+                                        </p:cTn>
+                                        <p:tgtEl>
+                                          <p:spTgt spid="3">
+                                            <p:txEl>
+                                              <p:pRg st="1" end="1"/>
+                                            </p:txEl>
+                                          </p:spTgt>
+                                        </p:tgtEl>
+                                        <p:attrNameLst>
+                                          <p:attrName>style.visibility</p:attrName>
+                                        </p:attrNameLst>
+                                      </p:cBhvr>
+                                      <p:to>
+                                        <p:strVal val="visible"/>
+                                      </p:to>
+                                    </p:set>
+                                    <p:animEffect transition="in" filter="fade">
+                                      <p:cBhvr>
+                                        <p:cTn id="14" dur="1000"/>
+                                        <p:tgtEl>
+                                          <p:spTgt spid="3">
+                                            <p:txEl>
+                                              <p:pRg st="1" end="1"/>
+                                            </p:txEl>
+                                          </p:spTgt>
+                                        </p:tgtEl>
+                                      </p:cBhvr>
+                                    </p:animEffect>
+                                    <p:anim calcmode="lin" valueType="num">
+                                      <p:cBhvr>
+                                        <p:cTn id="15" dur="1000" fill="hold"/>
+                                        <p:tgtEl>
+                                          <p:spTgt spid="3">
+                                            <p:txEl>
+                                              <p:pRg st="1" end="1"/>
+                                            </p:txEl>
+                                          </p:spTgt>
+                                        </p:tgtEl>
+                                        <p:attrNameLst>
+                                          <p:attrName>ppt_x</p:attrName>
+                                        </p:attrNameLst>
+                                      </p:cBhvr>
+                                      <p:tavLst>
+                                        <p:tav tm="0">
+                                          <p:val>
+                                            <p:strVal val="#ppt_x"/>
+                                          </p:val>
+                                        </p:tav>
+                                        <p:tav tm="100000">
+                                          <p:val>
+                                            <p:strVal val="#ppt_x"/>
+                                          </p:val>
+                                        </p:tav>
+                                      </p:tavLst>
+                                    </p:anim>
+                                    <p:anim calcmode="lin" valueType="num">
+                                      <p:cBhvr>
+                                        <p:cTn id="16" dur="1000" fill="hold"/>
+                                        <p:tgtEl>
+                                          <p:spTgt spid="3">
+                                            <p:txEl>
+                                              <p:pRg st="1" end="1"/>
+                                            </p:txEl>
+                                          </p:spTgt>
+                                        </p:tgtEl>
+                                        <p:attrNameLst>
+                                          <p:attrName>ppt_y</p:attrName>
+                                        </p:attrNameLst>
+                                      </p:cBhvr>
+                                      <p:tavLst>
+                                        <p:tav tm="0">
+                                          <p:val>
+                                            <p:strVal val="#ppt_y+.1"/>
+                                          </p:val>
+                                        </p:tav>
+                                        <p:tav tm="100000">
+                                          <p:val>
+                                            <p:strVal val="#ppt_y"/>
+                                          </p:val>
+                                        </p:tav>
+                                      </p:tavLst>
+                                    </p:anim>
+                                  </p:childTnLst>
+                                </p:cTn>
+                              </p:par>
+                            </p:childTnLst>
+                          </p:cTn>
+                        </p:par>
+                      </p:childTnLst>
+                    </p:cTn>
+                  </p:par>
+                  <p:par>
+                    <p:cTn id="17" fill="hold">
+                      <p:stCondLst>
+                        <p:cond delay="indefinite"/>
+                      </p:stCondLst>
+                      <p:childTnLst>
+                        <p:par>
+                          <p:cTn id="18" fill="hold">
+                            <p:stCondLst>
+                              <p:cond delay="0"/>
+                            </p:stCondLst>
+                            <p:childTnLst>
+                              <p:par>
+                                <p:cTn id="19" presetID="42" presetClass="entr" presetSubtype="0" fill="hold" grpId="0" nodeType="clickEffect">
+                                  <p:stCondLst>
+                                    <p:cond delay="0"/>
+                                  </p:stCondLst>
+                                  <p:childTnLst>
+                                    <p:set>
+                                      <p:cBhvr>
+                                        <p:cTn id="20" dur="1" fill="hold">
+                                          <p:stCondLst>
+                                            <p:cond delay="0"/>
+                                          </p:stCondLst>
+                                        </p:cTn>
+                                        <p:tgtEl>
+                                          <p:spTgt spid="4"/>
+                                        </p:tgtEl>
+                                        <p:attrNameLst>
+                                          <p:attrName>style.visibility</p:attrName>
+                                        </p:attrNameLst>
+                                      </p:cBhvr>
+                                      <p:to>
+                                        <p:strVal val="visible"/>
+                                      </p:to>
+                                    </p:set>
+                                    <p:animEffect transition="in" filter="fade">
+                                      <p:cBhvr>
+                                        <p:cTn id="21" dur="1000"/>
+                                        <p:tgtEl>
+                                          <p:spTgt spid="4"/>
+                                        </p:tgtEl>
+                                      </p:cBhvr>
+                                    </p:animEffect>
+                                    <p:anim calcmode="lin" valueType="num">
+                                      <p:cBhvr>
+                                        <p:cTn id="22" dur="1000" fill="hold"/>
+                                        <p:tgtEl>
+                                          <p:spTgt spid="4"/>
+                                        </p:tgtEl>
+                                        <p:attrNameLst>
+                                          <p:attrName>ppt_x</p:attrName>
+                                        </p:attrNameLst>
+                                      </p:cBhvr>
+                                      <p:tavLst>
+                                        <p:tav tm="0">
+                                          <p:val>
+                                            <p:strVal val="#ppt_x"/>
+                                          </p:val>
+                                        </p:tav>
+                                        <p:tav tm="100000">
+                                          <p:val>
+                                            <p:strVal val="#ppt_x"/>
+                                          </p:val>
+                                        </p:tav>
+                                      </p:tavLst>
+                                    </p:anim>
+                                    <p:anim calcmode="lin" valueType="num">
+                                      <p:cBhvr>
+                                        <p:cTn id="23" dur="1000" fill="hold"/>
+                                        <p:tgtEl>
+                                          <p:spTgt spid="4"/>
+                                        </p:tgtEl>
+                                        <p:attrNameLst>
+                                          <p:attrName>ppt_y</p:attrName>
+                                        </p:attrNameLst>
+                                      </p:cBhvr>
+                                      <p:tavLst>
+                                        <p:tav tm="0">
+                                          <p:val>
+                                            <p:strVal val="#ppt_y+.1"/>
+                                          </p:val>
+                                        </p:tav>
+                                        <p:tav tm="100000">
+                                          <p:val>
+                                            <p:strVal val="#ppt_y"/>
+                                          </p:val>
+                                        </p:tav>
+                                      </p:tavLst>
+                                    </p:anim>
+                                  </p:childTnLst>
+                                </p:cTn>
+                              </p:par>
+                            </p:childTnLst>
+                          </p:cTn>
+                        </p:par>
+                      </p:childTnLst>
+                    </p:cTn>
+                  </p:par>
+                  <p:par>
+                    <p:cTn id="24" fill="hold">
+                      <p:stCondLst>
+                        <p:cond delay="indefinite"/>
+                      </p:stCondLst>
+                      <p:childTnLst>
+                        <p:par>
+                          <p:cTn id="25" fill="hold">
+                            <p:stCondLst>
+                              <p:cond delay="0"/>
+                            </p:stCondLst>
+                            <p:childTnLst>
+                              <p:par>
+                                <p:cTn id="26" presetID="47" presetClass="exit" presetSubtype="0" fill="hold" grpId="1" nodeType="clickEffect">
+                                  <p:stCondLst>
+                                    <p:cond delay="0"/>
+                                  </p:stCondLst>
+                                  <p:childTnLst>
+                                    <p:animEffect transition="out" filter="fade">
+                                      <p:cBhvr>
+                                        <p:cTn id="27" dur="1000"/>
+                                        <p:tgtEl>
+                                          <p:spTgt spid="3">
+                                            <p:txEl>
+                                              <p:pRg st="0" end="0"/>
+                                            </p:txEl>
+                                          </p:spTgt>
+                                        </p:tgtEl>
+                                      </p:cBhvr>
+                                    </p:animEffect>
+                                    <p:anim calcmode="lin" valueType="num">
+                                      <p:cBhvr>
+                                        <p:cTn id="28" dur="1000"/>
+                                        <p:tgtEl>
+                                          <p:spTgt spid="3">
+                                            <p:txEl>
+                                              <p:pRg st="0" end="0"/>
+                                            </p:txEl>
+                                          </p:spTgt>
+                                        </p:tgtEl>
+                                        <p:attrNameLst>
+                                          <p:attrName>ppt_x</p:attrName>
+                                        </p:attrNameLst>
+                                      </p:cBhvr>
+                                      <p:tavLst>
+                                        <p:tav tm="0">
+                                          <p:val>
+                                            <p:strVal val="ppt_x"/>
+                                          </p:val>
+                                        </p:tav>
+                                        <p:tav tm="100000">
+                                          <p:val>
+                                            <p:strVal val="ppt_x"/>
+                                          </p:val>
+                                        </p:tav>
+                                      </p:tavLst>
+                                    </p:anim>
+                                    <p:anim calcmode="lin" valueType="num">
+                                      <p:cBhvr>
+                                        <p:cTn id="29" dur="1000"/>
+                                        <p:tgtEl>
+                                          <p:spTgt spid="3">
+                                            <p:txEl>
+                                              <p:pRg st="0" end="0"/>
+                                            </p:txEl>
+                                          </p:spTgt>
+                                        </p:tgtEl>
+                                        <p:attrNameLst>
+                                          <p:attrName>ppt_y</p:attrName>
+                                        </p:attrNameLst>
+                                      </p:cBhvr>
+                                      <p:tavLst>
+                                        <p:tav tm="0">
+                                          <p:val>
+                                            <p:strVal val="ppt_y"/>
+                                          </p:val>
+                                        </p:tav>
+                                        <p:tav tm="100000">
+                                          <p:val>
+                                            <p:strVal val="ppt_y-.1"/>
+                                          </p:val>
+                                        </p:tav>
+                                      </p:tavLst>
+                                    </p:anim>
+                                    <p:set>
+                                      <p:cBhvr>
+                                        <p:cTn id="30" dur="1" fill="hold">
+                                          <p:stCondLst>
+                                            <p:cond delay="999"/>
+                                          </p:stCondLst>
+                                        </p:cTn>
+                                        <p:tgtEl>
+                                          <p:spTgt spid="3">
+                                            <p:txEl>
+                                              <p:pRg st="0" end="0"/>
+                                            </p:txEl>
+                                          </p:spTgt>
+                                        </p:tgtEl>
+                                        <p:attrNameLst>
+                                          <p:attrName>style.visibility</p:attrName>
+                                        </p:attrNameLst>
+                                      </p:cBhvr>
+                                      <p:to>
+                                        <p:strVal val="hidden"/>
+                                      </p:to>
+                                    </p:set>
+                                  </p:childTnLst>
+                                </p:cTn>
+                              </p:par>
+                            </p:childTnLst>
+                          </p:cTn>
+                        </p:par>
+                      </p:childTnLst>
+                    </p:cTn>
+                  </p:par>
+                  <p:par>
+                    <p:cTn id="31" fill="hold">
+                      <p:stCondLst>
+                        <p:cond delay="indefinite"/>
+                      </p:stCondLst>
+                      <p:childTnLst>
+                        <p:par>
+                          <p:cTn id="32" fill="hold">
+                            <p:stCondLst>
+                              <p:cond delay="0"/>
+                            </p:stCondLst>
+                            <p:childTnLst>
+                              <p:par>
+                                <p:cTn id="33" presetID="47" presetClass="exit" presetSubtype="0" fill="hold" grpId="1" nodeType="clickEffect">
+                                  <p:stCondLst>
+                                    <p:cond delay="0"/>
+                                  </p:stCondLst>
+                                  <p:childTnLst>
+                                    <p:animEffect transition="out" filter="fade">
+                                      <p:cBhvr>
+                                        <p:cTn id="34" dur="1000"/>
+                                        <p:tgtEl>
+                                          <p:spTgt spid="3">
+                                            <p:txEl>
+                                              <p:pRg st="1" end="1"/>
+                                            </p:txEl>
+                                          </p:spTgt>
+                                        </p:tgtEl>
+                                      </p:cBhvr>
+                                    </p:animEffect>
+                                    <p:anim calcmode="lin" valueType="num">
+                                      <p:cBhvr>
+                                        <p:cTn id="35" dur="1000"/>
+                                        <p:tgtEl>
+                                          <p:spTgt spid="3">
+                                            <p:txEl>
+                                              <p:pRg st="1" end="1"/>
+                                            </p:txEl>
+                                          </p:spTgt>
+                                        </p:tgtEl>
+                                        <p:attrNameLst>
+                                          <p:attrName>ppt_x</p:attrName>
+                                        </p:attrNameLst>
+                                      </p:cBhvr>
+                                      <p:tavLst>
+                                        <p:tav tm="0">
+                                          <p:val>
+                                            <p:strVal val="ppt_x"/>
+                                          </p:val>
+                                        </p:tav>
+                                        <p:tav tm="100000">
+                                          <p:val>
+                                            <p:strVal val="ppt_x"/>
+                                          </p:val>
+                                        </p:tav>
+                                      </p:tavLst>
+                                    </p:anim>
+                                    <p:anim calcmode="lin" valueType="num">
+                                      <p:cBhvr>
+                                        <p:cTn id="36" dur="1000"/>
+                                        <p:tgtEl>
+                                          <p:spTgt spid="3">
+                                            <p:txEl>
+                                              <p:pRg st="1" end="1"/>
+                                            </p:txEl>
+                                          </p:spTgt>
+                                        </p:tgtEl>
+                                        <p:attrNameLst>
+                                          <p:attrName>ppt_y</p:attrName>
+                                        </p:attrNameLst>
+                                      </p:cBhvr>
+                                      <p:tavLst>
+                                        <p:tav tm="0">
+                                          <p:val>
+                                            <p:strVal val="ppt_y"/>
+                                          </p:val>
+                                        </p:tav>
+                                        <p:tav tm="100000">
+                                          <p:val>
+                                            <p:strVal val="ppt_y-.1"/>
+                                          </p:val>
+                                        </p:tav>
+                                      </p:tavLst>
+                                    </p:anim>
+                                    <p:set>
+                                      <p:cBhvr>
+                                        <p:cTn id="37" dur="1" fill="hold">
+                                          <p:stCondLst>
+                                            <p:cond delay="999"/>
+                                          </p:stCondLst>
+                                        </p:cTn>
+                                        <p:tgtEl>
+                                          <p:spTgt spid="3">
+                                            <p:txEl>
+                                              <p:pRg st="1" end="1"/>
+                                            </p:txEl>
+                                          </p:spTgt>
+                                        </p:tgtEl>
+                                        <p:attrNameLst>
+                                          <p:attrName>style.visibility</p:attrName>
+                                        </p:attrNameLst>
+                                      </p:cBhvr>
+                                      <p:to>
+                                        <p:strVal val="hidden"/>
+                                      </p:to>
+                                    </p:set>
+                                  </p:childTnLst>
+                                </p:cTn>
+                              </p:par>
+                              <p:par>
+                                <p:cTn id="38" presetID="47" presetClass="exit" presetSubtype="0" fill="hold" grpId="1" nodeType="withEffect">
+                                  <p:stCondLst>
+                                    <p:cond delay="0"/>
+                                  </p:stCondLst>
+                                  <p:childTnLst>
+                                    <p:animEffect transition="out" filter="fade">
+                                      <p:cBhvr>
+                                        <p:cTn id="39" dur="1000"/>
+                                        <p:tgtEl>
+                                          <p:spTgt spid="4"/>
+                                        </p:tgtEl>
+                                      </p:cBhvr>
+                                    </p:animEffect>
+                                    <p:anim calcmode="lin" valueType="num">
+                                      <p:cBhvr>
+                                        <p:cTn id="40" dur="1000"/>
+                                        <p:tgtEl>
+                                          <p:spTgt spid="4"/>
+                                        </p:tgtEl>
+                                        <p:attrNameLst>
+                                          <p:attrName>ppt_x</p:attrName>
+                                        </p:attrNameLst>
+                                      </p:cBhvr>
+                                      <p:tavLst>
+                                        <p:tav tm="0">
+                                          <p:val>
+                                            <p:strVal val="ppt_x"/>
+                                          </p:val>
+                                        </p:tav>
+                                        <p:tav tm="100000">
+                                          <p:val>
+                                            <p:strVal val="ppt_x"/>
+                                          </p:val>
+                                        </p:tav>
+                                      </p:tavLst>
+                                    </p:anim>
+                                    <p:anim calcmode="lin" valueType="num">
+                                      <p:cBhvr>
+                                        <p:cTn id="41" dur="1000"/>
+                                        <p:tgtEl>
+                                          <p:spTgt spid="4"/>
+                                        </p:tgtEl>
+                                        <p:attrNameLst>
+                                          <p:attrName>ppt_y</p:attrName>
+                                        </p:attrNameLst>
+                                      </p:cBhvr>
+                                      <p:tavLst>
+                                        <p:tav tm="0">
+                                          <p:val>
+                                            <p:strVal val="ppt_y"/>
+                                          </p:val>
+                                        </p:tav>
+                                        <p:tav tm="100000">
+                                          <p:val>
+                                            <p:strVal val="ppt_y-.1"/>
+                                          </p:val>
+                                        </p:tav>
+                                      </p:tavLst>
+                                    </p:anim>
+                                    <p:set>
+                                      <p:cBhvr>
+                                        <p:cTn id="42" dur="1" fill="hold">
                                           <p:stCondLst>
                                             <p:cond delay="999"/>
                                           </p:stCondLst>

--- a/SuperAutoPetsPresentation.pptx
+++ b/SuperAutoPetsPresentation.pptx
@@ -140,882 +140,6 @@
 </p1510:revInfo>
 </file>
 
-<file path=ppt/changesInfos/changesInfo1.xml><?xml version="1.0" encoding="utf-8"?>
-<pc:chgInfo xmlns:a="http://schemas.openxmlformats.org/drawingml/2006/main" xmlns:r="http://schemas.openxmlformats.org/officeDocument/2006/relationships" xmlns:ac="http://schemas.microsoft.com/office/drawing/2013/main/command" xmlns:pc="http://schemas.microsoft.com/office/powerpoint/2013/main/command">
-  <pc:docChgLst>
-    <pc:chgData name="Van den Branden Lukas" userId="925ceb9f-e17d-4d49-9786-c385450712ca" providerId="ADAL" clId="{4F72922F-8F54-40D5-BC50-3585055BAA99}"/>
-    <pc:docChg chg="undo redo custSel addSld delSld modSld sldOrd">
-      <pc:chgData name="Van den Branden Lukas" userId="925ceb9f-e17d-4d49-9786-c385450712ca" providerId="ADAL" clId="{4F72922F-8F54-40D5-BC50-3585055BAA99}" dt="2024-03-28T09:38:07.658" v="3073" actId="120"/>
-      <pc:docMkLst>
-        <pc:docMk/>
-      </pc:docMkLst>
-      <pc:sldChg chg="modSp">
-        <pc:chgData name="Van den Branden Lukas" userId="925ceb9f-e17d-4d49-9786-c385450712ca" providerId="ADAL" clId="{4F72922F-8F54-40D5-BC50-3585055BAA99}" dt="2024-03-21T10:18:46.018" v="64" actId="1076"/>
-        <pc:sldMkLst>
-          <pc:docMk/>
-          <pc:sldMk cId="2656819842" sldId="256"/>
-        </pc:sldMkLst>
-        <pc:picChg chg="mod">
-          <ac:chgData name="Van den Branden Lukas" userId="925ceb9f-e17d-4d49-9786-c385450712ca" providerId="ADAL" clId="{4F72922F-8F54-40D5-BC50-3585055BAA99}" dt="2024-03-21T10:18:46.018" v="64" actId="1076"/>
-          <ac:picMkLst>
-            <pc:docMk/>
-            <pc:sldMk cId="2656819842" sldId="256"/>
-            <ac:picMk id="1026" creationId="{0D056B7B-5BF7-6AC9-0545-7A51AAD56381}"/>
-          </ac:picMkLst>
-        </pc:picChg>
-      </pc:sldChg>
-      <pc:sldChg chg="addSp delSp modSp mod modNotesTx">
-        <pc:chgData name="Van den Branden Lukas" userId="925ceb9f-e17d-4d49-9786-c385450712ca" providerId="ADAL" clId="{4F72922F-8F54-40D5-BC50-3585055BAA99}" dt="2024-03-26T10:57:52.156" v="2490" actId="20577"/>
-        <pc:sldMkLst>
-          <pc:docMk/>
-          <pc:sldMk cId="4025127572" sldId="257"/>
-        </pc:sldMkLst>
-        <pc:spChg chg="mod">
-          <ac:chgData name="Van den Branden Lukas" userId="925ceb9f-e17d-4d49-9786-c385450712ca" providerId="ADAL" clId="{4F72922F-8F54-40D5-BC50-3585055BAA99}" dt="2024-03-21T10:18:36.874" v="63" actId="1076"/>
-          <ac:spMkLst>
-            <pc:docMk/>
-            <pc:sldMk cId="4025127572" sldId="257"/>
-            <ac:spMk id="2" creationId="{CFD9E520-9B54-ED60-2A07-174B139AF8CF}"/>
-          </ac:spMkLst>
-        </pc:spChg>
-        <pc:spChg chg="mod">
-          <ac:chgData name="Van den Branden Lukas" userId="925ceb9f-e17d-4d49-9786-c385450712ca" providerId="ADAL" clId="{4F72922F-8F54-40D5-BC50-3585055BAA99}" dt="2024-03-21T10:18:25.897" v="60" actId="14100"/>
-          <ac:spMkLst>
-            <pc:docMk/>
-            <pc:sldMk cId="4025127572" sldId="257"/>
-            <ac:spMk id="3" creationId="{5FA68AA5-9E9D-6343-D56A-C6272FE5624C}"/>
-          </ac:spMkLst>
-        </pc:spChg>
-        <pc:picChg chg="add del mod">
-          <ac:chgData name="Van den Branden Lukas" userId="925ceb9f-e17d-4d49-9786-c385450712ca" providerId="ADAL" clId="{4F72922F-8F54-40D5-BC50-3585055BAA99}" dt="2024-03-21T10:15:46.563" v="23" actId="478"/>
-          <ac:picMkLst>
-            <pc:docMk/>
-            <pc:sldMk cId="4025127572" sldId="257"/>
-            <ac:picMk id="4" creationId="{8785EA91-2452-132B-C56B-1D4FF6B78FDE}"/>
-          </ac:picMkLst>
-        </pc:picChg>
-      </pc:sldChg>
-      <pc:sldChg chg="modSp add mod">
-        <pc:chgData name="Van den Branden Lukas" userId="925ceb9f-e17d-4d49-9786-c385450712ca" providerId="ADAL" clId="{4F72922F-8F54-40D5-BC50-3585055BAA99}" dt="2024-03-21T10:42:27.099" v="1300" actId="14100"/>
-        <pc:sldMkLst>
-          <pc:docMk/>
-          <pc:sldMk cId="699168692" sldId="258"/>
-        </pc:sldMkLst>
-        <pc:spChg chg="mod">
-          <ac:chgData name="Van den Branden Lukas" userId="925ceb9f-e17d-4d49-9786-c385450712ca" providerId="ADAL" clId="{4F72922F-8F54-40D5-BC50-3585055BAA99}" dt="2024-03-21T10:22:16.276" v="330" actId="20577"/>
-          <ac:spMkLst>
-            <pc:docMk/>
-            <pc:sldMk cId="699168692" sldId="258"/>
-            <ac:spMk id="2" creationId="{CFD9E520-9B54-ED60-2A07-174B139AF8CF}"/>
-          </ac:spMkLst>
-        </pc:spChg>
-        <pc:spChg chg="mod">
-          <ac:chgData name="Van den Branden Lukas" userId="925ceb9f-e17d-4d49-9786-c385450712ca" providerId="ADAL" clId="{4F72922F-8F54-40D5-BC50-3585055BAA99}" dt="2024-03-21T10:42:27.099" v="1300" actId="14100"/>
-          <ac:spMkLst>
-            <pc:docMk/>
-            <pc:sldMk cId="699168692" sldId="258"/>
-            <ac:spMk id="3" creationId="{5FA68AA5-9E9D-6343-D56A-C6272FE5624C}"/>
-          </ac:spMkLst>
-        </pc:spChg>
-      </pc:sldChg>
-      <pc:sldChg chg="addSp delSp modSp add mod addAnim delAnim modAnim">
-        <pc:chgData name="Van den Branden Lukas" userId="925ceb9f-e17d-4d49-9786-c385450712ca" providerId="ADAL" clId="{4F72922F-8F54-40D5-BC50-3585055BAA99}" dt="2024-03-21T11:05:43.596" v="1674" actId="1076"/>
-        <pc:sldMkLst>
-          <pc:docMk/>
-          <pc:sldMk cId="1984685842" sldId="259"/>
-        </pc:sldMkLst>
-        <pc:spChg chg="mod">
-          <ac:chgData name="Van den Branden Lukas" userId="925ceb9f-e17d-4d49-9786-c385450712ca" providerId="ADAL" clId="{4F72922F-8F54-40D5-BC50-3585055BAA99}" dt="2024-03-21T10:44:59.580" v="1368" actId="20577"/>
-          <ac:spMkLst>
-            <pc:docMk/>
-            <pc:sldMk cId="1984685842" sldId="259"/>
-            <ac:spMk id="2" creationId="{CFD9E520-9B54-ED60-2A07-174B139AF8CF}"/>
-          </ac:spMkLst>
-        </pc:spChg>
-        <pc:spChg chg="mod">
-          <ac:chgData name="Van den Branden Lukas" userId="925ceb9f-e17d-4d49-9786-c385450712ca" providerId="ADAL" clId="{4F72922F-8F54-40D5-BC50-3585055BAA99}" dt="2024-03-21T10:53:51.944" v="1501" actId="1076"/>
-          <ac:spMkLst>
-            <pc:docMk/>
-            <pc:sldMk cId="1984685842" sldId="259"/>
-            <ac:spMk id="3" creationId="{5FA68AA5-9E9D-6343-D56A-C6272FE5624C}"/>
-          </ac:spMkLst>
-        </pc:spChg>
-        <pc:spChg chg="add mod">
-          <ac:chgData name="Van den Branden Lukas" userId="925ceb9f-e17d-4d49-9786-c385450712ca" providerId="ADAL" clId="{4F72922F-8F54-40D5-BC50-3585055BAA99}" dt="2024-03-21T10:53:51.944" v="1501" actId="1076"/>
-          <ac:spMkLst>
-            <pc:docMk/>
-            <pc:sldMk cId="1984685842" sldId="259"/>
-            <ac:spMk id="6" creationId="{8CD21A79-CB6A-F453-7443-35DC27999763}"/>
-          </ac:spMkLst>
-        </pc:spChg>
-        <pc:spChg chg="add del">
-          <ac:chgData name="Van den Branden Lukas" userId="925ceb9f-e17d-4d49-9786-c385450712ca" providerId="ADAL" clId="{4F72922F-8F54-40D5-BC50-3585055BAA99}" dt="2024-03-21T10:48:14.387" v="1453" actId="478"/>
-          <ac:spMkLst>
-            <pc:docMk/>
-            <pc:sldMk cId="1984685842" sldId="259"/>
-            <ac:spMk id="7" creationId="{67D7CF2F-11EE-2229-E8A2-0DD7911567DF}"/>
-          </ac:spMkLst>
-        </pc:spChg>
-        <pc:spChg chg="add mod">
-          <ac:chgData name="Van den Branden Lukas" userId="925ceb9f-e17d-4d49-9786-c385450712ca" providerId="ADAL" clId="{4F72922F-8F54-40D5-BC50-3585055BAA99}" dt="2024-03-21T10:54:12.461" v="1505" actId="14100"/>
-          <ac:spMkLst>
-            <pc:docMk/>
-            <pc:sldMk cId="1984685842" sldId="259"/>
-            <ac:spMk id="8" creationId="{C9637660-8D0F-0C11-AFE6-4701AAFD4AA7}"/>
-          </ac:spMkLst>
-        </pc:spChg>
-        <pc:spChg chg="add mod">
-          <ac:chgData name="Van den Branden Lukas" userId="925ceb9f-e17d-4d49-9786-c385450712ca" providerId="ADAL" clId="{4F72922F-8F54-40D5-BC50-3585055BAA99}" dt="2024-03-21T11:05:43.596" v="1674" actId="1076"/>
-          <ac:spMkLst>
-            <pc:docMk/>
-            <pc:sldMk cId="1984685842" sldId="259"/>
-            <ac:spMk id="9" creationId="{52DC623C-26DB-E25E-74B7-66841731C967}"/>
-          </ac:spMkLst>
-        </pc:spChg>
-        <pc:spChg chg="add mod">
-          <ac:chgData name="Van den Branden Lukas" userId="925ceb9f-e17d-4d49-9786-c385450712ca" providerId="ADAL" clId="{4F72922F-8F54-40D5-BC50-3585055BAA99}" dt="2024-03-21T10:54:12.461" v="1505" actId="14100"/>
-          <ac:spMkLst>
-            <pc:docMk/>
-            <pc:sldMk cId="1984685842" sldId="259"/>
-            <ac:spMk id="10" creationId="{80915BAB-EE21-F902-734B-BA9D4F207E41}"/>
-          </ac:spMkLst>
-        </pc:spChg>
-        <pc:spChg chg="add mod">
-          <ac:chgData name="Van den Branden Lukas" userId="925ceb9f-e17d-4d49-9786-c385450712ca" providerId="ADAL" clId="{4F72922F-8F54-40D5-BC50-3585055BAA99}" dt="2024-03-21T10:54:12.461" v="1505" actId="14100"/>
-          <ac:spMkLst>
-            <pc:docMk/>
-            <pc:sldMk cId="1984685842" sldId="259"/>
-            <ac:spMk id="11" creationId="{57A21172-A580-C4B9-78A3-C9771CC70806}"/>
-          </ac:spMkLst>
-        </pc:spChg>
-        <pc:spChg chg="add mod">
-          <ac:chgData name="Van den Branden Lukas" userId="925ceb9f-e17d-4d49-9786-c385450712ca" providerId="ADAL" clId="{4F72922F-8F54-40D5-BC50-3585055BAA99}" dt="2024-03-21T10:54:12.461" v="1505" actId="14100"/>
-          <ac:spMkLst>
-            <pc:docMk/>
-            <pc:sldMk cId="1984685842" sldId="259"/>
-            <ac:spMk id="12" creationId="{EA033E70-EA8E-80E2-1DF0-5277963831F7}"/>
-          </ac:spMkLst>
-        </pc:spChg>
-        <pc:spChg chg="add mod">
-          <ac:chgData name="Van den Branden Lukas" userId="925ceb9f-e17d-4d49-9786-c385450712ca" providerId="ADAL" clId="{4F72922F-8F54-40D5-BC50-3585055BAA99}" dt="2024-03-21T10:54:12.461" v="1505" actId="14100"/>
-          <ac:spMkLst>
-            <pc:docMk/>
-            <pc:sldMk cId="1984685842" sldId="259"/>
-            <ac:spMk id="13" creationId="{273EA27A-2D9E-4EBA-1B97-E0B82E18EFE5}"/>
-          </ac:spMkLst>
-        </pc:spChg>
-        <pc:spChg chg="add mod">
-          <ac:chgData name="Van den Branden Lukas" userId="925ceb9f-e17d-4d49-9786-c385450712ca" providerId="ADAL" clId="{4F72922F-8F54-40D5-BC50-3585055BAA99}" dt="2024-03-21T10:54:12.461" v="1505" actId="14100"/>
-          <ac:spMkLst>
-            <pc:docMk/>
-            <pc:sldMk cId="1984685842" sldId="259"/>
-            <ac:spMk id="14" creationId="{F1C24714-4AE0-C304-87F2-429ABADB0F1F}"/>
-          </ac:spMkLst>
-        </pc:spChg>
-        <pc:spChg chg="add del mod">
-          <ac:chgData name="Van den Branden Lukas" userId="925ceb9f-e17d-4d49-9786-c385450712ca" providerId="ADAL" clId="{4F72922F-8F54-40D5-BC50-3585055BAA99}" dt="2024-03-21T10:53:54.758" v="1503" actId="478"/>
-          <ac:spMkLst>
-            <pc:docMk/>
-            <pc:sldMk cId="1984685842" sldId="259"/>
-            <ac:spMk id="15" creationId="{8E974F30-DE83-3047-E12F-55ED88E1C114}"/>
-          </ac:spMkLst>
-        </pc:spChg>
-      </pc:sldChg>
-      <pc:sldChg chg="modSp add mod">
-        <pc:chgData name="Van den Branden Lukas" userId="925ceb9f-e17d-4d49-9786-c385450712ca" providerId="ADAL" clId="{4F72922F-8F54-40D5-BC50-3585055BAA99}" dt="2024-03-21T10:25:34.968" v="556" actId="20577"/>
-        <pc:sldMkLst>
-          <pc:docMk/>
-          <pc:sldMk cId="3741528675" sldId="260"/>
-        </pc:sldMkLst>
-        <pc:spChg chg="mod">
-          <ac:chgData name="Van den Branden Lukas" userId="925ceb9f-e17d-4d49-9786-c385450712ca" providerId="ADAL" clId="{4F72922F-8F54-40D5-BC50-3585055BAA99}" dt="2024-03-21T10:25:34.968" v="556" actId="20577"/>
-          <ac:spMkLst>
-            <pc:docMk/>
-            <pc:sldMk cId="3741528675" sldId="260"/>
-            <ac:spMk id="3" creationId="{5FA68AA5-9E9D-6343-D56A-C6272FE5624C}"/>
-          </ac:spMkLst>
-        </pc:spChg>
-      </pc:sldChg>
-      <pc:sldChg chg="modSp add mod ord">
-        <pc:chgData name="Van den Branden Lukas" userId="925ceb9f-e17d-4d49-9786-c385450712ca" providerId="ADAL" clId="{4F72922F-8F54-40D5-BC50-3585055BAA99}" dt="2024-03-21T10:37:47.039" v="979"/>
-        <pc:sldMkLst>
-          <pc:docMk/>
-          <pc:sldMk cId="2726133112" sldId="261"/>
-        </pc:sldMkLst>
-        <pc:spChg chg="mod">
-          <ac:chgData name="Van den Branden Lukas" userId="925ceb9f-e17d-4d49-9786-c385450712ca" providerId="ADAL" clId="{4F72922F-8F54-40D5-BC50-3585055BAA99}" dt="2024-03-21T10:24:06.678" v="427" actId="20577"/>
-          <ac:spMkLst>
-            <pc:docMk/>
-            <pc:sldMk cId="2726133112" sldId="261"/>
-            <ac:spMk id="2" creationId="{CFD9E520-9B54-ED60-2A07-174B139AF8CF}"/>
-          </ac:spMkLst>
-        </pc:spChg>
-        <pc:spChg chg="mod">
-          <ac:chgData name="Van den Branden Lukas" userId="925ceb9f-e17d-4d49-9786-c385450712ca" providerId="ADAL" clId="{4F72922F-8F54-40D5-BC50-3585055BAA99}" dt="2024-03-21T10:24:51.577" v="523" actId="14100"/>
-          <ac:spMkLst>
-            <pc:docMk/>
-            <pc:sldMk cId="2726133112" sldId="261"/>
-            <ac:spMk id="3" creationId="{5FA68AA5-9E9D-6343-D56A-C6272FE5624C}"/>
-          </ac:spMkLst>
-        </pc:spChg>
-      </pc:sldChg>
-      <pc:sldChg chg="addSp modSp add mod">
-        <pc:chgData name="Van den Branden Lukas" userId="925ceb9f-e17d-4d49-9786-c385450712ca" providerId="ADAL" clId="{4F72922F-8F54-40D5-BC50-3585055BAA99}" dt="2024-03-21T10:31:02.931" v="704" actId="207"/>
-        <pc:sldMkLst>
-          <pc:docMk/>
-          <pc:sldMk cId="374571084" sldId="262"/>
-        </pc:sldMkLst>
-        <pc:spChg chg="mod">
-          <ac:chgData name="Van den Branden Lukas" userId="925ceb9f-e17d-4d49-9786-c385450712ca" providerId="ADAL" clId="{4F72922F-8F54-40D5-BC50-3585055BAA99}" dt="2024-03-21T10:26:03.393" v="606" actId="20577"/>
-          <ac:spMkLst>
-            <pc:docMk/>
-            <pc:sldMk cId="374571084" sldId="262"/>
-            <ac:spMk id="2" creationId="{CFD9E520-9B54-ED60-2A07-174B139AF8CF}"/>
-          </ac:spMkLst>
-        </pc:spChg>
-        <pc:spChg chg="mod">
-          <ac:chgData name="Van den Branden Lukas" userId="925ceb9f-e17d-4d49-9786-c385450712ca" providerId="ADAL" clId="{4F72922F-8F54-40D5-BC50-3585055BAA99}" dt="2024-03-21T10:30:31.388" v="700" actId="122"/>
-          <ac:spMkLst>
-            <pc:docMk/>
-            <pc:sldMk cId="374571084" sldId="262"/>
-            <ac:spMk id="3" creationId="{5FA68AA5-9E9D-6343-D56A-C6272FE5624C}"/>
-          </ac:spMkLst>
-        </pc:spChg>
-        <pc:spChg chg="add mod">
-          <ac:chgData name="Van den Branden Lukas" userId="925ceb9f-e17d-4d49-9786-c385450712ca" providerId="ADAL" clId="{4F72922F-8F54-40D5-BC50-3585055BAA99}" dt="2024-03-21T10:30:31.388" v="700" actId="122"/>
-          <ac:spMkLst>
-            <pc:docMk/>
-            <pc:sldMk cId="374571084" sldId="262"/>
-            <ac:spMk id="4" creationId="{233B5E83-0797-4A5A-F694-F0A9DC14A43A}"/>
-          </ac:spMkLst>
-        </pc:spChg>
-        <pc:spChg chg="add mod">
-          <ac:chgData name="Van den Branden Lukas" userId="925ceb9f-e17d-4d49-9786-c385450712ca" providerId="ADAL" clId="{4F72922F-8F54-40D5-BC50-3585055BAA99}" dt="2024-03-21T10:30:34.532" v="701" actId="1076"/>
-          <ac:spMkLst>
-            <pc:docMk/>
-            <pc:sldMk cId="374571084" sldId="262"/>
-            <ac:spMk id="5" creationId="{5332F822-F54E-B7AE-797D-57DA32A428D0}"/>
-          </ac:spMkLst>
-        </pc:spChg>
-        <pc:spChg chg="add mod">
-          <ac:chgData name="Van den Branden Lukas" userId="925ceb9f-e17d-4d49-9786-c385450712ca" providerId="ADAL" clId="{4F72922F-8F54-40D5-BC50-3585055BAA99}" dt="2024-03-21T10:27:50.180" v="671"/>
-          <ac:spMkLst>
-            <pc:docMk/>
-            <pc:sldMk cId="374571084" sldId="262"/>
-            <ac:spMk id="6" creationId="{9BDE8D79-4AEF-1E68-1591-29A3A4D4C56C}"/>
-          </ac:spMkLst>
-        </pc:spChg>
-        <pc:spChg chg="add mod">
-          <ac:chgData name="Van den Branden Lukas" userId="925ceb9f-e17d-4d49-9786-c385450712ca" providerId="ADAL" clId="{4F72922F-8F54-40D5-BC50-3585055BAA99}" dt="2024-03-21T10:31:02.931" v="704" actId="207"/>
-          <ac:spMkLst>
-            <pc:docMk/>
-            <pc:sldMk cId="374571084" sldId="262"/>
-            <ac:spMk id="7" creationId="{6C7BD40C-B6F5-76EA-8D4A-AA2180A4E090}"/>
-          </ac:spMkLst>
-        </pc:spChg>
-      </pc:sldChg>
-      <pc:sldChg chg="modSp add del mod">
-        <pc:chgData name="Van den Branden Lukas" userId="925ceb9f-e17d-4d49-9786-c385450712ca" providerId="ADAL" clId="{4F72922F-8F54-40D5-BC50-3585055BAA99}" dt="2024-03-21T10:34:12.852" v="818" actId="47"/>
-        <pc:sldMkLst>
-          <pc:docMk/>
-          <pc:sldMk cId="780591822" sldId="263"/>
-        </pc:sldMkLst>
-        <pc:spChg chg="mod">
-          <ac:chgData name="Van den Branden Lukas" userId="925ceb9f-e17d-4d49-9786-c385450712ca" providerId="ADAL" clId="{4F72922F-8F54-40D5-BC50-3585055BAA99}" dt="2024-03-21T10:33:20.801" v="781" actId="20577"/>
-          <ac:spMkLst>
-            <pc:docMk/>
-            <pc:sldMk cId="780591822" sldId="263"/>
-            <ac:spMk id="2" creationId="{CFD9E520-9B54-ED60-2A07-174B139AF8CF}"/>
-          </ac:spMkLst>
-        </pc:spChg>
-        <pc:spChg chg="mod">
-          <ac:chgData name="Van den Branden Lukas" userId="925ceb9f-e17d-4d49-9786-c385450712ca" providerId="ADAL" clId="{4F72922F-8F54-40D5-BC50-3585055BAA99}" dt="2024-03-21T10:34:02.624" v="816" actId="20577"/>
-          <ac:spMkLst>
-            <pc:docMk/>
-            <pc:sldMk cId="780591822" sldId="263"/>
-            <ac:spMk id="3" creationId="{5FA68AA5-9E9D-6343-D56A-C6272FE5624C}"/>
-          </ac:spMkLst>
-        </pc:spChg>
-      </pc:sldChg>
-      <pc:sldChg chg="modSp add mod">
-        <pc:chgData name="Van den Branden Lukas" userId="925ceb9f-e17d-4d49-9786-c385450712ca" providerId="ADAL" clId="{4F72922F-8F54-40D5-BC50-3585055BAA99}" dt="2024-03-26T11:15:57.022" v="2539" actId="20577"/>
-        <pc:sldMkLst>
-          <pc:docMk/>
-          <pc:sldMk cId="626560748" sldId="264"/>
-        </pc:sldMkLst>
-        <pc:spChg chg="mod">
-          <ac:chgData name="Van den Branden Lukas" userId="925ceb9f-e17d-4d49-9786-c385450712ca" providerId="ADAL" clId="{4F72922F-8F54-40D5-BC50-3585055BAA99}" dt="2024-03-21T10:34:18.288" v="844" actId="20577"/>
-          <ac:spMkLst>
-            <pc:docMk/>
-            <pc:sldMk cId="626560748" sldId="264"/>
-            <ac:spMk id="2" creationId="{CFD9E520-9B54-ED60-2A07-174B139AF8CF}"/>
-          </ac:spMkLst>
-        </pc:spChg>
-        <pc:spChg chg="mod">
-          <ac:chgData name="Van den Branden Lukas" userId="925ceb9f-e17d-4d49-9786-c385450712ca" providerId="ADAL" clId="{4F72922F-8F54-40D5-BC50-3585055BAA99}" dt="2024-03-26T11:15:57.022" v="2539" actId="20577"/>
-          <ac:spMkLst>
-            <pc:docMk/>
-            <pc:sldMk cId="626560748" sldId="264"/>
-            <ac:spMk id="3" creationId="{5FA68AA5-9E9D-6343-D56A-C6272FE5624C}"/>
-          </ac:spMkLst>
-        </pc:spChg>
-      </pc:sldChg>
-      <pc:sldChg chg="modSp add mod">
-        <pc:chgData name="Van den Branden Lukas" userId="925ceb9f-e17d-4d49-9786-c385450712ca" providerId="ADAL" clId="{4F72922F-8F54-40D5-BC50-3585055BAA99}" dt="2024-03-21T10:41:51.895" v="1276" actId="20577"/>
-        <pc:sldMkLst>
-          <pc:docMk/>
-          <pc:sldMk cId="2485824845" sldId="265"/>
-        </pc:sldMkLst>
-        <pc:spChg chg="mod">
-          <ac:chgData name="Van den Branden Lukas" userId="925ceb9f-e17d-4d49-9786-c385450712ca" providerId="ADAL" clId="{4F72922F-8F54-40D5-BC50-3585055BAA99}" dt="2024-03-21T10:39:54.005" v="1113" actId="20577"/>
-          <ac:spMkLst>
-            <pc:docMk/>
-            <pc:sldMk cId="2485824845" sldId="265"/>
-            <ac:spMk id="2" creationId="{CFD9E520-9B54-ED60-2A07-174B139AF8CF}"/>
-          </ac:spMkLst>
-        </pc:spChg>
-        <pc:spChg chg="mod">
-          <ac:chgData name="Van den Branden Lukas" userId="925ceb9f-e17d-4d49-9786-c385450712ca" providerId="ADAL" clId="{4F72922F-8F54-40D5-BC50-3585055BAA99}" dt="2024-03-21T10:41:51.895" v="1276" actId="20577"/>
-          <ac:spMkLst>
-            <pc:docMk/>
-            <pc:sldMk cId="2485824845" sldId="265"/>
-            <ac:spMk id="3" creationId="{5FA68AA5-9E9D-6343-D56A-C6272FE5624C}"/>
-          </ac:spMkLst>
-        </pc:spChg>
-      </pc:sldChg>
-      <pc:sldChg chg="modSp add del mod">
-        <pc:chgData name="Van den Branden Lukas" userId="925ceb9f-e17d-4d49-9786-c385450712ca" providerId="ADAL" clId="{4F72922F-8F54-40D5-BC50-3585055BAA99}" dt="2024-03-21T11:14:33.856" v="1786" actId="47"/>
-        <pc:sldMkLst>
-          <pc:docMk/>
-          <pc:sldMk cId="125954431" sldId="266"/>
-        </pc:sldMkLst>
-        <pc:spChg chg="mod">
-          <ac:chgData name="Van den Branden Lukas" userId="925ceb9f-e17d-4d49-9786-c385450712ca" providerId="ADAL" clId="{4F72922F-8F54-40D5-BC50-3585055BAA99}" dt="2024-03-21T10:43:00.269" v="1335" actId="20577"/>
-          <ac:spMkLst>
-            <pc:docMk/>
-            <pc:sldMk cId="125954431" sldId="266"/>
-            <ac:spMk id="2" creationId="{CFD9E520-9B54-ED60-2A07-174B139AF8CF}"/>
-          </ac:spMkLst>
-        </pc:spChg>
-        <pc:spChg chg="mod">
-          <ac:chgData name="Van den Branden Lukas" userId="925ceb9f-e17d-4d49-9786-c385450712ca" providerId="ADAL" clId="{4F72922F-8F54-40D5-BC50-3585055BAA99}" dt="2024-03-21T11:14:18.255" v="1782" actId="20577"/>
-          <ac:spMkLst>
-            <pc:docMk/>
-            <pc:sldMk cId="125954431" sldId="266"/>
-            <ac:spMk id="3" creationId="{5FA68AA5-9E9D-6343-D56A-C6272FE5624C}"/>
-          </ac:spMkLst>
-        </pc:spChg>
-      </pc:sldChg>
-      <pc:sldChg chg="add del">
-        <pc:chgData name="Van den Branden Lukas" userId="925ceb9f-e17d-4d49-9786-c385450712ca" providerId="ADAL" clId="{4F72922F-8F54-40D5-BC50-3585055BAA99}" dt="2024-03-21T11:26:28.864" v="2229" actId="47"/>
-        <pc:sldMkLst>
-          <pc:docMk/>
-          <pc:sldMk cId="385949472" sldId="267"/>
-        </pc:sldMkLst>
-      </pc:sldChg>
-      <pc:sldChg chg="delSp modSp add del mod">
-        <pc:chgData name="Van den Branden Lukas" userId="925ceb9f-e17d-4d49-9786-c385450712ca" providerId="ADAL" clId="{4F72922F-8F54-40D5-BC50-3585055BAA99}" dt="2024-03-21T10:44:53.192" v="1353" actId="47"/>
-        <pc:sldMkLst>
-          <pc:docMk/>
-          <pc:sldMk cId="4237288479" sldId="267"/>
-        </pc:sldMkLst>
-        <pc:spChg chg="mod">
-          <ac:chgData name="Van den Branden Lukas" userId="925ceb9f-e17d-4d49-9786-c385450712ca" providerId="ADAL" clId="{4F72922F-8F54-40D5-BC50-3585055BAA99}" dt="2024-03-21T10:44:41.759" v="1350" actId="20577"/>
-          <ac:spMkLst>
-            <pc:docMk/>
-            <pc:sldMk cId="4237288479" sldId="267"/>
-            <ac:spMk id="2" creationId="{CFD9E520-9B54-ED60-2A07-174B139AF8CF}"/>
-          </ac:spMkLst>
-        </pc:spChg>
-        <pc:spChg chg="del">
-          <ac:chgData name="Van den Branden Lukas" userId="925ceb9f-e17d-4d49-9786-c385450712ca" providerId="ADAL" clId="{4F72922F-8F54-40D5-BC50-3585055BAA99}" dt="2024-03-21T10:44:45.316" v="1351" actId="478"/>
-          <ac:spMkLst>
-            <pc:docMk/>
-            <pc:sldMk cId="4237288479" sldId="267"/>
-            <ac:spMk id="5" creationId="{5332F822-F54E-B7AE-797D-57DA32A428D0}"/>
-          </ac:spMkLst>
-        </pc:spChg>
-        <pc:spChg chg="del">
-          <ac:chgData name="Van den Branden Lukas" userId="925ceb9f-e17d-4d49-9786-c385450712ca" providerId="ADAL" clId="{4F72922F-8F54-40D5-BC50-3585055BAA99}" dt="2024-03-21T10:44:46.132" v="1352" actId="478"/>
-          <ac:spMkLst>
-            <pc:docMk/>
-            <pc:sldMk cId="4237288479" sldId="267"/>
-            <ac:spMk id="7" creationId="{6C7BD40C-B6F5-76EA-8D4A-AA2180A4E090}"/>
-          </ac:spMkLst>
-        </pc:spChg>
-      </pc:sldChg>
-      <pc:sldChg chg="addSp delSp modSp add mod addAnim delAnim modAnim">
-        <pc:chgData name="Van den Branden Lukas" userId="925ceb9f-e17d-4d49-9786-c385450712ca" providerId="ADAL" clId="{4F72922F-8F54-40D5-BC50-3585055BAA99}" dt="2024-03-21T11:12:29.965" v="1737"/>
-        <pc:sldMkLst>
-          <pc:docMk/>
-          <pc:sldMk cId="726338997" sldId="268"/>
-        </pc:sldMkLst>
-        <pc:spChg chg="mod">
-          <ac:chgData name="Van den Branden Lukas" userId="925ceb9f-e17d-4d49-9786-c385450712ca" providerId="ADAL" clId="{4F72922F-8F54-40D5-BC50-3585055BAA99}" dt="2024-03-21T10:54:46.303" v="1534" actId="20577"/>
-          <ac:spMkLst>
-            <pc:docMk/>
-            <pc:sldMk cId="726338997" sldId="268"/>
-            <ac:spMk id="2" creationId="{CFD9E520-9B54-ED60-2A07-174B139AF8CF}"/>
-          </ac:spMkLst>
-        </pc:spChg>
-        <pc:spChg chg="add del mod">
-          <ac:chgData name="Van den Branden Lukas" userId="925ceb9f-e17d-4d49-9786-c385450712ca" providerId="ADAL" clId="{4F72922F-8F54-40D5-BC50-3585055BAA99}" dt="2024-03-21T10:55:35.556" v="1585" actId="27636"/>
-          <ac:spMkLst>
-            <pc:docMk/>
-            <pc:sldMk cId="726338997" sldId="268"/>
-            <ac:spMk id="3" creationId="{5FA68AA5-9E9D-6343-D56A-C6272FE5624C}"/>
-          </ac:spMkLst>
-        </pc:spChg>
-        <pc:spChg chg="add del mod">
-          <ac:chgData name="Van den Branden Lukas" userId="925ceb9f-e17d-4d49-9786-c385450712ca" providerId="ADAL" clId="{4F72922F-8F54-40D5-BC50-3585055BAA99}" dt="2024-03-21T10:55:17.009" v="1537" actId="478"/>
-          <ac:spMkLst>
-            <pc:docMk/>
-            <pc:sldMk cId="726338997" sldId="268"/>
-            <ac:spMk id="5" creationId="{05BF159A-F8DE-1F84-F421-189F2F78BD62}"/>
-          </ac:spMkLst>
-        </pc:spChg>
-        <pc:spChg chg="add del mod">
-          <ac:chgData name="Van den Branden Lukas" userId="925ceb9f-e17d-4d49-9786-c385450712ca" providerId="ADAL" clId="{4F72922F-8F54-40D5-BC50-3585055BAA99}" dt="2024-03-21T11:03:38.624" v="1651" actId="20577"/>
-          <ac:spMkLst>
-            <pc:docMk/>
-            <pc:sldMk cId="726338997" sldId="268"/>
-            <ac:spMk id="6" creationId="{8CD21A79-CB6A-F453-7443-35DC27999763}"/>
-          </ac:spMkLst>
-        </pc:spChg>
-        <pc:spChg chg="add mod">
-          <ac:chgData name="Van den Branden Lukas" userId="925ceb9f-e17d-4d49-9786-c385450712ca" providerId="ADAL" clId="{4F72922F-8F54-40D5-BC50-3585055BAA99}" dt="2024-03-21T11:04:42.322" v="1659" actId="1076"/>
-          <ac:spMkLst>
-            <pc:docMk/>
-            <pc:sldMk cId="726338997" sldId="268"/>
-            <ac:spMk id="7" creationId="{A7D694B7-7718-67AC-2138-2C43C0DC8EEC}"/>
-          </ac:spMkLst>
-        </pc:spChg>
-        <pc:spChg chg="mod">
-          <ac:chgData name="Van den Branden Lukas" userId="925ceb9f-e17d-4d49-9786-c385450712ca" providerId="ADAL" clId="{4F72922F-8F54-40D5-BC50-3585055BAA99}" dt="2024-03-21T11:05:23.825" v="1672" actId="1076"/>
-          <ac:spMkLst>
-            <pc:docMk/>
-            <pc:sldMk cId="726338997" sldId="268"/>
-            <ac:spMk id="9" creationId="{52DC623C-26DB-E25E-74B7-66841731C967}"/>
-          </ac:spMkLst>
-        </pc:spChg>
-        <pc:spChg chg="add mod">
-          <ac:chgData name="Van den Branden Lukas" userId="925ceb9f-e17d-4d49-9786-c385450712ca" providerId="ADAL" clId="{4F72922F-8F54-40D5-BC50-3585055BAA99}" dt="2024-03-21T11:04:52.159" v="1660" actId="207"/>
-          <ac:spMkLst>
-            <pc:docMk/>
-            <pc:sldMk cId="726338997" sldId="268"/>
-            <ac:spMk id="15" creationId="{36FF6AE2-45DF-42E8-6154-D690CEDDC98E}"/>
-          </ac:spMkLst>
-        </pc:spChg>
-        <pc:spChg chg="add mod">
-          <ac:chgData name="Van den Branden Lukas" userId="925ceb9f-e17d-4d49-9786-c385450712ca" providerId="ADAL" clId="{4F72922F-8F54-40D5-BC50-3585055BAA99}" dt="2024-03-21T11:04:56.849" v="1662" actId="1076"/>
-          <ac:spMkLst>
-            <pc:docMk/>
-            <pc:sldMk cId="726338997" sldId="268"/>
-            <ac:spMk id="16" creationId="{85DE4A24-E623-63A6-C0F8-6C445AB11F4C}"/>
-          </ac:spMkLst>
-        </pc:spChg>
-        <pc:spChg chg="add mod">
-          <ac:chgData name="Van den Branden Lukas" userId="925ceb9f-e17d-4d49-9786-c385450712ca" providerId="ADAL" clId="{4F72922F-8F54-40D5-BC50-3585055BAA99}" dt="2024-03-21T11:04:56.849" v="1662" actId="1076"/>
-          <ac:spMkLst>
-            <pc:docMk/>
-            <pc:sldMk cId="726338997" sldId="268"/>
-            <ac:spMk id="17" creationId="{7728C47E-DE1A-8C68-2149-326637489504}"/>
-          </ac:spMkLst>
-        </pc:spChg>
-        <pc:spChg chg="add mod">
-          <ac:chgData name="Van den Branden Lukas" userId="925ceb9f-e17d-4d49-9786-c385450712ca" providerId="ADAL" clId="{4F72922F-8F54-40D5-BC50-3585055BAA99}" dt="2024-03-21T11:05:02.076" v="1664" actId="1076"/>
-          <ac:spMkLst>
-            <pc:docMk/>
-            <pc:sldMk cId="726338997" sldId="268"/>
-            <ac:spMk id="18" creationId="{48EA478D-D6A8-39FC-2FE1-35FFAD779662}"/>
-          </ac:spMkLst>
-        </pc:spChg>
-        <pc:spChg chg="add mod">
-          <ac:chgData name="Van den Branden Lukas" userId="925ceb9f-e17d-4d49-9786-c385450712ca" providerId="ADAL" clId="{4F72922F-8F54-40D5-BC50-3585055BAA99}" dt="2024-03-21T11:05:02.076" v="1664" actId="1076"/>
-          <ac:spMkLst>
-            <pc:docMk/>
-            <pc:sldMk cId="726338997" sldId="268"/>
-            <ac:spMk id="19" creationId="{F76B319B-6B2B-D679-D005-AAB99C6194AD}"/>
-          </ac:spMkLst>
-        </pc:spChg>
-        <pc:spChg chg="add mod">
-          <ac:chgData name="Van den Branden Lukas" userId="925ceb9f-e17d-4d49-9786-c385450712ca" providerId="ADAL" clId="{4F72922F-8F54-40D5-BC50-3585055BAA99}" dt="2024-03-21T11:05:07.802" v="1666" actId="1076"/>
-          <ac:spMkLst>
-            <pc:docMk/>
-            <pc:sldMk cId="726338997" sldId="268"/>
-            <ac:spMk id="20" creationId="{15E63AD0-410F-5148-E1BD-1C57BA5B765A}"/>
-          </ac:spMkLst>
-        </pc:spChg>
-        <pc:spChg chg="add mod">
-          <ac:chgData name="Van den Branden Lukas" userId="925ceb9f-e17d-4d49-9786-c385450712ca" providerId="ADAL" clId="{4F72922F-8F54-40D5-BC50-3585055BAA99}" dt="2024-03-21T11:05:07.802" v="1666" actId="1076"/>
-          <ac:spMkLst>
-            <pc:docMk/>
-            <pc:sldMk cId="726338997" sldId="268"/>
-            <ac:spMk id="21" creationId="{3E17AB22-0A2F-0B0F-34B3-223A1CC1066E}"/>
-          </ac:spMkLst>
-        </pc:spChg>
-        <pc:spChg chg="add mod">
-          <ac:chgData name="Van den Branden Lukas" userId="925ceb9f-e17d-4d49-9786-c385450712ca" providerId="ADAL" clId="{4F72922F-8F54-40D5-BC50-3585055BAA99}" dt="2024-03-21T11:05:12.639" v="1668" actId="1076"/>
-          <ac:spMkLst>
-            <pc:docMk/>
-            <pc:sldMk cId="726338997" sldId="268"/>
-            <ac:spMk id="22" creationId="{0E73F333-4B19-0B27-480C-AF2D728F0BD9}"/>
-          </ac:spMkLst>
-        </pc:spChg>
-        <pc:spChg chg="add mod">
-          <ac:chgData name="Van den Branden Lukas" userId="925ceb9f-e17d-4d49-9786-c385450712ca" providerId="ADAL" clId="{4F72922F-8F54-40D5-BC50-3585055BAA99}" dt="2024-03-21T11:05:12.639" v="1668" actId="1076"/>
-          <ac:spMkLst>
-            <pc:docMk/>
-            <pc:sldMk cId="726338997" sldId="268"/>
-            <ac:spMk id="23" creationId="{B0794058-B3DA-EBB5-B822-0E3C8AE55FF1}"/>
-          </ac:spMkLst>
-        </pc:spChg>
-        <pc:spChg chg="add mod">
-          <ac:chgData name="Van den Branden Lukas" userId="925ceb9f-e17d-4d49-9786-c385450712ca" providerId="ADAL" clId="{4F72922F-8F54-40D5-BC50-3585055BAA99}" dt="2024-03-21T11:05:15.868" v="1670" actId="1076"/>
-          <ac:spMkLst>
-            <pc:docMk/>
-            <pc:sldMk cId="726338997" sldId="268"/>
-            <ac:spMk id="24" creationId="{815E0DF1-761B-BE79-4349-278FCA194E8D}"/>
-          </ac:spMkLst>
-        </pc:spChg>
-        <pc:spChg chg="add mod">
-          <ac:chgData name="Van den Branden Lukas" userId="925ceb9f-e17d-4d49-9786-c385450712ca" providerId="ADAL" clId="{4F72922F-8F54-40D5-BC50-3585055BAA99}" dt="2024-03-21T11:05:15.868" v="1670" actId="1076"/>
-          <ac:spMkLst>
-            <pc:docMk/>
-            <pc:sldMk cId="726338997" sldId="268"/>
-            <ac:spMk id="25" creationId="{E0B461D1-A91F-BCCB-4C21-05033310BEA4}"/>
-          </ac:spMkLst>
-        </pc:spChg>
-        <pc:spChg chg="add mod">
-          <ac:chgData name="Van den Branden Lukas" userId="925ceb9f-e17d-4d49-9786-c385450712ca" providerId="ADAL" clId="{4F72922F-8F54-40D5-BC50-3585055BAA99}" dt="2024-03-21T11:05:59.119" v="1676" actId="1076"/>
-          <ac:spMkLst>
-            <pc:docMk/>
-            <pc:sldMk cId="726338997" sldId="268"/>
-            <ac:spMk id="26" creationId="{C260D3DC-C9E4-6C57-61FE-7D325E575590}"/>
-          </ac:spMkLst>
-        </pc:spChg>
-        <pc:spChg chg="add mod">
-          <ac:chgData name="Van den Branden Lukas" userId="925ceb9f-e17d-4d49-9786-c385450712ca" providerId="ADAL" clId="{4F72922F-8F54-40D5-BC50-3585055BAA99}" dt="2024-03-21T11:06:08.693" v="1678" actId="1076"/>
-          <ac:spMkLst>
-            <pc:docMk/>
-            <pc:sldMk cId="726338997" sldId="268"/>
-            <ac:spMk id="27" creationId="{3F27B2BE-BF72-7DDA-C21F-1F76F7A16934}"/>
-          </ac:spMkLst>
-        </pc:spChg>
-        <pc:spChg chg="add mod">
-          <ac:chgData name="Van den Branden Lukas" userId="925ceb9f-e17d-4d49-9786-c385450712ca" providerId="ADAL" clId="{4F72922F-8F54-40D5-BC50-3585055BAA99}" dt="2024-03-21T11:06:14.572" v="1680" actId="1076"/>
-          <ac:spMkLst>
-            <pc:docMk/>
-            <pc:sldMk cId="726338997" sldId="268"/>
-            <ac:spMk id="28" creationId="{A6F5A252-23E1-8D33-0533-215707872F12}"/>
-          </ac:spMkLst>
-        </pc:spChg>
-        <pc:spChg chg="add mod">
-          <ac:chgData name="Van den Branden Lukas" userId="925ceb9f-e17d-4d49-9786-c385450712ca" providerId="ADAL" clId="{4F72922F-8F54-40D5-BC50-3585055BAA99}" dt="2024-03-21T11:06:22.183" v="1682" actId="1076"/>
-          <ac:spMkLst>
-            <pc:docMk/>
-            <pc:sldMk cId="726338997" sldId="268"/>
-            <ac:spMk id="29" creationId="{0931AEFA-656B-0C5E-F0EC-3BB0F71F08FC}"/>
-          </ac:spMkLst>
-        </pc:spChg>
-        <pc:spChg chg="add mod">
-          <ac:chgData name="Van den Branden Lukas" userId="925ceb9f-e17d-4d49-9786-c385450712ca" providerId="ADAL" clId="{4F72922F-8F54-40D5-BC50-3585055BAA99}" dt="2024-03-21T11:06:27.368" v="1684" actId="1076"/>
-          <ac:spMkLst>
-            <pc:docMk/>
-            <pc:sldMk cId="726338997" sldId="268"/>
-            <ac:spMk id="30" creationId="{C7644A52-8941-CF25-4C42-7CC9E7ED5196}"/>
-          </ac:spMkLst>
-        </pc:spChg>
-      </pc:sldChg>
-      <pc:sldChg chg="delSp modSp add mod ord modAnim">
-        <pc:chgData name="Van den Branden Lukas" userId="925ceb9f-e17d-4d49-9786-c385450712ca" providerId="ADAL" clId="{4F72922F-8F54-40D5-BC50-3585055BAA99}" dt="2024-03-28T09:28:47.166" v="2798"/>
-        <pc:sldMkLst>
-          <pc:docMk/>
-          <pc:sldMk cId="1682090766" sldId="269"/>
-        </pc:sldMkLst>
-        <pc:spChg chg="mod">
-          <ac:chgData name="Van den Branden Lukas" userId="925ceb9f-e17d-4d49-9786-c385450712ca" providerId="ADAL" clId="{4F72922F-8F54-40D5-BC50-3585055BAA99}" dt="2024-03-21T11:14:41.529" v="1818" actId="20577"/>
-          <ac:spMkLst>
-            <pc:docMk/>
-            <pc:sldMk cId="1682090766" sldId="269"/>
-            <ac:spMk id="2" creationId="{CFD9E520-9B54-ED60-2A07-174B139AF8CF}"/>
-          </ac:spMkLst>
-        </pc:spChg>
-        <pc:spChg chg="mod">
-          <ac:chgData name="Van den Branden Lukas" userId="925ceb9f-e17d-4d49-9786-c385450712ca" providerId="ADAL" clId="{4F72922F-8F54-40D5-BC50-3585055BAA99}" dt="2024-03-21T11:18:06.105" v="1961" actId="14100"/>
-          <ac:spMkLst>
-            <pc:docMk/>
-            <pc:sldMk cId="1682090766" sldId="269"/>
-            <ac:spMk id="3" creationId="{5FA68AA5-9E9D-6343-D56A-C6272FE5624C}"/>
-          </ac:spMkLst>
-        </pc:spChg>
-        <pc:spChg chg="mod">
-          <ac:chgData name="Van den Branden Lukas" userId="925ceb9f-e17d-4d49-9786-c385450712ca" providerId="ADAL" clId="{4F72922F-8F54-40D5-BC50-3585055BAA99}" dt="2024-03-21T11:18:12.095" v="1963" actId="14100"/>
-          <ac:spMkLst>
-            <pc:docMk/>
-            <pc:sldMk cId="1682090766" sldId="269"/>
-            <ac:spMk id="4" creationId="{233B5E83-0797-4A5A-F694-F0A9DC14A43A}"/>
-          </ac:spMkLst>
-        </pc:spChg>
-        <pc:spChg chg="del">
-          <ac:chgData name="Van den Branden Lukas" userId="925ceb9f-e17d-4d49-9786-c385450712ca" providerId="ADAL" clId="{4F72922F-8F54-40D5-BC50-3585055BAA99}" dt="2024-03-21T11:14:47.461" v="1819" actId="478"/>
-          <ac:spMkLst>
-            <pc:docMk/>
-            <pc:sldMk cId="1682090766" sldId="269"/>
-            <ac:spMk id="5" creationId="{5332F822-F54E-B7AE-797D-57DA32A428D0}"/>
-          </ac:spMkLst>
-        </pc:spChg>
-        <pc:spChg chg="del">
-          <ac:chgData name="Van den Branden Lukas" userId="925ceb9f-e17d-4d49-9786-c385450712ca" providerId="ADAL" clId="{4F72922F-8F54-40D5-BC50-3585055BAA99}" dt="2024-03-21T11:14:48.081" v="1820" actId="478"/>
-          <ac:spMkLst>
-            <pc:docMk/>
-            <pc:sldMk cId="1682090766" sldId="269"/>
-            <ac:spMk id="7" creationId="{6C7BD40C-B6F5-76EA-8D4A-AA2180A4E090}"/>
-          </ac:spMkLst>
-        </pc:spChg>
-      </pc:sldChg>
-      <pc:sldChg chg="add del">
-        <pc:chgData name="Van den Branden Lukas" userId="925ceb9f-e17d-4d49-9786-c385450712ca" providerId="ADAL" clId="{4F72922F-8F54-40D5-BC50-3585055BAA99}" dt="2024-03-21T11:13:30.315" v="1739" actId="47"/>
-        <pc:sldMkLst>
-          <pc:docMk/>
-          <pc:sldMk cId="2529611254" sldId="269"/>
-        </pc:sldMkLst>
-      </pc:sldChg>
-      <pc:sldChg chg="modSp add modAnim">
-        <pc:chgData name="Van den Branden Lukas" userId="925ceb9f-e17d-4d49-9786-c385450712ca" providerId="ADAL" clId="{4F72922F-8F54-40D5-BC50-3585055BAA99}" dt="2024-03-26T11:19:00.213" v="2559" actId="20577"/>
-        <pc:sldMkLst>
-          <pc:docMk/>
-          <pc:sldMk cId="3534972199" sldId="270"/>
-        </pc:sldMkLst>
-        <pc:spChg chg="mod">
-          <ac:chgData name="Van den Branden Lukas" userId="925ceb9f-e17d-4d49-9786-c385450712ca" providerId="ADAL" clId="{4F72922F-8F54-40D5-BC50-3585055BAA99}" dt="2024-03-21T11:21:53.929" v="2037" actId="20577"/>
-          <ac:spMkLst>
-            <pc:docMk/>
-            <pc:sldMk cId="3534972199" sldId="270"/>
-            <ac:spMk id="3" creationId="{5FA68AA5-9E9D-6343-D56A-C6272FE5624C}"/>
-          </ac:spMkLst>
-        </pc:spChg>
-        <pc:spChg chg="mod">
-          <ac:chgData name="Van den Branden Lukas" userId="925ceb9f-e17d-4d49-9786-c385450712ca" providerId="ADAL" clId="{4F72922F-8F54-40D5-BC50-3585055BAA99}" dt="2024-03-26T11:19:00.213" v="2559" actId="20577"/>
-          <ac:spMkLst>
-            <pc:docMk/>
-            <pc:sldMk cId="3534972199" sldId="270"/>
-            <ac:spMk id="4" creationId="{233B5E83-0797-4A5A-F694-F0A9DC14A43A}"/>
-          </ac:spMkLst>
-        </pc:spChg>
-      </pc:sldChg>
-      <pc:sldChg chg="add del">
-        <pc:chgData name="Van den Branden Lukas" userId="925ceb9f-e17d-4d49-9786-c385450712ca" providerId="ADAL" clId="{4F72922F-8F54-40D5-BC50-3585055BAA99}" dt="2024-03-21T11:21:06.119" v="1979" actId="47"/>
-        <pc:sldMkLst>
-          <pc:docMk/>
-          <pc:sldMk cId="3829989962" sldId="270"/>
-        </pc:sldMkLst>
-      </pc:sldChg>
-      <pc:sldChg chg="modSp add modAnim">
-        <pc:chgData name="Van den Branden Lukas" userId="925ceb9f-e17d-4d49-9786-c385450712ca" providerId="ADAL" clId="{4F72922F-8F54-40D5-BC50-3585055BAA99}" dt="2024-03-28T09:26:08.285" v="2763" actId="20577"/>
-        <pc:sldMkLst>
-          <pc:docMk/>
-          <pc:sldMk cId="961284394" sldId="271"/>
-        </pc:sldMkLst>
-        <pc:spChg chg="mod">
-          <ac:chgData name="Van den Branden Lukas" userId="925ceb9f-e17d-4d49-9786-c385450712ca" providerId="ADAL" clId="{4F72922F-8F54-40D5-BC50-3585055BAA99}" dt="2024-03-28T09:25:16.971" v="2711" actId="20577"/>
-          <ac:spMkLst>
-            <pc:docMk/>
-            <pc:sldMk cId="961284394" sldId="271"/>
-            <ac:spMk id="3" creationId="{5FA68AA5-9E9D-6343-D56A-C6272FE5624C}"/>
-          </ac:spMkLst>
-        </pc:spChg>
-        <pc:spChg chg="mod">
-          <ac:chgData name="Van den Branden Lukas" userId="925ceb9f-e17d-4d49-9786-c385450712ca" providerId="ADAL" clId="{4F72922F-8F54-40D5-BC50-3585055BAA99}" dt="2024-03-28T09:26:08.285" v="2763" actId="20577"/>
-          <ac:spMkLst>
-            <pc:docMk/>
-            <pc:sldMk cId="961284394" sldId="271"/>
-            <ac:spMk id="4" creationId="{233B5E83-0797-4A5A-F694-F0A9DC14A43A}"/>
-          </ac:spMkLst>
-        </pc:spChg>
-      </pc:sldChg>
-      <pc:sldChg chg="addSp delSp modSp add mod modAnim">
-        <pc:chgData name="Van den Branden Lukas" userId="925ceb9f-e17d-4d49-9786-c385450712ca" providerId="ADAL" clId="{4F72922F-8F54-40D5-BC50-3585055BAA99}" dt="2024-03-21T11:43:08.708" v="2461"/>
-        <pc:sldMkLst>
-          <pc:docMk/>
-          <pc:sldMk cId="1900498938" sldId="272"/>
-        </pc:sldMkLst>
-        <pc:spChg chg="mod">
-          <ac:chgData name="Van den Branden Lukas" userId="925ceb9f-e17d-4d49-9786-c385450712ca" providerId="ADAL" clId="{4F72922F-8F54-40D5-BC50-3585055BAA99}" dt="2024-03-21T11:29:43.493" v="2398" actId="20577"/>
-          <ac:spMkLst>
-            <pc:docMk/>
-            <pc:sldMk cId="1900498938" sldId="272"/>
-            <ac:spMk id="2" creationId="{CFD9E520-9B54-ED60-2A07-174B139AF8CF}"/>
-          </ac:spMkLst>
-        </pc:spChg>
-        <pc:spChg chg="del">
-          <ac:chgData name="Van den Branden Lukas" userId="925ceb9f-e17d-4d49-9786-c385450712ca" providerId="ADAL" clId="{4F72922F-8F54-40D5-BC50-3585055BAA99}" dt="2024-03-21T11:29:51.545" v="2399" actId="478"/>
-          <ac:spMkLst>
-            <pc:docMk/>
-            <pc:sldMk cId="1900498938" sldId="272"/>
-            <ac:spMk id="3" creationId="{5FA68AA5-9E9D-6343-D56A-C6272FE5624C}"/>
-          </ac:spMkLst>
-        </pc:spChg>
-        <pc:spChg chg="add mod">
-          <ac:chgData name="Van den Branden Lukas" userId="925ceb9f-e17d-4d49-9786-c385450712ca" providerId="ADAL" clId="{4F72922F-8F54-40D5-BC50-3585055BAA99}" dt="2024-03-21T11:35:14.523" v="2425" actId="1076"/>
-          <ac:spMkLst>
-            <pc:docMk/>
-            <pc:sldMk cId="1900498938" sldId="272"/>
-            <ac:spMk id="4" creationId="{17FA84F5-FAF7-1125-5FBF-913ADDEC85FB}"/>
-          </ac:spMkLst>
-        </pc:spChg>
-        <pc:spChg chg="del">
-          <ac:chgData name="Van den Branden Lukas" userId="925ceb9f-e17d-4d49-9786-c385450712ca" providerId="ADAL" clId="{4F72922F-8F54-40D5-BC50-3585055BAA99}" dt="2024-03-21T11:29:56.013" v="2400" actId="478"/>
-          <ac:spMkLst>
-            <pc:docMk/>
-            <pc:sldMk cId="1900498938" sldId="272"/>
-            <ac:spMk id="6" creationId="{8CD21A79-CB6A-F453-7443-35DC27999763}"/>
-          </ac:spMkLst>
-        </pc:spChg>
-        <pc:spChg chg="mod">
-          <ac:chgData name="Van den Branden Lukas" userId="925ceb9f-e17d-4d49-9786-c385450712ca" providerId="ADAL" clId="{4F72922F-8F54-40D5-BC50-3585055BAA99}" dt="2024-03-21T11:35:49.007" v="2429" actId="1076"/>
-          <ac:spMkLst>
-            <pc:docMk/>
-            <pc:sldMk cId="1900498938" sldId="272"/>
-            <ac:spMk id="12" creationId="{EA033E70-EA8E-80E2-1DF0-5277963831F7}"/>
-          </ac:spMkLst>
-        </pc:spChg>
-        <pc:spChg chg="add del mod">
-          <ac:chgData name="Van den Branden Lukas" userId="925ceb9f-e17d-4d49-9786-c385450712ca" providerId="ADAL" clId="{4F72922F-8F54-40D5-BC50-3585055BAA99}" dt="2024-03-21T11:29:58.690" v="2401" actId="478"/>
-          <ac:spMkLst>
-            <pc:docMk/>
-            <pc:sldMk cId="1900498938" sldId="272"/>
-            <ac:spMk id="31" creationId="{DC7DE572-2770-3B55-9AC0-7BFEBD0BEF43}"/>
-          </ac:spMkLst>
-        </pc:spChg>
-      </pc:sldChg>
-      <pc:sldChg chg="add del">
-        <pc:chgData name="Van den Branden Lukas" userId="925ceb9f-e17d-4d49-9786-c385450712ca" providerId="ADAL" clId="{4F72922F-8F54-40D5-BC50-3585055BAA99}" dt="2024-03-21T11:25:31.808" v="2228" actId="47"/>
-        <pc:sldMkLst>
-          <pc:docMk/>
-          <pc:sldMk cId="3182898331" sldId="272"/>
-        </pc:sldMkLst>
-      </pc:sldChg>
-      <pc:sldChg chg="delSp modSp add mod modAnim">
-        <pc:chgData name="Van den Branden Lukas" userId="925ceb9f-e17d-4d49-9786-c385450712ca" providerId="ADAL" clId="{4F72922F-8F54-40D5-BC50-3585055BAA99}" dt="2024-03-26T11:13:43.193" v="2495"/>
-        <pc:sldMkLst>
-          <pc:docMk/>
-          <pc:sldMk cId="2157237901" sldId="273"/>
-        </pc:sldMkLst>
-        <pc:spChg chg="del mod">
-          <ac:chgData name="Van den Branden Lukas" userId="925ceb9f-e17d-4d49-9786-c385450712ca" providerId="ADAL" clId="{4F72922F-8F54-40D5-BC50-3585055BAA99}" dt="2024-03-26T10:53:40.127" v="2465" actId="478"/>
-          <ac:spMkLst>
-            <pc:docMk/>
-            <pc:sldMk cId="2157237901" sldId="273"/>
-            <ac:spMk id="4" creationId="{17FA84F5-FAF7-1125-5FBF-913ADDEC85FB}"/>
-          </ac:spMkLst>
-        </pc:spChg>
-        <pc:spChg chg="del">
-          <ac:chgData name="Van den Branden Lukas" userId="925ceb9f-e17d-4d49-9786-c385450712ca" providerId="ADAL" clId="{4F72922F-8F54-40D5-BC50-3585055BAA99}" dt="2024-03-26T10:55:17.859" v="2468" actId="478"/>
-          <ac:spMkLst>
-            <pc:docMk/>
-            <pc:sldMk cId="2157237901" sldId="273"/>
-            <ac:spMk id="9" creationId="{52DC623C-26DB-E25E-74B7-66841731C967}"/>
-          </ac:spMkLst>
-        </pc:spChg>
-        <pc:spChg chg="del">
-          <ac:chgData name="Van den Branden Lukas" userId="925ceb9f-e17d-4d49-9786-c385450712ca" providerId="ADAL" clId="{4F72922F-8F54-40D5-BC50-3585055BAA99}" dt="2024-03-26T10:55:17.859" v="2468" actId="478"/>
-          <ac:spMkLst>
-            <pc:docMk/>
-            <pc:sldMk cId="2157237901" sldId="273"/>
-            <ac:spMk id="11" creationId="{57A21172-A580-C4B9-78A3-C9771CC70806}"/>
-          </ac:spMkLst>
-        </pc:spChg>
-        <pc:spChg chg="del">
-          <ac:chgData name="Van den Branden Lukas" userId="925ceb9f-e17d-4d49-9786-c385450712ca" providerId="ADAL" clId="{4F72922F-8F54-40D5-BC50-3585055BAA99}" dt="2024-03-26T10:55:17.859" v="2468" actId="478"/>
-          <ac:spMkLst>
-            <pc:docMk/>
-            <pc:sldMk cId="2157237901" sldId="273"/>
-            <ac:spMk id="24" creationId="{815E0DF1-761B-BE79-4349-278FCA194E8D}"/>
-          </ac:spMkLst>
-        </pc:spChg>
-        <pc:spChg chg="del">
-          <ac:chgData name="Van den Branden Lukas" userId="925ceb9f-e17d-4d49-9786-c385450712ca" providerId="ADAL" clId="{4F72922F-8F54-40D5-BC50-3585055BAA99}" dt="2024-03-26T10:55:17.859" v="2468" actId="478"/>
-          <ac:spMkLst>
-            <pc:docMk/>
-            <pc:sldMk cId="2157237901" sldId="273"/>
-            <ac:spMk id="25" creationId="{E0B461D1-A91F-BCCB-4C21-05033310BEA4}"/>
-          </ac:spMkLst>
-        </pc:spChg>
-      </pc:sldChg>
-      <pc:sldChg chg="add">
-        <pc:chgData name="Van den Branden Lukas" userId="925ceb9f-e17d-4d49-9786-c385450712ca" providerId="ADAL" clId="{4F72922F-8F54-40D5-BC50-3585055BAA99}" dt="2024-03-28T09:24:11.401" v="2560" actId="2890"/>
-        <pc:sldMkLst>
-          <pc:docMk/>
-          <pc:sldMk cId="1406439423" sldId="274"/>
-        </pc:sldMkLst>
-      </pc:sldChg>
-      <pc:sldChg chg="modSp add ord">
-        <pc:chgData name="Van den Branden Lukas" userId="925ceb9f-e17d-4d49-9786-c385450712ca" providerId="ADAL" clId="{4F72922F-8F54-40D5-BC50-3585055BAA99}" dt="2024-03-28T09:28:41.669" v="2796"/>
-        <pc:sldMkLst>
-          <pc:docMk/>
-          <pc:sldMk cId="914915168" sldId="275"/>
-        </pc:sldMkLst>
-        <pc:spChg chg="mod">
-          <ac:chgData name="Van den Branden Lukas" userId="925ceb9f-e17d-4d49-9786-c385450712ca" providerId="ADAL" clId="{4F72922F-8F54-40D5-BC50-3585055BAA99}" dt="2024-03-28T09:27:46.746" v="2794" actId="20577"/>
-          <ac:spMkLst>
-            <pc:docMk/>
-            <pc:sldMk cId="914915168" sldId="275"/>
-            <ac:spMk id="4" creationId="{233B5E83-0797-4A5A-F694-F0A9DC14A43A}"/>
-          </ac:spMkLst>
-        </pc:spChg>
-      </pc:sldChg>
-      <pc:sldChg chg="modSp add mod modAnim">
-        <pc:chgData name="Van den Branden Lukas" userId="925ceb9f-e17d-4d49-9786-c385450712ca" providerId="ADAL" clId="{4F72922F-8F54-40D5-BC50-3585055BAA99}" dt="2024-03-28T09:38:07.658" v="3073" actId="120"/>
-        <pc:sldMkLst>
-          <pc:docMk/>
-          <pc:sldMk cId="927305712" sldId="276"/>
-        </pc:sldMkLst>
-        <pc:spChg chg="mod">
-          <ac:chgData name="Van den Branden Lukas" userId="925ceb9f-e17d-4d49-9786-c385450712ca" providerId="ADAL" clId="{4F72922F-8F54-40D5-BC50-3585055BAA99}" dt="2024-03-28T09:29:50.314" v="2850" actId="14100"/>
-          <ac:spMkLst>
-            <pc:docMk/>
-            <pc:sldMk cId="927305712" sldId="276"/>
-            <ac:spMk id="3" creationId="{5FA68AA5-9E9D-6343-D56A-C6272FE5624C}"/>
-          </ac:spMkLst>
-        </pc:spChg>
-        <pc:spChg chg="mod">
-          <ac:chgData name="Van den Branden Lukas" userId="925ceb9f-e17d-4d49-9786-c385450712ca" providerId="ADAL" clId="{4F72922F-8F54-40D5-BC50-3585055BAA99}" dt="2024-03-28T09:38:07.658" v="3073" actId="120"/>
-          <ac:spMkLst>
-            <pc:docMk/>
-            <pc:sldMk cId="927305712" sldId="276"/>
-            <ac:spMk id="4" creationId="{233B5E83-0797-4A5A-F694-F0A9DC14A43A}"/>
-          </ac:spMkLst>
-        </pc:spChg>
-      </pc:sldChg>
-      <pc:sldChg chg="modSp add del">
-        <pc:chgData name="Van den Branden Lukas" userId="925ceb9f-e17d-4d49-9786-c385450712ca" providerId="ADAL" clId="{4F72922F-8F54-40D5-BC50-3585055BAA99}" dt="2024-03-28T09:32:59.178" v="3072" actId="47"/>
-        <pc:sldMkLst>
-          <pc:docMk/>
-          <pc:sldMk cId="1103333774" sldId="277"/>
-        </pc:sldMkLst>
-        <pc:spChg chg="mod">
-          <ac:chgData name="Van den Branden Lukas" userId="925ceb9f-e17d-4d49-9786-c385450712ca" providerId="ADAL" clId="{4F72922F-8F54-40D5-BC50-3585055BAA99}" dt="2024-03-28T09:32:29.040" v="3010" actId="20577"/>
-          <ac:spMkLst>
-            <pc:docMk/>
-            <pc:sldMk cId="1103333774" sldId="277"/>
-            <ac:spMk id="3" creationId="{5FA68AA5-9E9D-6343-D56A-C6272FE5624C}"/>
-          </ac:spMkLst>
-        </pc:spChg>
-        <pc:spChg chg="mod">
-          <ac:chgData name="Van den Branden Lukas" userId="925ceb9f-e17d-4d49-9786-c385450712ca" providerId="ADAL" clId="{4F72922F-8F54-40D5-BC50-3585055BAA99}" dt="2024-03-28T09:32:39.226" v="3071" actId="20577"/>
-          <ac:spMkLst>
-            <pc:docMk/>
-            <pc:sldMk cId="1103333774" sldId="277"/>
-            <ac:spMk id="4" creationId="{233B5E83-0797-4A5A-F694-F0A9DC14A43A}"/>
-          </ac:spMkLst>
-        </pc:spChg>
-      </pc:sldChg>
-    </pc:docChg>
-  </pc:docChgLst>
-</pc:chgInfo>
-</file>
-
 <file path=ppt/notesMasters/notesMaster1.xml><?xml version="1.0" encoding="utf-8"?>
 <p:notesMaster xmlns:a="http://schemas.openxmlformats.org/drawingml/2006/main" xmlns:r="http://schemas.openxmlformats.org/officeDocument/2006/relationships" xmlns:p="http://schemas.openxmlformats.org/presentationml/2006/main">
   <p:cSld>
@@ -1257,7 +381,7 @@
           <a:p>
             <a:fld id="{94B093B7-F0C4-477A-8B3F-806443B8FF32}" type="slidenum">
               <a:rPr lang="en-GB" smtClean="0"/>
-              <a:t>‹#›</a:t>
+              <a:t>‹nr.›</a:t>
             </a:fld>
             <a:endParaRPr lang="en-GB"/>
           </a:p>
@@ -1653,7 +777,7 @@
           <a:p>
             <a:fld id="{5721AA80-BB55-400D-9E1F-C29A26A7E6E6}" type="slidenum">
               <a:rPr lang="en-GB" smtClean="0"/>
-              <a:t>‹#›</a:t>
+              <a:t>‹nr.›</a:t>
             </a:fld>
             <a:endParaRPr lang="en-GB"/>
           </a:p>
@@ -1853,7 +977,7 @@
           <a:p>
             <a:fld id="{5721AA80-BB55-400D-9E1F-C29A26A7E6E6}" type="slidenum">
               <a:rPr lang="en-GB" smtClean="0"/>
-              <a:t>‹#›</a:t>
+              <a:t>‹nr.›</a:t>
             </a:fld>
             <a:endParaRPr lang="en-GB"/>
           </a:p>
@@ -2063,7 +1187,7 @@
           <a:p>
             <a:fld id="{5721AA80-BB55-400D-9E1F-C29A26A7E6E6}" type="slidenum">
               <a:rPr lang="en-GB" smtClean="0"/>
-              <a:t>‹#›</a:t>
+              <a:t>‹nr.›</a:t>
             </a:fld>
             <a:endParaRPr lang="en-GB"/>
           </a:p>
@@ -2263,7 +1387,7 @@
           <a:p>
             <a:fld id="{5721AA80-BB55-400D-9E1F-C29A26A7E6E6}" type="slidenum">
               <a:rPr lang="en-GB" smtClean="0"/>
-              <a:t>‹#›</a:t>
+              <a:t>‹nr.›</a:t>
             </a:fld>
             <a:endParaRPr lang="en-GB"/>
           </a:p>
@@ -2539,7 +1663,7 @@
           <a:p>
             <a:fld id="{5721AA80-BB55-400D-9E1F-C29A26A7E6E6}" type="slidenum">
               <a:rPr lang="en-GB" smtClean="0"/>
-              <a:t>‹#›</a:t>
+              <a:t>‹nr.›</a:t>
             </a:fld>
             <a:endParaRPr lang="en-GB"/>
           </a:p>
@@ -2807,7 +1931,7 @@
           <a:p>
             <a:fld id="{5721AA80-BB55-400D-9E1F-C29A26A7E6E6}" type="slidenum">
               <a:rPr lang="en-GB" smtClean="0"/>
-              <a:t>‹#›</a:t>
+              <a:t>‹nr.›</a:t>
             </a:fld>
             <a:endParaRPr lang="en-GB"/>
           </a:p>
@@ -3222,7 +2346,7 @@
           <a:p>
             <a:fld id="{5721AA80-BB55-400D-9E1F-C29A26A7E6E6}" type="slidenum">
               <a:rPr lang="en-GB" smtClean="0"/>
-              <a:t>‹#›</a:t>
+              <a:t>‹nr.›</a:t>
             </a:fld>
             <a:endParaRPr lang="en-GB"/>
           </a:p>
@@ -3364,7 +2488,7 @@
           <a:p>
             <a:fld id="{5721AA80-BB55-400D-9E1F-C29A26A7E6E6}" type="slidenum">
               <a:rPr lang="en-GB" smtClean="0"/>
-              <a:t>‹#›</a:t>
+              <a:t>‹nr.›</a:t>
             </a:fld>
             <a:endParaRPr lang="en-GB"/>
           </a:p>
@@ -3477,7 +2601,7 @@
           <a:p>
             <a:fld id="{5721AA80-BB55-400D-9E1F-C29A26A7E6E6}" type="slidenum">
               <a:rPr lang="en-GB" smtClean="0"/>
-              <a:t>‹#›</a:t>
+              <a:t>‹nr.›</a:t>
             </a:fld>
             <a:endParaRPr lang="en-GB"/>
           </a:p>
@@ -3790,7 +2914,7 @@
           <a:p>
             <a:fld id="{5721AA80-BB55-400D-9E1F-C29A26A7E6E6}" type="slidenum">
               <a:rPr lang="en-GB" smtClean="0"/>
-              <a:t>‹#›</a:t>
+              <a:t>‹nr.›</a:t>
             </a:fld>
             <a:endParaRPr lang="en-GB"/>
           </a:p>
@@ -4079,7 +3203,7 @@
           <a:p>
             <a:fld id="{5721AA80-BB55-400D-9E1F-C29A26A7E6E6}" type="slidenum">
               <a:rPr lang="en-GB" smtClean="0"/>
-              <a:t>‹#›</a:t>
+              <a:t>‹nr.›</a:t>
             </a:fld>
             <a:endParaRPr lang="en-GB"/>
           </a:p>
@@ -4358,7 +3482,7 @@
           <a:p>
             <a:fld id="{5721AA80-BB55-400D-9E1F-C29A26A7E6E6}" type="slidenum">
               <a:rPr lang="en-GB" smtClean="0"/>
-              <a:t>‹#›</a:t>
+              <a:t>‹nr.›</a:t>
             </a:fld>
             <a:endParaRPr lang="en-GB"/>
           </a:p>
@@ -9029,19 +8153,13 @@
               <a:rPr lang="en-US" dirty="0">
                 <a:latin typeface="Lapsus Pro (theguybrush.com)" panose="02000800000000000000" pitchFamily="2" charset="0"/>
               </a:rPr>
-              <a:t>(deals 5 damage to second </a:t>
+              <a:t>(deals 5 damage to </a:t>
             </a:r>
             <a:r>
-              <a:rPr lang="en-US" dirty="0" err="1">
+              <a:rPr lang="en-US">
                 <a:latin typeface="Lapsus Pro (theguybrush.com)" panose="02000800000000000000" pitchFamily="2" charset="0"/>
               </a:rPr>
-              <a:t>emeny</a:t>
-            </a:r>
-            <a:r>
-              <a:rPr lang="en-US" dirty="0">
-                <a:latin typeface="Lapsus Pro (theguybrush.com)" panose="02000800000000000000" pitchFamily="2" charset="0"/>
-              </a:rPr>
-              <a:t> </a:t>
+              <a:t>second enemy </a:t>
             </a:r>
             <a:br>
               <a:rPr lang="en-US" dirty="0">
@@ -11917,7 +11035,7 @@
         </p:spPr>
         <p:txBody>
           <a:bodyPr>
-            <a:normAutofit/>
+            <a:normAutofit lnSpcReduction="10000"/>
           </a:bodyPr>
           <a:lstStyle/>
           <a:p>
@@ -13162,7 +12280,7 @@
         </p:spPr>
         <p:txBody>
           <a:bodyPr>
-            <a:normAutofit/>
+            <a:normAutofit fontScale="92500"/>
           </a:bodyPr>
           <a:lstStyle/>
           <a:p>
@@ -13289,7 +12407,7 @@
         </p:spPr>
         <p:txBody>
           <a:bodyPr>
-            <a:normAutofit fontScale="92500" lnSpcReduction="10000"/>
+            <a:normAutofit fontScale="85000" lnSpcReduction="10000"/>
           </a:bodyPr>
           <a:lstStyle/>
           <a:p>
